--- a/lectures3/Pythonlearn-09-Dictionaries.pptx
+++ b/lectures3/Pythonlearn-09-Dictionaries.pptx
@@ -5519,7 +5519,7 @@
               <a:buNone/>
             </a:pPr>
             <a:r>
-              <a:rPr lang="pl" sz="3200" b="0" i="0" u="none" baseline="0">
+              <a:rPr lang="pl" sz="3200" b="0" i="0" u="none" baseline="0" dirty="0">
                 <a:solidFill>
                   <a:srgbClr val="FFFF00"/>
                 </a:solidFill>
@@ -5550,7 +5550,7 @@
               <a:buNone/>
             </a:pPr>
             <a:r>
-              <a:rPr lang="pl" sz="3200" b="0" i="0" u="none" strike="noStrike" cap="none" baseline="0">
+              <a:rPr lang="pl" sz="3200" b="0" i="0" u="sng" strike="noStrike" cap="none" baseline="0" dirty="0">
                 <a:solidFill>
                   <a:srgbClr val="FFFF00"/>
                 </a:solidFill>
@@ -5558,10 +5558,24 @@
                 <a:ea typeface="Arial" charset="0"/>
                 <a:cs typeface="Arial" charset="0"/>
                 <a:sym typeface="Cabin"/>
-              </a:rPr>
-              <a:t>www.py4e.com</a:t>
-            </a:r>
-            <a:endParaRPr lang="pl" sz="3200" u="none" strike="noStrike" cap="none" dirty="0">
+                <a:hlinkClick r:id="rId3"/>
+              </a:rPr>
+              <a:t>www.py4e.</a:t>
+            </a:r>
+            <a:r>
+              <a:rPr lang="en-US" sz="3200" b="0" i="0" u="sng" strike="noStrike" cap="none" baseline="0">
+                <a:solidFill>
+                  <a:srgbClr val="FFFF00"/>
+                </a:solidFill>
+                <a:latin typeface="Arial" charset="0"/>
+                <a:ea typeface="Arial" charset="0"/>
+                <a:cs typeface="Arial" charset="0"/>
+                <a:sym typeface="Cabin"/>
+                <a:hlinkClick r:id="rId3"/>
+              </a:rPr>
+              <a:t>pl</a:t>
+            </a:r>
+            <a:endParaRPr lang="pl" sz="3200" u="sng" strike="noStrike" cap="none" dirty="0">
               <a:solidFill>
                 <a:srgbClr val="FFFF00"/>
               </a:solidFill>
@@ -5569,6 +5583,7 @@
               <a:ea typeface="Arial" charset="0"/>
               <a:cs typeface="Arial" charset="0"/>
               <a:sym typeface="Cabin"/>
+              <a:hlinkClick r:id="rId4"/>
             </a:endParaRPr>
           </a:p>
         </p:txBody>
@@ -5580,7 +5595,7 @@
           <p:nvPr/>
         </p:nvPicPr>
         <p:blipFill rotWithShape="1">
-          <a:blip r:embed="rId3">
+          <a:blip r:embed="rId5">
             <a:alphaModFix/>
           </a:blip>
           <a:srcRect/>
@@ -5607,7 +5622,7 @@
           <p:nvPr/>
         </p:nvPicPr>
         <p:blipFill rotWithShape="1">
-          <a:blip r:embed="rId4">
+          <a:blip r:embed="rId6">
             <a:alphaModFix/>
           </a:blip>
           <a:srcRect/>
@@ -6168,6 +6183,114 @@
                 <a:cs typeface="Courier"/>
                 <a:sym typeface="Courier New"/>
               </a:rPr>
+              <a:t>chuck</a:t>
+            </a:r>
+            <a:r>
+              <a:rPr lang="pl" sz="3000" b="0" i="0" u="none" strike="noStrike" cap="none" baseline="0" dirty="0">
+                <a:solidFill>
+                  <a:schemeClr val="lt1"/>
+                </a:solidFill>
+                <a:latin typeface="Courier"/>
+                <a:ea typeface="Courier"/>
+                <a:cs typeface="Courier"/>
+                <a:sym typeface="Courier New"/>
+              </a:rPr>
+              <a:t>': </a:t>
+            </a:r>
+            <a:r>
+              <a:rPr lang="pl" sz="3000" b="0" i="0" u="none" strike="noStrike" cap="none" baseline="0" dirty="0">
+                <a:solidFill>
+                  <a:srgbClr val="FF00FF"/>
+                </a:solidFill>
+                <a:latin typeface="Courier"/>
+                <a:ea typeface="Courier"/>
+                <a:cs typeface="Courier"/>
+                <a:sym typeface="Courier New"/>
+              </a:rPr>
+              <a:t>1</a:t>
+            </a:r>
+            <a:r>
+              <a:rPr lang="pl" sz="3000" b="0" i="0" u="none" strike="noStrike" cap="none" baseline="0" dirty="0">
+                <a:solidFill>
+                  <a:schemeClr val="lt1"/>
+                </a:solidFill>
+                <a:latin typeface="Courier"/>
+                <a:ea typeface="Courier"/>
+                <a:cs typeface="Courier"/>
+                <a:sym typeface="Courier New"/>
+              </a:rPr>
+              <a:t>, '</a:t>
+            </a:r>
+            <a:r>
+              <a:rPr lang="pl" sz="3000" b="0" i="0" u="none" strike="noStrike" cap="none" baseline="0" dirty="0">
+                <a:solidFill>
+                  <a:srgbClr val="00FF00"/>
+                </a:solidFill>
+                <a:latin typeface="Courier"/>
+                <a:ea typeface="Courier"/>
+                <a:cs typeface="Courier"/>
+                <a:sym typeface="Courier New"/>
+              </a:rPr>
+              <a:t>fred</a:t>
+            </a:r>
+            <a:r>
+              <a:rPr lang="pl" sz="3000" b="0" i="0" u="none" strike="noStrike" cap="none" baseline="0" dirty="0">
+                <a:solidFill>
+                  <a:schemeClr val="lt1"/>
+                </a:solidFill>
+                <a:latin typeface="Courier"/>
+                <a:ea typeface="Courier"/>
+                <a:cs typeface="Courier"/>
+                <a:sym typeface="Courier New"/>
+              </a:rPr>
+              <a:t>': </a:t>
+            </a:r>
+            <a:r>
+              <a:rPr lang="pl" sz="3000" b="0" i="0" u="none" strike="noStrike" cap="none" baseline="0" dirty="0">
+                <a:solidFill>
+                  <a:srgbClr val="FF00FF"/>
+                </a:solidFill>
+                <a:latin typeface="Courier"/>
+                <a:ea typeface="Courier"/>
+                <a:cs typeface="Courier"/>
+                <a:sym typeface="Courier New"/>
+              </a:rPr>
+              <a:t>42</a:t>
+            </a:r>
+            <a:r>
+              <a:rPr lang="en-US" sz="3000" b="0" i="0" u="none" strike="noStrike" cap="none" baseline="0" dirty="0">
+                <a:solidFill>
+                  <a:srgbClr val="FF00FF"/>
+                </a:solidFill>
+                <a:latin typeface="Courier"/>
+                <a:ea typeface="Courier"/>
+                <a:cs typeface="Courier"/>
+                <a:sym typeface="Courier New"/>
+              </a:rPr>
+              <a:t>,</a:t>
+            </a:r>
+            <a:r>
+              <a:rPr lang="pl" sz="3000" b="0" i="0" u="none" strike="noStrike" cap="none" baseline="0" dirty="0">
+                <a:solidFill>
+                  <a:schemeClr val="lt1"/>
+                </a:solidFill>
+                <a:latin typeface="Courier"/>
+                <a:ea typeface="Courier"/>
+                <a:cs typeface="Courier"/>
+                <a:sym typeface="Courier New"/>
+              </a:rPr>
+              <a:t> '</a:t>
+            </a:r>
+            <a:r>
+              <a:rPr lang="pl" sz="3000" b="0" i="0" u="none" strike="noStrike" cap="none" baseline="0" dirty="0">
+                <a:solidFill>
+                  <a:srgbClr val="00FF00"/>
+                </a:solidFill>
+                <a:latin typeface="Courier"/>
+                <a:ea typeface="Courier"/>
+                <a:cs typeface="Courier"/>
+                <a:sym typeface="Courier New"/>
+              </a:rPr>
               <a:t>jan</a:t>
             </a:r>
             <a:r>
@@ -6193,102 +6316,6 @@
                 <a:sym typeface="Courier New"/>
               </a:rPr>
               <a:t>100</a:t>
-            </a:r>
-            <a:r>
-              <a:rPr lang="pl" sz="3000" b="0" i="0" u="none" strike="noStrike" cap="none" baseline="0" dirty="0">
-                <a:solidFill>
-                  <a:schemeClr val="lt1"/>
-                </a:solidFill>
-                <a:latin typeface="Courier"/>
-                <a:ea typeface="Courier"/>
-                <a:cs typeface="Courier"/>
-                <a:sym typeface="Courier New"/>
-              </a:rPr>
-              <a:t>, '</a:t>
-            </a:r>
-            <a:r>
-              <a:rPr lang="pl" sz="3000" b="0" i="0" u="none" strike="noStrike" cap="none" baseline="0" dirty="0">
-                <a:solidFill>
-                  <a:srgbClr val="00FF00"/>
-                </a:solidFill>
-                <a:latin typeface="Courier"/>
-                <a:ea typeface="Courier"/>
-                <a:cs typeface="Courier"/>
-                <a:sym typeface="Courier New"/>
-              </a:rPr>
-              <a:t>chuck</a:t>
-            </a:r>
-            <a:r>
-              <a:rPr lang="pl" sz="3000" b="0" i="0" u="none" strike="noStrike" cap="none" baseline="0" dirty="0">
-                <a:solidFill>
-                  <a:schemeClr val="lt1"/>
-                </a:solidFill>
-                <a:latin typeface="Courier"/>
-                <a:ea typeface="Courier"/>
-                <a:cs typeface="Courier"/>
-                <a:sym typeface="Courier New"/>
-              </a:rPr>
-              <a:t>': </a:t>
-            </a:r>
-            <a:r>
-              <a:rPr lang="pl" sz="3000" b="0" i="0" u="none" strike="noStrike" cap="none" baseline="0" dirty="0">
-                <a:solidFill>
-                  <a:srgbClr val="FF00FF"/>
-                </a:solidFill>
-                <a:latin typeface="Courier"/>
-                <a:ea typeface="Courier"/>
-                <a:cs typeface="Courier"/>
-                <a:sym typeface="Courier New"/>
-              </a:rPr>
-              <a:t>1</a:t>
-            </a:r>
-            <a:r>
-              <a:rPr lang="pl" sz="3000" b="0" i="0" u="none" strike="noStrike" cap="none" baseline="0" dirty="0">
-                <a:solidFill>
-                  <a:schemeClr val="lt1"/>
-                </a:solidFill>
-                <a:latin typeface="Courier"/>
-                <a:ea typeface="Courier"/>
-                <a:cs typeface="Courier"/>
-                <a:sym typeface="Courier New"/>
-              </a:rPr>
-              <a:t>, '</a:t>
-            </a:r>
-            <a:r>
-              <a:rPr lang="pl" sz="3000" b="0" i="0" u="none" strike="noStrike" cap="none" baseline="0" dirty="0">
-                <a:solidFill>
-                  <a:srgbClr val="00FF00"/>
-                </a:solidFill>
-                <a:latin typeface="Courier"/>
-                <a:ea typeface="Courier"/>
-                <a:cs typeface="Courier"/>
-                <a:sym typeface="Courier New"/>
-              </a:rPr>
-              <a:t>fred</a:t>
-            </a:r>
-            <a:r>
-              <a:rPr lang="pl" sz="3000" b="0" i="0" u="none" strike="noStrike" cap="none" baseline="0" dirty="0">
-                <a:solidFill>
-                  <a:schemeClr val="lt1"/>
-                </a:solidFill>
-                <a:latin typeface="Courier"/>
-                <a:ea typeface="Courier"/>
-                <a:cs typeface="Courier"/>
-                <a:sym typeface="Courier New"/>
-              </a:rPr>
-              <a:t>': </a:t>
-            </a:r>
-            <a:r>
-              <a:rPr lang="pl" sz="3000" b="0" i="0" u="none" strike="noStrike" cap="none" baseline="0" dirty="0">
-                <a:solidFill>
-                  <a:srgbClr val="FF00FF"/>
-                </a:solidFill>
-                <a:latin typeface="Courier"/>
-                <a:ea typeface="Courier"/>
-                <a:cs typeface="Courier"/>
-                <a:sym typeface="Courier New"/>
-              </a:rPr>
-              <a:t>42</a:t>
             </a:r>
             <a:r>
               <a:rPr lang="pl" sz="3000" b="0" i="0" u="none" strike="noStrike" cap="none" baseline="0" dirty="0">
@@ -6799,63 +6826,6 @@
       </p:sp>
       <p:sp>
         <p:nvSpPr>
-          <p:cNvPr id="334" name="Shape 334"/>
-          <p:cNvSpPr txBox="1"/>
-          <p:nvPr/>
-        </p:nvSpPr>
-        <p:spPr>
-          <a:xfrm>
-            <a:off x="1344600" y="7136125"/>
-            <a:ext cx="2189100" cy="1066799"/>
-          </a:xfrm>
-          <a:prstGeom prst="rect">
-            <a:avLst/>
-          </a:prstGeom>
-          <a:noFill/>
-          <a:ln>
-            <a:noFill/>
-          </a:ln>
-        </p:spPr>
-        <p:txBody>
-          <a:bodyPr lIns="0" tIns="0" rIns="0" bIns="0" anchor="ctr" anchorCtr="0">
-            <a:noAutofit/>
-          </a:bodyPr>
-          <a:lstStyle/>
-          <a:p>
-            <a:pPr marL="0" marR="0" lvl="0" indent="0" algn="ctr" rtl="0">
-              <a:lnSpc>
-                <a:spcPct val="100000"/>
-              </a:lnSpc>
-              <a:spcBef>
-                <a:spcPts val="0"/>
-              </a:spcBef>
-              <a:spcAft>
-                <a:spcPts val="0"/>
-              </a:spcAft>
-              <a:buClr>
-                <a:srgbClr val="FF00FF"/>
-              </a:buClr>
-              <a:buSzPct val="25000"/>
-              <a:buFont typeface="Cabin"/>
-              <a:buNone/>
-            </a:pPr>
-            <a:r>
-              <a:rPr lang="pl" sz="6000" b="0" i="0" u="none" strike="noStrike" cap="none" baseline="0">
-                <a:solidFill>
-                  <a:srgbClr val="FF00FF"/>
-                </a:solidFill>
-                <a:latin typeface="Arial" charset="0"/>
-                <a:ea typeface="Arial" charset="0"/>
-                <a:cs typeface="Arial" charset="0"/>
-                <a:sym typeface="Cabin"/>
-              </a:rPr>
-              <a:t>zhen</a:t>
-            </a:r>
-          </a:p>
-        </p:txBody>
-      </p:sp>
-      <p:sp>
-        <p:nvSpPr>
           <p:cNvPr id="335" name="Shape 335"/>
           <p:cNvSpPr txBox="1"/>
           <p:nvPr/>
@@ -7125,7 +7095,7 @@
               <a:buNone/>
             </a:pPr>
             <a:r>
-              <a:rPr lang="pl" sz="6000" b="0" i="0" u="none" strike="noStrike" cap="none" baseline="0">
+              <a:rPr lang="pl" sz="6000" b="0" i="0" u="none" strike="noStrike" cap="none" baseline="0" dirty="0">
                 <a:solidFill>
                   <a:srgbClr val="FF00FF"/>
                 </a:solidFill>
@@ -7393,6 +7363,69 @@
           <a:lstStyle/>
           <a:p>
             <a:pPr marL="0" marR="0" lvl="0" indent="0" algn="l" rtl="0">
+              <a:lnSpc>
+                <a:spcPct val="100000"/>
+              </a:lnSpc>
+              <a:spcBef>
+                <a:spcPts val="0"/>
+              </a:spcBef>
+              <a:spcAft>
+                <a:spcPts val="0"/>
+              </a:spcAft>
+              <a:buClr>
+                <a:srgbClr val="FF00FF"/>
+              </a:buClr>
+              <a:buSzPct val="25000"/>
+              <a:buFont typeface="Cabin"/>
+              <a:buNone/>
+            </a:pPr>
+            <a:r>
+              <a:rPr lang="pl" sz="6000" b="0" i="0" u="none" strike="noStrike" cap="none" baseline="0">
+                <a:solidFill>
+                  <a:srgbClr val="FF00FF"/>
+                </a:solidFill>
+                <a:latin typeface="Arial" charset="0"/>
+                <a:ea typeface="Arial" charset="0"/>
+                <a:cs typeface="Arial" charset="0"/>
+                <a:sym typeface="Cabin"/>
+              </a:rPr>
+              <a:t>zhen</a:t>
+            </a:r>
+          </a:p>
+        </p:txBody>
+      </p:sp>
+      <p:sp>
+        <p:nvSpPr>
+          <p:cNvPr id="16" name="Shape 352">
+            <a:extLst>
+              <a:ext uri="{FF2B5EF4-FFF2-40B4-BE49-F238E27FC236}">
+                <a16:creationId xmlns:a16="http://schemas.microsoft.com/office/drawing/2014/main" id="{FD927E1B-1E28-456F-9BF3-B828980D1D37}"/>
+              </a:ext>
+            </a:extLst>
+          </p:cNvPr>
+          <p:cNvSpPr txBox="1"/>
+          <p:nvPr/>
+        </p:nvSpPr>
+        <p:spPr>
+          <a:xfrm>
+            <a:off x="1273048" y="7136125"/>
+            <a:ext cx="2189100" cy="1066799"/>
+          </a:xfrm>
+          <a:prstGeom prst="rect">
+            <a:avLst/>
+          </a:prstGeom>
+          <a:noFill/>
+          <a:ln>
+            <a:noFill/>
+          </a:ln>
+        </p:spPr>
+        <p:txBody>
+          <a:bodyPr lIns="0" tIns="0" rIns="0" bIns="0" anchor="ctr" anchorCtr="0">
+            <a:noAutofit/>
+          </a:bodyPr>
+          <a:lstStyle/>
+          <a:p>
+            <a:pPr marL="0" marR="0" lvl="0" indent="0" algn="ctr" rtl="0">
               <a:lnSpc>
                 <a:spcPct val="100000"/>
               </a:lnSpc>
@@ -7907,63 +7940,6 @@
       </p:sp>
       <p:sp>
         <p:nvSpPr>
-          <p:cNvPr id="357" name="Shape 357"/>
-          <p:cNvSpPr txBox="1"/>
-          <p:nvPr/>
-        </p:nvSpPr>
-        <p:spPr>
-          <a:xfrm>
-            <a:off x="11505925" y="6090975"/>
-            <a:ext cx="4035000" cy="1066799"/>
-          </a:xfrm>
-          <a:prstGeom prst="rect">
-            <a:avLst/>
-          </a:prstGeom>
-          <a:noFill/>
-          <a:ln>
-            <a:noFill/>
-          </a:ln>
-        </p:spPr>
-        <p:txBody>
-          <a:bodyPr lIns="0" tIns="0" rIns="0" bIns="0" anchor="ctr" anchorCtr="0">
-            <a:noAutofit/>
-          </a:bodyPr>
-          <a:lstStyle/>
-          <a:p>
-            <a:pPr marL="0" marR="0" lvl="0" indent="0" algn="l" rtl="0">
-              <a:lnSpc>
-                <a:spcPct val="100000"/>
-              </a:lnSpc>
-              <a:spcBef>
-                <a:spcPts val="0"/>
-              </a:spcBef>
-              <a:spcAft>
-                <a:spcPts val="0"/>
-              </a:spcAft>
-              <a:buClr>
-                <a:srgbClr val="FF00FF"/>
-              </a:buClr>
-              <a:buSzPct val="25000"/>
-              <a:buFont typeface="Cabin"/>
-              <a:buNone/>
-            </a:pPr>
-            <a:r>
-              <a:rPr lang="pl" sz="6600" b="0" i="0" u="none" strike="noStrike" cap="none" baseline="0">
-                <a:solidFill>
-                  <a:srgbClr val="FF00FF"/>
-                </a:solidFill>
-                <a:latin typeface="Arial" charset="0"/>
-                <a:ea typeface="Arial" charset="0"/>
-                <a:cs typeface="Arial" charset="0"/>
-                <a:sym typeface="Cabin"/>
-              </a:rPr>
-              <a:t>marquard</a:t>
-            </a:r>
-          </a:p>
-        </p:txBody>
-      </p:sp>
-      <p:sp>
-        <p:nvSpPr>
           <p:cNvPr id="358" name="Shape 358"/>
           <p:cNvSpPr txBox="1"/>
           <p:nvPr/>
@@ -8274,6 +8250,69 @@
           </a:ln>
         </p:spPr>
       </p:pic>
+      <p:sp>
+        <p:nvSpPr>
+          <p:cNvPr id="17" name="Shape 339">
+            <a:extLst>
+              <a:ext uri="{FF2B5EF4-FFF2-40B4-BE49-F238E27FC236}">
+                <a16:creationId xmlns:a16="http://schemas.microsoft.com/office/drawing/2014/main" id="{E1EA4CD8-E219-444D-8EAB-C2105567F184}"/>
+              </a:ext>
+            </a:extLst>
+          </p:cNvPr>
+          <p:cNvSpPr txBox="1"/>
+          <p:nvPr/>
+        </p:nvSpPr>
+        <p:spPr>
+          <a:xfrm>
+            <a:off x="11505925" y="6090975"/>
+            <a:ext cx="4035000" cy="1066799"/>
+          </a:xfrm>
+          <a:prstGeom prst="rect">
+            <a:avLst/>
+          </a:prstGeom>
+          <a:noFill/>
+          <a:ln>
+            <a:noFill/>
+          </a:ln>
+        </p:spPr>
+        <p:txBody>
+          <a:bodyPr lIns="0" tIns="0" rIns="0" bIns="0" anchor="ctr" anchorCtr="0">
+            <a:noAutofit/>
+          </a:bodyPr>
+          <a:lstStyle/>
+          <a:p>
+            <a:pPr marL="0" marR="0" lvl="0" indent="0" algn="l" rtl="0">
+              <a:lnSpc>
+                <a:spcPct val="100000"/>
+              </a:lnSpc>
+              <a:spcBef>
+                <a:spcPts val="0"/>
+              </a:spcBef>
+              <a:spcAft>
+                <a:spcPts val="0"/>
+              </a:spcAft>
+              <a:buClr>
+                <a:srgbClr val="FF00FF"/>
+              </a:buClr>
+              <a:buSzPct val="25000"/>
+              <a:buFont typeface="Cabin"/>
+              <a:buNone/>
+            </a:pPr>
+            <a:r>
+              <a:rPr lang="pl" sz="6000" b="0" i="0" u="none" strike="noStrike" cap="none" baseline="0" dirty="0">
+                <a:solidFill>
+                  <a:srgbClr val="FF00FF"/>
+                </a:solidFill>
+                <a:latin typeface="Arial" charset="0"/>
+                <a:ea typeface="Arial" charset="0"/>
+                <a:cs typeface="Arial" charset="0"/>
+                <a:sym typeface="Cabin"/>
+              </a:rPr>
+              <a:t>marquard</a:t>
+            </a:r>
+          </a:p>
+        </p:txBody>
+      </p:sp>
     </p:spTree>
   </p:cSld>
   <p:clrMapOvr>
@@ -10291,7 +10330,7 @@
               <a:buNone/>
             </a:pPr>
             <a:r>
-              <a:rPr lang="pl" sz="2600" b="0" i="0" u="none" strike="noStrike" cap="none" baseline="0">
+              <a:rPr lang="pl" sz="2600" b="0" i="0" u="none" strike="noStrike" cap="none" baseline="0" dirty="0">
                 <a:solidFill>
                   <a:srgbClr val="00FF00"/>
                 </a:solidFill>
@@ -10303,7 +10342,7 @@
               <a:t>counts</a:t>
             </a:r>
             <a:r>
-              <a:rPr lang="pl" sz="2600" b="0" i="0" u="none" strike="noStrike" cap="none" baseline="0">
+              <a:rPr lang="pl" sz="2600" b="0" i="0" u="none" strike="noStrike" cap="none" baseline="0" dirty="0">
                 <a:solidFill>
                   <a:schemeClr val="lt1"/>
                 </a:solidFill>
@@ -10315,7 +10354,7 @@
               <a:t> = </a:t>
             </a:r>
             <a:r>
-              <a:rPr lang="pl" sz="2600" b="0" i="0" u="none" strike="noStrike" cap="none" baseline="0">
+              <a:rPr lang="pl" sz="2600" b="0" i="0" u="none" strike="noStrike" cap="none" baseline="0" dirty="0">
                 <a:solidFill>
                   <a:srgbClr val="FF00FF"/>
                 </a:solidFill>
@@ -10327,7 +10366,7 @@
               <a:t>dict</a:t>
             </a:r>
             <a:r>
-              <a:rPr lang="pl" sz="2600" b="0" i="0" u="none" strike="noStrike" cap="none" baseline="0">
+              <a:rPr lang="pl" sz="2600" b="0" i="0" u="none" strike="noStrike" cap="none" baseline="0" dirty="0">
                 <a:solidFill>
                   <a:schemeClr val="lt1"/>
                 </a:solidFill>
@@ -10358,7 +10397,7 @@
               <a:buNone/>
             </a:pPr>
             <a:r>
-              <a:rPr lang="pl" sz="2600" b="0" i="0" u="none" strike="noStrike" cap="none" baseline="0">
+              <a:rPr lang="pl" sz="2600" b="0" i="0" u="none" strike="noStrike" cap="none" baseline="0" dirty="0">
                 <a:solidFill>
                   <a:srgbClr val="00FF00"/>
                 </a:solidFill>
@@ -10370,7 +10409,7 @@
               <a:t>names</a:t>
             </a:r>
             <a:r>
-              <a:rPr lang="pl" sz="2600" b="0" i="0" u="none" strike="noStrike" cap="none" baseline="0">
+              <a:rPr lang="pl" sz="2600" b="0" i="0" u="none" strike="noStrike" cap="none" baseline="0" dirty="0">
                 <a:solidFill>
                   <a:schemeClr val="lt1"/>
                 </a:solidFill>
@@ -10401,7 +10440,7 @@
               <a:buNone/>
             </a:pPr>
             <a:r>
-              <a:rPr lang="pl" sz="2600" b="0" i="0" u="none" strike="noStrike" cap="none" baseline="0">
+              <a:rPr lang="pl" sz="2600" b="0" i="0" u="none" strike="noStrike" cap="none" baseline="0" dirty="0">
                 <a:solidFill>
                   <a:srgbClr val="FFFF00"/>
                 </a:solidFill>
@@ -10413,7 +10452,7 @@
               <a:t>for</a:t>
             </a:r>
             <a:r>
-              <a:rPr lang="pl" sz="2600" b="0" i="0" u="none" strike="noStrike" cap="none" baseline="0">
+              <a:rPr lang="pl" sz="2600" b="0" i="0" u="none" strike="noStrike" cap="none" baseline="0" dirty="0">
                 <a:solidFill>
                   <a:schemeClr val="lt1"/>
                 </a:solidFill>
@@ -10425,7 +10464,7 @@
               <a:t> </a:t>
             </a:r>
             <a:r>
-              <a:rPr lang="pl" sz="2600" b="0" i="0" u="none" strike="noStrike" cap="none" baseline="0">
+              <a:rPr lang="pl" sz="2600" b="0" i="0" u="none" strike="noStrike" cap="none" baseline="0" dirty="0">
                 <a:solidFill>
                   <a:srgbClr val="00FF00"/>
                 </a:solidFill>
@@ -10437,7 +10476,7 @@
               <a:t>name</a:t>
             </a:r>
             <a:r>
-              <a:rPr lang="pl" sz="2600" b="0" i="0" u="none" strike="noStrike" cap="none" baseline="0">
+              <a:rPr lang="pl" sz="2600" b="0" i="0" u="none" strike="noStrike" cap="none" baseline="0" dirty="0">
                 <a:solidFill>
                   <a:schemeClr val="lt1"/>
                 </a:solidFill>
@@ -10449,7 +10488,7 @@
               <a:t> </a:t>
             </a:r>
             <a:r>
-              <a:rPr lang="pl" sz="2600" b="0" i="0" u="none" strike="noStrike" cap="none" baseline="0">
+              <a:rPr lang="pl" sz="2600" b="0" i="0" u="none" strike="noStrike" cap="none" baseline="0" dirty="0">
                 <a:solidFill>
                   <a:srgbClr val="FFFF00"/>
                 </a:solidFill>
@@ -10461,7 +10500,7 @@
               <a:t>in</a:t>
             </a:r>
             <a:r>
-              <a:rPr lang="pl" sz="2600" b="0" i="0" u="none" strike="noStrike" cap="none" baseline="0">
+              <a:rPr lang="pl" sz="2600" b="0" i="0" u="none" strike="noStrike" cap="none" baseline="0" dirty="0">
                 <a:solidFill>
                   <a:schemeClr val="lt1"/>
                 </a:solidFill>
@@ -10473,7 +10512,7 @@
               <a:t> </a:t>
             </a:r>
             <a:r>
-              <a:rPr lang="pl" sz="2600" b="0" i="0" u="none" strike="noStrike" cap="none" baseline="0">
+              <a:rPr lang="pl" sz="2600" b="0" i="0" u="none" strike="noStrike" cap="none" baseline="0" dirty="0">
                 <a:solidFill>
                   <a:srgbClr val="00FF00"/>
                 </a:solidFill>
@@ -10485,7 +10524,7 @@
               <a:t>names</a:t>
             </a:r>
             <a:r>
-              <a:rPr lang="pl" sz="2600" b="0" i="0" u="none" strike="noStrike" cap="none" baseline="0">
+              <a:rPr lang="pl" sz="2600" b="0" i="0" u="none" strike="noStrike" cap="none" baseline="0" dirty="0">
                 <a:solidFill>
                   <a:schemeClr val="lt1"/>
                 </a:solidFill>
@@ -10516,7 +10555,7 @@
               <a:buNone/>
             </a:pPr>
             <a:r>
-              <a:rPr lang="pl" sz="2600" b="0" i="0" u="none" strike="noStrike" cap="none" baseline="0">
+              <a:rPr lang="pl" sz="2600" b="0" i="0" u="none" strike="noStrike" cap="none" baseline="0" dirty="0">
                 <a:solidFill>
                   <a:schemeClr val="lt1"/>
                 </a:solidFill>
@@ -10528,7 +10567,7 @@
               <a:t>   </a:t>
             </a:r>
             <a:r>
-              <a:rPr lang="pl" sz="2600" b="0" i="0" u="none" strike="noStrike" cap="none" baseline="0">
+              <a:rPr lang="pl" sz="2600" b="0" i="0" u="none" strike="noStrike" cap="none" baseline="0" dirty="0">
                 <a:solidFill>
                   <a:srgbClr val="FFFF00"/>
                 </a:solidFill>
@@ -10540,7 +10579,7 @@
               <a:t> if </a:t>
             </a:r>
             <a:r>
-              <a:rPr lang="pl" sz="2600" b="0" i="0" u="none" strike="noStrike" cap="none" baseline="0">
+              <a:rPr lang="pl" sz="2600" b="0" i="0" u="none" strike="noStrike" cap="none" baseline="0" dirty="0">
                 <a:solidFill>
                   <a:srgbClr val="00FF00"/>
                 </a:solidFill>
@@ -10552,7 +10591,7 @@
               <a:t>name</a:t>
             </a:r>
             <a:r>
-              <a:rPr lang="pl" sz="2600" b="0" i="0" u="none" strike="noStrike" cap="none" baseline="0">
+              <a:rPr lang="pl" sz="2600" b="0" i="0" u="none" strike="noStrike" cap="none" baseline="0" dirty="0">
                 <a:solidFill>
                   <a:schemeClr val="lt1"/>
                 </a:solidFill>
@@ -10564,7 +10603,7 @@
               <a:t> </a:t>
             </a:r>
             <a:r>
-              <a:rPr lang="pl" sz="2600" b="0" i="0" u="none" strike="noStrike" cap="none" baseline="0">
+              <a:rPr lang="pl" sz="2600" b="0" i="0" u="none" strike="noStrike" cap="none" baseline="0" dirty="0">
                 <a:solidFill>
                   <a:srgbClr val="FFFF00"/>
                 </a:solidFill>
@@ -10576,7 +10615,7 @@
               <a:t>not in</a:t>
             </a:r>
             <a:r>
-              <a:rPr lang="pl" sz="2600" b="0" i="0" u="none" strike="noStrike" cap="none" baseline="0">
+              <a:rPr lang="pl" sz="2600" b="0" i="0" u="none" strike="noStrike" cap="none" baseline="0" dirty="0">
                 <a:solidFill>
                   <a:schemeClr val="lt1"/>
                 </a:solidFill>
@@ -10588,7 +10627,7 @@
               <a:t> </a:t>
             </a:r>
             <a:r>
-              <a:rPr lang="pl" sz="2600" b="0" i="0" u="none" strike="noStrike" cap="none" baseline="0">
+              <a:rPr lang="pl" sz="2600" b="0" i="0" u="none" strike="noStrike" cap="none" baseline="0" dirty="0">
                 <a:solidFill>
                   <a:srgbClr val="00FF00"/>
                 </a:solidFill>
@@ -10600,7 +10639,7 @@
               <a:t>counts</a:t>
             </a:r>
             <a:r>
-              <a:rPr lang="pl" sz="2600" b="0" i="0" u="none" strike="noStrike" cap="none" baseline="0">
+              <a:rPr lang="pl" sz="2600" b="0" i="0" u="none" strike="noStrike" cap="none" baseline="0" dirty="0">
                 <a:solidFill>
                   <a:schemeClr val="lt1"/>
                 </a:solidFill>
@@ -10631,7 +10670,7 @@
               <a:buNone/>
             </a:pPr>
             <a:r>
-              <a:rPr lang="pl" sz="2600" b="0" i="0" u="none" strike="noStrike" cap="none" baseline="0">
+              <a:rPr lang="pl" sz="2600" b="0" i="0" u="none" strike="noStrike" cap="none" baseline="0" dirty="0">
                 <a:solidFill>
                   <a:schemeClr val="lt1"/>
                 </a:solidFill>
@@ -10643,7 +10682,19 @@
               <a:t>       </a:t>
             </a:r>
             <a:r>
-              <a:rPr lang="pl" sz="2600" b="0" i="0" u="none" strike="noStrike" cap="none" baseline="0">
+              <a:rPr lang="en-US" sz="2600" b="0" i="0" u="none" strike="noStrike" cap="none" baseline="0" dirty="0">
+                <a:solidFill>
+                  <a:schemeClr val="lt1"/>
+                </a:solidFill>
+                <a:latin typeface="Courier"/>
+                <a:ea typeface="Courier"/>
+                <a:cs typeface="Courier"/>
+                <a:sym typeface="Courier New"/>
+              </a:rPr>
+              <a:t> </a:t>
+            </a:r>
+            <a:r>
+              <a:rPr lang="pl" sz="2600" b="0" i="0" u="none" strike="noStrike" cap="none" baseline="0" dirty="0">
                 <a:solidFill>
                   <a:srgbClr val="00FF00"/>
                 </a:solidFill>
@@ -10655,7 +10706,7 @@
               <a:t>counts</a:t>
             </a:r>
             <a:r>
-              <a:rPr lang="pl" sz="2600" b="0" i="0" u="none" strike="noStrike" cap="none" baseline="0">
+              <a:rPr lang="pl" sz="2600" b="0" i="0" u="none" strike="noStrike" cap="none" baseline="0" dirty="0">
                 <a:solidFill>
                   <a:srgbClr val="00FFFF"/>
                 </a:solidFill>
@@ -10667,7 +10718,7 @@
               <a:t>[name]</a:t>
             </a:r>
             <a:r>
-              <a:rPr lang="pl" sz="2600" b="0" i="0" u="none" strike="noStrike" cap="none" baseline="0">
+              <a:rPr lang="pl" sz="2600" b="0" i="0" u="none" strike="noStrike" cap="none" baseline="0" dirty="0">
                 <a:solidFill>
                   <a:schemeClr val="lt1"/>
                 </a:solidFill>
@@ -10698,7 +10749,7 @@
               <a:buNone/>
             </a:pPr>
             <a:r>
-              <a:rPr lang="pl" sz="2600" b="0" i="0" u="none" strike="noStrike" cap="none" baseline="0">
+              <a:rPr lang="pl" sz="2600" b="0" i="0" u="none" strike="noStrike" cap="none" baseline="0" dirty="0">
                 <a:solidFill>
                   <a:schemeClr val="lt1"/>
                 </a:solidFill>
@@ -10710,7 +10761,7 @@
               <a:t>    </a:t>
             </a:r>
             <a:r>
-              <a:rPr lang="pl" sz="2600" b="0" i="0" u="none" strike="noStrike" cap="none" baseline="0">
+              <a:rPr lang="pl" sz="2600" b="0" i="0" u="none" strike="noStrike" cap="none" baseline="0" dirty="0">
                 <a:solidFill>
                   <a:srgbClr val="FFFF00"/>
                 </a:solidFill>
@@ -10722,7 +10773,7 @@
               <a:t>else</a:t>
             </a:r>
             <a:r>
-              <a:rPr lang="pl" sz="2600" b="0" i="0" u="none" strike="noStrike" cap="none" baseline="0">
+              <a:rPr lang="pl" sz="2600" b="0" i="0" u="none" strike="noStrike" cap="none" baseline="0" dirty="0">
                 <a:solidFill>
                   <a:schemeClr val="lt1"/>
                 </a:solidFill>
@@ -10753,7 +10804,7 @@
               <a:buNone/>
             </a:pPr>
             <a:r>
-              <a:rPr lang="pl" sz="2600" b="0" i="0" u="none" strike="noStrike" cap="none" baseline="0">
+              <a:rPr lang="pl" sz="2600" b="0" i="0" u="none" strike="noStrike" cap="none" baseline="0" dirty="0">
                 <a:solidFill>
                   <a:schemeClr val="lt1"/>
                 </a:solidFill>
@@ -10765,7 +10816,7 @@
               <a:t>        </a:t>
             </a:r>
             <a:r>
-              <a:rPr lang="pl" sz="2600" b="0" i="0" u="none" strike="noStrike" cap="none" baseline="0">
+              <a:rPr lang="pl" sz="2600" b="0" i="0" u="none" strike="noStrike" cap="none" baseline="0" dirty="0">
                 <a:solidFill>
                   <a:srgbClr val="00FF00"/>
                 </a:solidFill>
@@ -10777,7 +10828,7 @@
               <a:t>counts</a:t>
             </a:r>
             <a:r>
-              <a:rPr lang="pl" sz="2600" b="0" i="0" u="none" strike="noStrike" cap="none" baseline="0">
+              <a:rPr lang="pl" sz="2600" b="0" i="0" u="none" strike="noStrike" cap="none" baseline="0" dirty="0">
                 <a:solidFill>
                   <a:srgbClr val="00FFFF"/>
                 </a:solidFill>
@@ -10789,7 +10840,7 @@
               <a:t>[name]</a:t>
             </a:r>
             <a:r>
-              <a:rPr lang="pl" sz="2600" b="0" i="0" u="none" strike="noStrike" cap="none" baseline="0">
+              <a:rPr lang="pl" sz="2600" b="0" i="0" u="none" strike="noStrike" cap="none" baseline="0" dirty="0">
                 <a:solidFill>
                   <a:schemeClr val="lt1"/>
                 </a:solidFill>
@@ -10801,7 +10852,7 @@
               <a:t> = </a:t>
             </a:r>
             <a:r>
-              <a:rPr lang="pl" sz="2600" b="0" i="0" u="none" strike="noStrike" cap="none" baseline="0">
+              <a:rPr lang="pl" sz="2600" b="0" i="0" u="none" strike="noStrike" cap="none" baseline="0" dirty="0">
                 <a:solidFill>
                   <a:srgbClr val="00FF00"/>
                 </a:solidFill>
@@ -10813,7 +10864,7 @@
               <a:t>counts</a:t>
             </a:r>
             <a:r>
-              <a:rPr lang="pl" sz="2600" b="0" i="0" u="none" strike="noStrike" cap="none" baseline="0">
+              <a:rPr lang="pl" sz="2600" b="0" i="0" u="none" strike="noStrike" cap="none" baseline="0" dirty="0">
                 <a:solidFill>
                   <a:srgbClr val="00FFFF"/>
                 </a:solidFill>
@@ -10825,7 +10876,7 @@
               <a:t>[name]</a:t>
             </a:r>
             <a:r>
-              <a:rPr lang="pl" sz="2600" b="0" i="0" u="none" strike="noStrike" cap="none" baseline="0">
+              <a:rPr lang="pl" sz="2600" b="0" i="0" u="none" strike="noStrike" cap="none" baseline="0" dirty="0">
                 <a:solidFill>
                   <a:schemeClr val="lt1"/>
                 </a:solidFill>
@@ -10856,7 +10907,7 @@
               <a:buNone/>
             </a:pPr>
             <a:r>
-              <a:rPr lang="pl" sz="2600" b="0" i="0" u="none" strike="noStrike" cap="none" baseline="0">
+              <a:rPr lang="pl" sz="2600" b="0" i="0" u="none" strike="noStrike" cap="none" baseline="0" dirty="0">
                 <a:solidFill>
                   <a:srgbClr val="FFFF00"/>
                 </a:solidFill>
@@ -10868,7 +10919,7 @@
               <a:t>print(</a:t>
             </a:r>
             <a:r>
-              <a:rPr lang="pl" sz="2600" b="0" i="0" u="none" strike="noStrike" cap="none" baseline="0">
+              <a:rPr lang="pl" sz="2600" b="0" i="0" u="none" strike="noStrike" cap="none" baseline="0" dirty="0">
                 <a:solidFill>
                   <a:srgbClr val="00FF00"/>
                 </a:solidFill>
@@ -10880,7 +10931,7 @@
               <a:t>counts</a:t>
             </a:r>
             <a:r>
-              <a:rPr lang="pl" sz="2600" b="0" i="0" u="none" strike="noStrike" cap="none" baseline="0">
+              <a:rPr lang="pl" sz="2600" b="0" i="0" u="none" strike="noStrike" cap="none" baseline="0" dirty="0">
                 <a:solidFill>
                   <a:srgbClr val="FFFF00"/>
                 </a:solidFill>
@@ -10946,7 +10997,7 @@
               <a:buNone/>
             </a:pPr>
             <a:r>
-              <a:rPr lang="pl" sz="3200" b="0" i="0" u="none" strike="noStrike" cap="none" baseline="0">
+              <a:rPr lang="pl" sz="3200" b="0" i="0" u="none" strike="noStrike" cap="none" baseline="0" dirty="0">
                 <a:solidFill>
                   <a:srgbClr val="FF00FF"/>
                 </a:solidFill>
@@ -10958,7 +11009,7 @@
               <a:t>{</a:t>
             </a:r>
             <a:r>
-              <a:rPr lang="pl" sz="3200" b="0" i="0" u="none" strike="noStrike" cap="none" baseline="0">
+              <a:rPr lang="pl" sz="3200" b="0" i="0" u="none" strike="noStrike" cap="none" baseline="0" dirty="0">
                 <a:solidFill>
                   <a:srgbClr val="00FFFF"/>
                 </a:solidFill>
@@ -10970,7 +11021,7 @@
               <a:t>'csev'</a:t>
             </a:r>
             <a:r>
-              <a:rPr lang="pl" sz="3200" b="0" i="0" u="none" strike="noStrike" cap="none" baseline="0">
+              <a:rPr lang="pl" sz="3200" b="0" i="0" u="none" strike="noStrike" cap="none" baseline="0" dirty="0">
                 <a:solidFill>
                   <a:srgbClr val="FF00FF"/>
                 </a:solidFill>
@@ -10982,7 +11033,7 @@
               <a:t>: 2, </a:t>
             </a:r>
             <a:r>
-              <a:rPr lang="pl" sz="3200" b="0" i="0" u="none" strike="noStrike" cap="none" baseline="0">
+              <a:rPr lang="pl" sz="3200" b="0" i="0" u="none" strike="noStrike" cap="none" baseline="0" dirty="0">
                 <a:solidFill>
                   <a:srgbClr val="00FFFF"/>
                 </a:solidFill>
@@ -10991,10 +11042,34 @@
                 <a:cs typeface="Arial" charset="0"/>
                 <a:sym typeface="Cabin"/>
               </a:rPr>
+              <a:t>'cwen'</a:t>
+            </a:r>
+            <a:r>
+              <a:rPr lang="pl" sz="3200" b="0" i="0" u="none" strike="noStrike" cap="none" baseline="0" dirty="0">
+                <a:solidFill>
+                  <a:srgbClr val="FF00FF"/>
+                </a:solidFill>
+                <a:latin typeface="Arial" charset="0"/>
+                <a:ea typeface="Arial" charset="0"/>
+                <a:cs typeface="Arial" charset="0"/>
+                <a:sym typeface="Cabin"/>
+              </a:rPr>
+              <a:t>: 2, </a:t>
+            </a:r>
+            <a:r>
+              <a:rPr lang="pl" sz="3200" b="0" i="0" u="none" strike="noStrike" cap="none" baseline="0" dirty="0">
+                <a:solidFill>
+                  <a:srgbClr val="00FFFF"/>
+                </a:solidFill>
+                <a:latin typeface="Arial" charset="0"/>
+                <a:ea typeface="Arial" charset="0"/>
+                <a:cs typeface="Arial" charset="0"/>
+                <a:sym typeface="Cabin"/>
+              </a:rPr>
               <a:t>'zqian'</a:t>
             </a:r>
             <a:r>
-              <a:rPr lang="pl" sz="3200" b="0" i="0" u="none" strike="noStrike" cap="none" baseline="0">
+              <a:rPr lang="pl" sz="3200" b="0" i="0" u="none" strike="noStrike" cap="none" baseline="0" dirty="0">
                 <a:solidFill>
                   <a:srgbClr val="FF00FF"/>
                 </a:solidFill>
@@ -11003,31 +11078,7 @@
                 <a:cs typeface="Arial" charset="0"/>
                 <a:sym typeface="Cabin"/>
               </a:rPr>
-              <a:t>: 1,</a:t>
-            </a:r>
-            <a:r>
-              <a:rPr lang="pl" sz="3200" b="0" i="0" u="none" strike="noStrike" cap="none" baseline="0">
-                <a:solidFill>
-                  <a:srgbClr val="00FFFF"/>
-                </a:solidFill>
-                <a:latin typeface="Arial" charset="0"/>
-                <a:ea typeface="Arial" charset="0"/>
-                <a:cs typeface="Arial" charset="0"/>
-                <a:sym typeface="Cabin"/>
-              </a:rPr>
-              <a:t> 'cwen'</a:t>
-            </a:r>
-            <a:r>
-              <a:rPr lang="pl" sz="3200" b="0" i="0" u="none" strike="noStrike" cap="none" baseline="0">
-                <a:solidFill>
-                  <a:srgbClr val="FF00FF"/>
-                </a:solidFill>
-                <a:latin typeface="Arial" charset="0"/>
-                <a:ea typeface="Arial" charset="0"/>
-                <a:cs typeface="Arial" charset="0"/>
-                <a:sym typeface="Cabin"/>
-              </a:rPr>
-              <a:t>: 2}</a:t>
+              <a:t>: 1}</a:t>
             </a:r>
           </a:p>
         </p:txBody>
@@ -11127,7 +11178,7 @@
               <a:buNone/>
             </a:pPr>
             <a:r>
-              <a:rPr lang="pl" sz="7600" b="0" i="0" u="none" strike="noStrike" cap="none" baseline="0">
+              <a:rPr lang="pl" sz="7600" b="0" i="0" u="none" strike="noStrike" cap="none" baseline="0" dirty="0">
                 <a:solidFill>
                   <a:srgbClr val="FFD966"/>
                 </a:solidFill>
@@ -11139,7 +11190,7 @@
               <a:t>Metoda</a:t>
             </a:r>
             <a:r>
-              <a:rPr lang="pl" sz="7600" b="0" i="0" u="none" strike="noStrike" cap="none" baseline="0">
+              <a:rPr lang="pl" sz="7600" b="0" i="0" u="none" strike="noStrike" cap="none" baseline="0" dirty="0">
                 <a:solidFill>
                   <a:srgbClr val="FFFF00"/>
                 </a:solidFill>
@@ -11151,7 +11202,7 @@
               <a:t> </a:t>
             </a:r>
             <a:r>
-              <a:rPr lang="pl" sz="7600" b="0" i="0" u="none" strike="noStrike" cap="none" baseline="0">
+              <a:rPr lang="pl" sz="7600" b="0" i="0" u="none" strike="noStrike" cap="none" baseline="0" dirty="0">
                 <a:solidFill>
                   <a:srgbClr val="FF00FF"/>
                 </a:solidFill>
@@ -11163,7 +11214,19 @@
               <a:t>get</a:t>
             </a:r>
             <a:r>
-              <a:rPr lang="pl" sz="7600" b="0" i="0" u="none" strike="noStrike" cap="none" baseline="0">
+              <a:rPr lang="en-US" sz="7600" b="0" i="0" u="none" strike="noStrike" cap="none" baseline="0" dirty="0">
+                <a:solidFill>
+                  <a:srgbClr val="FF00FF"/>
+                </a:solidFill>
+                <a:latin typeface="Arial" charset="0"/>
+                <a:ea typeface="Arial" charset="0"/>
+                <a:cs typeface="Arial" charset="0"/>
+                <a:sym typeface="Cabin"/>
+              </a:rPr>
+              <a:t>()</a:t>
+            </a:r>
+            <a:r>
+              <a:rPr lang="pl" sz="7600" b="0" i="0" u="none" strike="noStrike" cap="none" baseline="0" dirty="0">
                 <a:solidFill>
                   <a:srgbClr val="FFFF00"/>
                 </a:solidFill>
@@ -11175,7 +11238,7 @@
               <a:t> </a:t>
             </a:r>
             <a:r>
-              <a:rPr lang="pl" sz="7600" b="0" i="0" u="none" strike="noStrike" cap="none" baseline="0">
+              <a:rPr lang="pl" sz="7600" b="0" i="0" u="none" strike="noStrike" cap="none" baseline="0" dirty="0">
                 <a:solidFill>
                   <a:srgbClr val="FFD966"/>
                 </a:solidFill>
@@ -11330,14 +11393,26 @@
             <a:r>
               <a:rPr lang="pl" sz="3600" b="0" i="0" u="none" strike="noStrike" cap="none" baseline="0" dirty="0">
                 <a:solidFill>
-                  <a:schemeClr val="lt1"/>
-                </a:solidFill>
-                <a:latin typeface="Arial" charset="0"/>
-                <a:ea typeface="Arial" charset="0"/>
-                <a:cs typeface="Arial" charset="0"/>
-                <a:sym typeface="Cabin"/>
-              </a:rPr>
-              <a:t>(), która robi to za nas</a:t>
+                  <a:srgbClr val="FF40FF"/>
+                </a:solidFill>
+                <a:latin typeface="Arial" charset="0"/>
+                <a:ea typeface="Arial" charset="0"/>
+                <a:cs typeface="Arial" charset="0"/>
+                <a:sym typeface="Cabin"/>
+              </a:rPr>
+              <a:t>()</a:t>
+            </a:r>
+            <a:r>
+              <a:rPr lang="pl" sz="3600" b="0" i="0" u="none" strike="noStrike" cap="none" baseline="0" dirty="0">
+                <a:solidFill>
+                  <a:schemeClr val="lt1"/>
+                </a:solidFill>
+                <a:latin typeface="Arial" charset="0"/>
+                <a:ea typeface="Arial" charset="0"/>
+                <a:cs typeface="Arial" charset="0"/>
+                <a:sym typeface="Cabin"/>
+              </a:rPr>
+              <a:t>, która robi to za nas</a:t>
             </a:r>
           </a:p>
         </p:txBody>
@@ -11385,7 +11460,7 @@
               <a:buNone/>
             </a:pPr>
             <a:r>
-              <a:rPr lang="pl" sz="3000" b="1" i="0" u="none" strike="noStrike" cap="none" baseline="0">
+              <a:rPr lang="pl" sz="3000" b="1" i="0" u="none" strike="noStrike" cap="none" baseline="0" dirty="0">
                 <a:solidFill>
                   <a:schemeClr val="lt1"/>
                 </a:solidFill>
@@ -11397,7 +11472,7 @@
               <a:t>   </a:t>
             </a:r>
             <a:r>
-              <a:rPr lang="pl" sz="3000" b="1" i="0" u="none" strike="noStrike" cap="none" baseline="0">
+              <a:rPr lang="pl" sz="3000" b="1" i="0" u="none" strike="noStrike" cap="none" baseline="0" dirty="0">
                 <a:solidFill>
                   <a:srgbClr val="FFFF00"/>
                 </a:solidFill>
@@ -11409,7 +11484,7 @@
               <a:t> </a:t>
             </a:r>
             <a:r>
-              <a:rPr lang="pl" sz="3000" b="0" i="0" u="none" strike="noStrike" cap="none" baseline="0">
+              <a:rPr lang="pl" sz="3000" b="0" i="0" u="none" strike="noStrike" cap="none" baseline="0" dirty="0">
                 <a:solidFill>
                   <a:srgbClr val="FFFF00"/>
                 </a:solidFill>
@@ -11421,7 +11496,7 @@
               <a:t>if </a:t>
             </a:r>
             <a:r>
-              <a:rPr lang="pl" sz="3000" b="0" i="0" u="none" strike="noStrike" cap="none" baseline="0">
+              <a:rPr lang="pl" sz="3000" b="0" i="0" u="none" strike="noStrike" cap="none" baseline="0" dirty="0">
                 <a:solidFill>
                   <a:srgbClr val="00FF00"/>
                 </a:solidFill>
@@ -11433,7 +11508,7 @@
               <a:t>name</a:t>
             </a:r>
             <a:r>
-              <a:rPr lang="pl" sz="3000" b="0" i="0" u="none" strike="noStrike" cap="none" baseline="0">
+              <a:rPr lang="pl" sz="3000" b="0" i="0" u="none" strike="noStrike" cap="none" baseline="0" dirty="0">
                 <a:solidFill>
                   <a:schemeClr val="lt1"/>
                 </a:solidFill>
@@ -11445,7 +11520,7 @@
               <a:t> </a:t>
             </a:r>
             <a:r>
-              <a:rPr lang="pl" sz="3000" b="0" i="0" u="none" strike="noStrike" cap="none" baseline="0">
+              <a:rPr lang="pl" sz="3000" b="0" i="0" u="none" strike="noStrike" cap="none" baseline="0" dirty="0">
                 <a:solidFill>
                   <a:srgbClr val="FFFF00"/>
                 </a:solidFill>
@@ -11457,7 +11532,7 @@
               <a:t>in</a:t>
             </a:r>
             <a:r>
-              <a:rPr lang="pl" sz="3000" b="0" i="0" u="none" strike="noStrike" cap="none" baseline="0">
+              <a:rPr lang="pl" sz="3000" b="0" i="0" u="none" strike="noStrike" cap="none" baseline="0" dirty="0">
                 <a:solidFill>
                   <a:schemeClr val="lt1"/>
                 </a:solidFill>
@@ -11469,7 +11544,7 @@
               <a:t> </a:t>
             </a:r>
             <a:r>
-              <a:rPr lang="pl" sz="3000" b="0" i="0" u="none" strike="noStrike" cap="none" baseline="0">
+              <a:rPr lang="pl" sz="3000" b="0" i="0" u="none" strike="noStrike" cap="none" baseline="0" dirty="0">
                 <a:solidFill>
                   <a:srgbClr val="00FF00"/>
                 </a:solidFill>
@@ -11481,7 +11556,7 @@
               <a:t>counts</a:t>
             </a:r>
             <a:r>
-              <a:rPr lang="pl" sz="3000" b="0" i="0" u="none" strike="noStrike" cap="none" baseline="0">
+              <a:rPr lang="pl" sz="3000" b="0" i="0" u="none" strike="noStrike" cap="none" baseline="0" dirty="0">
                 <a:solidFill>
                   <a:schemeClr val="lt1"/>
                 </a:solidFill>
@@ -11512,7 +11587,7 @@
               <a:buNone/>
             </a:pPr>
             <a:r>
-              <a:rPr lang="pl" sz="3000" b="0" i="0" u="none" strike="noStrike" cap="none" baseline="0">
+              <a:rPr lang="pl" sz="3000" b="0" i="0" u="none" strike="noStrike" cap="none" baseline="0" dirty="0">
                 <a:solidFill>
                   <a:schemeClr val="lt1"/>
                 </a:solidFill>
@@ -11524,7 +11599,19 @@
               <a:t>       </a:t>
             </a:r>
             <a:r>
-              <a:rPr lang="pl" sz="3000" b="0" i="0" u="none" strike="noStrike" cap="none" baseline="0">
+              <a:rPr lang="en-US" sz="3000" b="0" i="0" u="none" strike="noStrike" cap="none" baseline="0" dirty="0">
+                <a:solidFill>
+                  <a:schemeClr val="lt1"/>
+                </a:solidFill>
+                <a:latin typeface="Courier"/>
+                <a:ea typeface="Courier"/>
+                <a:cs typeface="Courier"/>
+                <a:sym typeface="Courier New"/>
+              </a:rPr>
+              <a:t> </a:t>
+            </a:r>
+            <a:r>
+              <a:rPr lang="pl" sz="3000" b="0" i="0" u="none" strike="noStrike" cap="none" baseline="0" dirty="0">
                 <a:solidFill>
                   <a:srgbClr val="FFFF00"/>
                 </a:solidFill>
@@ -11536,7 +11623,7 @@
               <a:t>x =</a:t>
             </a:r>
             <a:r>
-              <a:rPr lang="pl" sz="3000" b="0" i="0" u="none" strike="noStrike" cap="none" baseline="0">
+              <a:rPr lang="pl" sz="3000" b="0" i="0" u="none" strike="noStrike" cap="none" baseline="0" dirty="0">
                 <a:solidFill>
                   <a:srgbClr val="00FF00"/>
                 </a:solidFill>
@@ -11548,7 +11635,7 @@
               <a:t> counts</a:t>
             </a:r>
             <a:r>
-              <a:rPr lang="pl" sz="3000" b="0" i="0" u="none" strike="noStrike" cap="none" baseline="0">
+              <a:rPr lang="pl" sz="3000" b="0" i="0" u="none" strike="noStrike" cap="none" baseline="0" dirty="0">
                 <a:solidFill>
                   <a:srgbClr val="00FFFF"/>
                 </a:solidFill>
@@ -11579,7 +11666,7 @@
               <a:buNone/>
             </a:pPr>
             <a:r>
-              <a:rPr lang="pl" sz="3000" b="0" i="0" u="none" strike="noStrike" cap="none" baseline="0">
+              <a:rPr lang="pl" sz="3000" b="0" i="0" u="none" strike="noStrike" cap="none" baseline="0" dirty="0">
                 <a:solidFill>
                   <a:schemeClr val="lt1"/>
                 </a:solidFill>
@@ -11591,7 +11678,7 @@
               <a:t>    </a:t>
             </a:r>
             <a:r>
-              <a:rPr lang="pl" sz="3000" b="0" i="0" u="none" strike="noStrike" cap="none" baseline="0">
+              <a:rPr lang="pl" sz="3000" b="0" i="0" u="none" strike="noStrike" cap="none" baseline="0" dirty="0">
                 <a:solidFill>
                   <a:srgbClr val="FFFF00"/>
                 </a:solidFill>
@@ -11603,7 +11690,7 @@
               <a:t>else</a:t>
             </a:r>
             <a:r>
-              <a:rPr lang="pl" sz="3000" b="0" i="0" u="none" strike="noStrike" cap="none" baseline="0">
+              <a:rPr lang="pl" sz="3000" b="0" i="0" u="none" strike="noStrike" cap="none" baseline="0" dirty="0">
                 <a:solidFill>
                   <a:schemeClr val="lt1"/>
                 </a:solidFill>
@@ -11634,7 +11721,7 @@
               <a:buNone/>
             </a:pPr>
             <a:r>
-              <a:rPr lang="pl" sz="3000" b="0" i="0" u="none" strike="noStrike" cap="none" baseline="0">
+              <a:rPr lang="pl" sz="3000" b="0" i="0" u="none" strike="noStrike" cap="none" baseline="0" dirty="0">
                 <a:solidFill>
                   <a:schemeClr val="lt1"/>
                 </a:solidFill>
@@ -11646,7 +11733,19 @@
               <a:t>       </a:t>
             </a:r>
             <a:r>
-              <a:rPr lang="pl" sz="3000" b="0" i="0" u="none" strike="noStrike" cap="none" baseline="0">
+              <a:rPr lang="en-US" sz="3000" b="0" i="0" u="none" strike="noStrike" cap="none" baseline="0" dirty="0">
+                <a:solidFill>
+                  <a:schemeClr val="lt1"/>
+                </a:solidFill>
+                <a:latin typeface="Courier"/>
+                <a:ea typeface="Courier"/>
+                <a:cs typeface="Courier"/>
+                <a:sym typeface="Courier New"/>
+              </a:rPr>
+              <a:t> </a:t>
+            </a:r>
+            <a:r>
+              <a:rPr lang="pl" sz="3000" b="0" i="0" u="none" strike="noStrike" cap="none" baseline="0" dirty="0">
                 <a:solidFill>
                   <a:srgbClr val="FFFF00"/>
                 </a:solidFill>
@@ -11658,7 +11757,7 @@
               <a:t>x =</a:t>
             </a:r>
             <a:r>
-              <a:rPr lang="pl" sz="3000" b="0" i="0" u="none" strike="noStrike" cap="none" baseline="0">
+              <a:rPr lang="pl" sz="3000" b="0" i="0" u="none" strike="noStrike" cap="none" baseline="0" dirty="0">
                 <a:solidFill>
                   <a:schemeClr val="lt1"/>
                 </a:solidFill>
@@ -11670,7 +11769,7 @@
               <a:t> </a:t>
             </a:r>
             <a:r>
-              <a:rPr lang="pl" sz="3000" b="0" i="0" u="none" strike="noStrike" cap="none" baseline="0">
+              <a:rPr lang="pl" sz="3000" b="0" i="0" u="none" strike="noStrike" cap="none" baseline="0" dirty="0">
                 <a:solidFill>
                   <a:srgbClr val="FF7F00"/>
                 </a:solidFill>
@@ -11925,7 +12024,7 @@
               <a:buNone/>
             </a:pPr>
             <a:r>
-              <a:rPr lang="pl" sz="3200" b="0" i="0" u="none" strike="noStrike" cap="none" baseline="0">
+              <a:rPr lang="pl" sz="3200" b="0" i="0" u="none" strike="noStrike" cap="none" baseline="0" dirty="0">
                 <a:solidFill>
                   <a:srgbClr val="FF00FF"/>
                 </a:solidFill>
@@ -11937,7 +12036,7 @@
               <a:t>{</a:t>
             </a:r>
             <a:r>
-              <a:rPr lang="pl" sz="3200" b="0" i="0" u="none" strike="noStrike" cap="none" baseline="0">
+              <a:rPr lang="pl" sz="3200" b="0" i="0" u="none" strike="noStrike" cap="none" baseline="0" dirty="0">
                 <a:solidFill>
                   <a:srgbClr val="00FFFF"/>
                 </a:solidFill>
@@ -11949,7 +12048,7 @@
               <a:t>'csev'</a:t>
             </a:r>
             <a:r>
-              <a:rPr lang="pl" sz="3200" b="0" i="0" u="none" strike="noStrike" cap="none" baseline="0">
+              <a:rPr lang="pl" sz="3200" b="0" i="0" u="none" strike="noStrike" cap="none" baseline="0" dirty="0">
                 <a:solidFill>
                   <a:srgbClr val="FF00FF"/>
                 </a:solidFill>
@@ -11961,7 +12060,7 @@
               <a:t>: 2, </a:t>
             </a:r>
             <a:r>
-              <a:rPr lang="pl" sz="3200" b="0" i="0" u="none" strike="noStrike" cap="none" baseline="0">
+              <a:rPr lang="pl" sz="3200" b="0" i="0" u="none" strike="noStrike" cap="none" baseline="0" dirty="0">
                 <a:solidFill>
                   <a:srgbClr val="00FFFF"/>
                 </a:solidFill>
@@ -11970,10 +12069,34 @@
                 <a:cs typeface="Arial" charset="0"/>
                 <a:sym typeface="Cabin"/>
               </a:rPr>
+              <a:t>'cwen'</a:t>
+            </a:r>
+            <a:r>
+              <a:rPr lang="pl" sz="3200" b="0" i="0" u="none" strike="noStrike" cap="none" baseline="0" dirty="0">
+                <a:solidFill>
+                  <a:srgbClr val="FF00FF"/>
+                </a:solidFill>
+                <a:latin typeface="Arial" charset="0"/>
+                <a:ea typeface="Arial" charset="0"/>
+                <a:cs typeface="Arial" charset="0"/>
+                <a:sym typeface="Cabin"/>
+              </a:rPr>
+              <a:t>: 2, </a:t>
+            </a:r>
+            <a:r>
+              <a:rPr lang="pl" sz="3200" b="0" i="0" u="none" strike="noStrike" cap="none" baseline="0" dirty="0">
+                <a:solidFill>
+                  <a:srgbClr val="00FFFF"/>
+                </a:solidFill>
+                <a:latin typeface="Arial" charset="0"/>
+                <a:ea typeface="Arial" charset="0"/>
+                <a:cs typeface="Arial" charset="0"/>
+                <a:sym typeface="Cabin"/>
+              </a:rPr>
               <a:t>'zqian'</a:t>
             </a:r>
             <a:r>
-              <a:rPr lang="pl" sz="3200" b="0" i="0" u="none" strike="noStrike" cap="none" baseline="0">
+              <a:rPr lang="pl" sz="3200" b="0" i="0" u="none" strike="noStrike" cap="none" baseline="0" dirty="0">
                 <a:solidFill>
                   <a:srgbClr val="FF00FF"/>
                 </a:solidFill>
@@ -11982,31 +12105,7 @@
                 <a:cs typeface="Arial" charset="0"/>
                 <a:sym typeface="Cabin"/>
               </a:rPr>
-              <a:t>: 1,</a:t>
-            </a:r>
-            <a:r>
-              <a:rPr lang="pl" sz="3200" b="0" i="0" u="none" strike="noStrike" cap="none" baseline="0">
-                <a:solidFill>
-                  <a:srgbClr val="00FFFF"/>
-                </a:solidFill>
-                <a:latin typeface="Arial" charset="0"/>
-                <a:ea typeface="Arial" charset="0"/>
-                <a:cs typeface="Arial" charset="0"/>
-                <a:sym typeface="Cabin"/>
-              </a:rPr>
-              <a:t> 'cwen'</a:t>
-            </a:r>
-            <a:r>
-              <a:rPr lang="pl" sz="3200" b="0" i="0" u="none" strike="noStrike" cap="none" baseline="0">
-                <a:solidFill>
-                  <a:srgbClr val="FF00FF"/>
-                </a:solidFill>
-                <a:latin typeface="Arial" charset="0"/>
-                <a:ea typeface="Arial" charset="0"/>
-                <a:cs typeface="Arial" charset="0"/>
-                <a:sym typeface="Cabin"/>
-              </a:rPr>
-              <a:t>: 2}</a:t>
+              <a:t>: 1}</a:t>
             </a:r>
           </a:p>
         </p:txBody>
@@ -12169,19 +12268,31 @@
                 <a:cs typeface="Arial" charset="0"/>
                 <a:sym typeface="Cabin"/>
               </a:rPr>
-              <a:t>get</a:t>
+              <a:t>ge</a:t>
             </a:r>
             <a:r>
               <a:rPr lang="pl" sz="3600" b="0" i="0" u="none" strike="noStrike" cap="none" baseline="0" dirty="0">
                 <a:solidFill>
-                  <a:schemeClr val="lt1"/>
-                </a:solidFill>
-                <a:latin typeface="Arial" charset="0"/>
-                <a:ea typeface="Arial" charset="0"/>
-                <a:cs typeface="Arial" charset="0"/>
-                <a:sym typeface="Cabin"/>
-              </a:rPr>
-              <a:t>() i podać wartość </a:t>
+                  <a:srgbClr val="FF40FF"/>
+                </a:solidFill>
+                <a:latin typeface="Arial" charset="0"/>
+                <a:ea typeface="Arial" charset="0"/>
+                <a:cs typeface="Arial" charset="0"/>
+                <a:sym typeface="Cabin"/>
+              </a:rPr>
+              <a:t>t() </a:t>
+            </a:r>
+            <a:r>
+              <a:rPr lang="pl" sz="3600" b="0" i="0" u="none" strike="noStrike" cap="none" baseline="0" dirty="0">
+                <a:solidFill>
+                  <a:schemeClr val="lt1"/>
+                </a:solidFill>
+                <a:latin typeface="Arial" charset="0"/>
+                <a:ea typeface="Arial" charset="0"/>
+                <a:cs typeface="Arial" charset="0"/>
+                <a:sym typeface="Cabin"/>
+              </a:rPr>
+              <a:t>i podać wartość </a:t>
             </a:r>
             <a:r>
               <a:rPr lang="pl" sz="3600" b="0" i="0" u="none" strike="noStrike" cap="none" baseline="0" dirty="0">
@@ -12862,7 +12973,7 @@
               <a:buNone/>
             </a:pPr>
             <a:r>
-              <a:rPr lang="pl" sz="3200" b="0" i="0" u="none" strike="noStrike" cap="none" baseline="0">
+              <a:rPr lang="pl" sz="3200" b="0" i="0" u="none" strike="noStrike" cap="none" baseline="0" dirty="0">
                 <a:solidFill>
                   <a:srgbClr val="FF00FF"/>
                 </a:solidFill>
@@ -12874,7 +12985,7 @@
               <a:t>{</a:t>
             </a:r>
             <a:r>
-              <a:rPr lang="pl" sz="3200" b="0" i="0" u="none" strike="noStrike" cap="none" baseline="0">
+              <a:rPr lang="pl" sz="3200" b="0" i="0" u="none" strike="noStrike" cap="none" baseline="0" dirty="0">
                 <a:solidFill>
                   <a:srgbClr val="00FFFF"/>
                 </a:solidFill>
@@ -12886,7 +12997,7 @@
               <a:t>'csev'</a:t>
             </a:r>
             <a:r>
-              <a:rPr lang="pl" sz="3200" b="0" i="0" u="none" strike="noStrike" cap="none" baseline="0">
+              <a:rPr lang="pl" sz="3200" b="0" i="0" u="none" strike="noStrike" cap="none" baseline="0" dirty="0">
                 <a:solidFill>
                   <a:srgbClr val="FF00FF"/>
                 </a:solidFill>
@@ -12898,7 +13009,7 @@
               <a:t>: 2, </a:t>
             </a:r>
             <a:r>
-              <a:rPr lang="pl" sz="3200" b="0" i="0" u="none" strike="noStrike" cap="none" baseline="0">
+              <a:rPr lang="pl" sz="3200" b="0" i="0" u="none" strike="noStrike" cap="none" baseline="0" dirty="0">
                 <a:solidFill>
                   <a:srgbClr val="00FFFF"/>
                 </a:solidFill>
@@ -12907,10 +13018,34 @@
                 <a:cs typeface="Arial" charset="0"/>
                 <a:sym typeface="Cabin"/>
               </a:rPr>
+              <a:t>'cwen'</a:t>
+            </a:r>
+            <a:r>
+              <a:rPr lang="pl" sz="3200" b="0" i="0" u="none" strike="noStrike" cap="none" baseline="0" dirty="0">
+                <a:solidFill>
+                  <a:srgbClr val="FF00FF"/>
+                </a:solidFill>
+                <a:latin typeface="Arial" charset="0"/>
+                <a:ea typeface="Arial" charset="0"/>
+                <a:cs typeface="Arial" charset="0"/>
+                <a:sym typeface="Cabin"/>
+              </a:rPr>
+              <a:t>: 2, </a:t>
+            </a:r>
+            <a:r>
+              <a:rPr lang="pl" sz="3200" b="0" i="0" u="none" strike="noStrike" cap="none" baseline="0" dirty="0">
+                <a:solidFill>
+                  <a:srgbClr val="00FFFF"/>
+                </a:solidFill>
+                <a:latin typeface="Arial" charset="0"/>
+                <a:ea typeface="Arial" charset="0"/>
+                <a:cs typeface="Arial" charset="0"/>
+                <a:sym typeface="Cabin"/>
+              </a:rPr>
               <a:t>'zqian'</a:t>
             </a:r>
             <a:r>
-              <a:rPr lang="pl" sz="3200" b="0" i="0" u="none" strike="noStrike" cap="none" baseline="0">
+              <a:rPr lang="pl" sz="3200" b="0" i="0" u="none" strike="noStrike" cap="none" baseline="0" dirty="0">
                 <a:solidFill>
                   <a:srgbClr val="FF00FF"/>
                 </a:solidFill>
@@ -12919,31 +13054,7 @@
                 <a:cs typeface="Arial" charset="0"/>
                 <a:sym typeface="Cabin"/>
               </a:rPr>
-              <a:t>: 1,</a:t>
-            </a:r>
-            <a:r>
-              <a:rPr lang="pl" sz="3200" b="0" i="0" u="none" strike="noStrike" cap="none" baseline="0">
-                <a:solidFill>
-                  <a:srgbClr val="00FFFF"/>
-                </a:solidFill>
-                <a:latin typeface="Arial" charset="0"/>
-                <a:ea typeface="Arial" charset="0"/>
-                <a:cs typeface="Arial" charset="0"/>
-                <a:sym typeface="Cabin"/>
-              </a:rPr>
-              <a:t> 'cwen'</a:t>
-            </a:r>
-            <a:r>
-              <a:rPr lang="pl" sz="3200" b="0" i="0" u="none" strike="noStrike" cap="none" baseline="0">
-                <a:solidFill>
-                  <a:srgbClr val="FF00FF"/>
-                </a:solidFill>
-                <a:latin typeface="Arial" charset="0"/>
-                <a:ea typeface="Arial" charset="0"/>
-                <a:cs typeface="Arial" charset="0"/>
-                <a:sym typeface="Cabin"/>
-              </a:rPr>
-              <a:t>: 2}</a:t>
+              <a:t>: 1}</a:t>
             </a:r>
           </a:p>
         </p:txBody>
@@ -13043,7 +13154,7 @@
               <a:buNone/>
             </a:pPr>
             <a:r>
-              <a:rPr lang="pl" sz="3000" b="0" i="0" u="sng" strike="noStrike" cap="none" baseline="0">
+              <a:rPr lang="pl-PL" sz="3000" b="0" i="0" u="sng" strike="noStrike" cap="none" baseline="0" dirty="0">
                 <a:solidFill>
                   <a:srgbClr val="FFFF00"/>
                 </a:solidFill>
@@ -13053,8 +13164,18 @@
                 <a:sym typeface="Cabin"/>
                 <a:hlinkClick r:id="rId4"/>
               </a:rPr>
-              <a:t>http://www.youtube.com/watch?v=EHJ9uYx5L58</a:t>
-            </a:r>
+              <a:t>https://www.youtube.com/watch?v=EHJ9uYx5L58</a:t>
+            </a:r>
+            <a:endParaRPr lang="pl" sz="3000" b="0" i="0" u="sng" strike="noStrike" cap="none" baseline="0" dirty="0">
+              <a:solidFill>
+                <a:srgbClr val="FFFF00"/>
+              </a:solidFill>
+              <a:latin typeface="Arial" charset="0"/>
+              <a:ea typeface="Arial" charset="0"/>
+              <a:cs typeface="Arial" charset="0"/>
+              <a:sym typeface="Cabin"/>
+              <a:hlinkClick r:id="rId5"/>
+            </a:endParaRPr>
           </a:p>
         </p:txBody>
       </p:sp>
@@ -14442,7 +14563,7 @@
               <a:buNone/>
             </a:pPr>
             <a:r>
-              <a:rPr lang="pl" sz="3000" b="0" i="0" u="none" strike="noStrike" cap="none" baseline="0">
+              <a:rPr lang="pl" sz="3000" b="0" i="0" u="none" strike="noStrike" cap="none" baseline="0" dirty="0">
                 <a:solidFill>
                   <a:srgbClr val="00FF00"/>
                 </a:solidFill>
@@ -14454,7 +14575,7 @@
               <a:t>counts</a:t>
             </a:r>
             <a:r>
-              <a:rPr lang="pl" sz="3000" b="0" i="0" u="none" strike="noStrike" cap="none" baseline="0">
+              <a:rPr lang="pl" sz="3000" b="0" i="0" u="none" strike="noStrike" cap="none" baseline="0" dirty="0">
                 <a:solidFill>
                   <a:schemeClr val="lt1"/>
                 </a:solidFill>
@@ -14466,7 +14587,7 @@
               <a:t> = </a:t>
             </a:r>
             <a:r>
-              <a:rPr lang="pl" sz="3000" b="0" i="0" u="none" strike="noStrike" cap="none" baseline="0">
+              <a:rPr lang="pl" sz="3000" b="0" i="0" u="none" strike="noStrike" cap="none" baseline="0" dirty="0">
                 <a:solidFill>
                   <a:srgbClr val="00FFFF"/>
                 </a:solidFill>
@@ -14478,7 +14599,7 @@
               <a:t>dict</a:t>
             </a:r>
             <a:r>
-              <a:rPr lang="pl" sz="3000" b="0" i="0" u="none" strike="noStrike" cap="none" baseline="0">
+              <a:rPr lang="pl" sz="3000" b="0" i="0" u="none" strike="noStrike" cap="none" baseline="0" dirty="0">
                 <a:solidFill>
                   <a:schemeClr val="lt1"/>
                 </a:solidFill>
@@ -14509,7 +14630,7 @@
               <a:buNone/>
             </a:pPr>
             <a:r>
-              <a:rPr lang="pl" sz="3000" b="0" i="0" u="none" strike="noStrike" cap="none" baseline="0">
+              <a:rPr lang="pl" sz="3000" b="0" i="0" u="none" strike="noStrike" cap="none" baseline="0" dirty="0">
                 <a:solidFill>
                   <a:srgbClr val="FFFF00"/>
                 </a:solidFill>
@@ -14521,7 +14642,7 @@
               <a:t>print(</a:t>
             </a:r>
             <a:r>
-              <a:rPr lang="pl" sz="3000" b="0" i="0" u="none" strike="noStrike" cap="none" baseline="0">
+              <a:rPr lang="pl" sz="3000" b="0" i="0" u="none" strike="noStrike" cap="none" baseline="0" dirty="0">
                 <a:solidFill>
                   <a:schemeClr val="lt1"/>
                 </a:solidFill>
@@ -14533,7 +14654,7 @@
               <a:t>'Wpisz linię tekstu:</a:t>
             </a:r>
             <a:r>
-              <a:rPr lang="pl" sz="3000" b="0" i="0" u="none" baseline="0">
+              <a:rPr lang="pl" sz="3000" b="0" i="0" u="none" baseline="0" dirty="0">
                 <a:solidFill>
                   <a:schemeClr val="lt1"/>
                 </a:solidFill>
@@ -14545,7 +14666,7 @@
               <a:t>'</a:t>
             </a:r>
             <a:r>
-              <a:rPr lang="pl" sz="3000" b="0" i="0" u="none" baseline="0">
+              <a:rPr lang="pl" sz="3000" b="0" i="0" u="none" baseline="0" dirty="0">
                 <a:solidFill>
                   <a:srgbClr val="FFFF00"/>
                 </a:solidFill>
@@ -14585,7 +14706,7 @@
               <a:buNone/>
             </a:pPr>
             <a:r>
-              <a:rPr lang="pl" sz="3000" b="0" i="0" u="none" strike="noStrike" cap="none" baseline="0">
+              <a:rPr lang="pl" sz="3000" b="0" i="0" u="none" strike="noStrike" cap="none" baseline="0" dirty="0">
                 <a:solidFill>
                   <a:schemeClr val="lt1"/>
                 </a:solidFill>
@@ -14597,7 +14718,7 @@
               <a:t>line = </a:t>
             </a:r>
             <a:r>
-              <a:rPr lang="pl" sz="3000" b="0" i="0" u="none" strike="noStrike" cap="none" baseline="0">
+              <a:rPr lang="pl" sz="3000" b="0" i="0" u="none" strike="noStrike" cap="none" baseline="0" dirty="0">
                 <a:solidFill>
                   <a:srgbClr val="FF00FF"/>
                 </a:solidFill>
@@ -14609,7 +14730,7 @@
               <a:t>input</a:t>
             </a:r>
             <a:r>
-              <a:rPr lang="pl" sz="3000" b="0" i="0" u="none" strike="noStrike" cap="none" baseline="0">
+              <a:rPr lang="pl" sz="3000" b="0" i="0" u="none" strike="noStrike" cap="none" baseline="0" dirty="0">
                 <a:solidFill>
                   <a:schemeClr val="lt1"/>
                 </a:solidFill>
@@ -14663,7 +14784,7 @@
               <a:buNone/>
             </a:pPr>
             <a:r>
-              <a:rPr lang="pl" sz="3000" b="0" i="0" u="none" strike="noStrike" cap="none" baseline="0">
+              <a:rPr lang="pl" sz="3000" b="0" i="0" u="none" strike="noStrike" cap="none" baseline="0" dirty="0">
                 <a:solidFill>
                   <a:schemeClr val="lt1"/>
                 </a:solidFill>
@@ -14675,7 +14796,7 @@
               <a:t>words = line.</a:t>
             </a:r>
             <a:r>
-              <a:rPr lang="pl" sz="3000" b="0" i="0" u="none" strike="noStrike" cap="none" baseline="0">
+              <a:rPr lang="pl" sz="3000" b="0" i="0" u="none" strike="noStrike" cap="none" baseline="0" dirty="0">
                 <a:solidFill>
                   <a:srgbClr val="FF00FF"/>
                 </a:solidFill>
@@ -14687,7 +14808,7 @@
               <a:t>split</a:t>
             </a:r>
             <a:r>
-              <a:rPr lang="pl" sz="3000" b="0" i="0" u="none" strike="noStrike" cap="none" baseline="0">
+              <a:rPr lang="pl" sz="3000" b="0" i="0" u="none" strike="noStrike" cap="none" baseline="0" dirty="0">
                 <a:solidFill>
                   <a:schemeClr val="lt1"/>
                 </a:solidFill>
@@ -14730,7 +14851,7 @@
               <a:buSzPct val="25000"/>
             </a:pPr>
             <a:r>
-              <a:rPr lang="pl" sz="3000" b="0" i="0" u="none" strike="noStrike" cap="none" baseline="0">
+              <a:rPr lang="pl" sz="3000" b="0" i="0" u="none" strike="noStrike" cap="none" baseline="0" dirty="0">
                 <a:solidFill>
                   <a:srgbClr val="FFFF00"/>
                 </a:solidFill>
@@ -14742,19 +14863,43 @@
               <a:t>print(</a:t>
             </a:r>
             <a:r>
-              <a:rPr lang="pl" sz="3000" b="0" i="0" u="none" strike="noStrike" cap="none" baseline="0">
-                <a:solidFill>
-                  <a:schemeClr val="lt1"/>
-                </a:solidFill>
-                <a:latin typeface="Courier"/>
-                <a:ea typeface="Courier"/>
-                <a:cs typeface="Courier"/>
-                <a:sym typeface="Courier New"/>
-              </a:rPr>
-              <a:t>'Words:', words</a:t>
-            </a:r>
-            <a:r>
-              <a:rPr lang="pl" sz="3000" b="0" i="0" u="none" baseline="0">
+              <a:rPr lang="pl" sz="3000" b="0" i="0" u="none" strike="noStrike" cap="none" baseline="0" dirty="0">
+                <a:solidFill>
+                  <a:schemeClr val="lt1"/>
+                </a:solidFill>
+                <a:latin typeface="Courier"/>
+                <a:ea typeface="Courier"/>
+                <a:cs typeface="Courier"/>
+                <a:sym typeface="Courier New"/>
+              </a:rPr>
+              <a:t>'</a:t>
+            </a:r>
+            <a:r>
+              <a:rPr lang="en-US" sz="3000" b="0" i="0" u="none" strike="noStrike" cap="none" baseline="0" dirty="0" err="1">
+                <a:solidFill>
+                  <a:schemeClr val="lt1"/>
+                </a:solidFill>
+                <a:latin typeface="Courier"/>
+                <a:ea typeface="Courier"/>
+                <a:cs typeface="Courier"/>
+                <a:sym typeface="Courier New"/>
+              </a:rPr>
+              <a:t>Słowa</a:t>
+            </a:r>
+            <a:r>
+              <a:rPr lang="pl" sz="3000" b="0" i="0" u="none" strike="noStrike" cap="none" baseline="0" dirty="0">
+                <a:solidFill>
+                  <a:schemeClr val="lt1"/>
+                </a:solidFill>
+                <a:latin typeface="Courier"/>
+                <a:ea typeface="Courier"/>
+                <a:cs typeface="Courier"/>
+                <a:sym typeface="Courier New"/>
+              </a:rPr>
+              <a:t>:', words</a:t>
+            </a:r>
+            <a:r>
+              <a:rPr lang="pl" sz="3000" b="0" i="0" u="none" baseline="0" dirty="0">
                 <a:solidFill>
                   <a:srgbClr val="FFFF00"/>
                 </a:solidFill>
@@ -14806,7 +14951,7 @@
               <a:buSzPct val="25000"/>
             </a:pPr>
             <a:r>
-              <a:rPr lang="pl" sz="3000" b="0" i="0" u="none" strike="noStrike" cap="none" baseline="0">
+              <a:rPr lang="pl" sz="3000" b="0" i="0" u="none" strike="noStrike" cap="none" baseline="0" dirty="0">
                 <a:solidFill>
                   <a:srgbClr val="FFFF00"/>
                 </a:solidFill>
@@ -14818,7 +14963,7 @@
               <a:t>print(</a:t>
             </a:r>
             <a:r>
-              <a:rPr lang="pl" sz="3000" b="0" i="0" u="none" strike="noStrike" cap="none" baseline="0">
+              <a:rPr lang="pl" sz="3000" b="0" i="0" u="none" strike="noStrike" cap="none" baseline="0" dirty="0">
                 <a:solidFill>
                   <a:schemeClr val="lt1"/>
                 </a:solidFill>
@@ -14830,7 +14975,7 @@
               <a:t>'Zliczam...</a:t>
             </a:r>
             <a:r>
-              <a:rPr lang="pl" sz="3000" b="0" i="0" u="none" baseline="0">
+              <a:rPr lang="pl" sz="3000" b="0" i="0" u="none" baseline="0" dirty="0">
                 <a:solidFill>
                   <a:schemeClr val="lt1"/>
                 </a:solidFill>
@@ -14842,7 +14987,7 @@
               <a:t>'</a:t>
             </a:r>
             <a:r>
-              <a:rPr lang="pl" sz="3000" b="0" i="0" u="none" baseline="0">
+              <a:rPr lang="pl" sz="3000" b="0" i="0" u="none" baseline="0" dirty="0">
                 <a:solidFill>
                   <a:srgbClr val="FFFF00"/>
                 </a:solidFill>
@@ -14882,7 +15027,7 @@
               <a:buNone/>
             </a:pPr>
             <a:r>
-              <a:rPr lang="pl" sz="3000" b="0" i="0" u="none" strike="noStrike" cap="none" baseline="0">
+              <a:rPr lang="pl" sz="3000" b="0" i="0" u="none" strike="noStrike" cap="none" baseline="0" dirty="0">
                 <a:solidFill>
                   <a:srgbClr val="FFFF00"/>
                 </a:solidFill>
@@ -14894,7 +15039,7 @@
               <a:t>for</a:t>
             </a:r>
             <a:r>
-              <a:rPr lang="pl" sz="3000" b="0" i="0" u="none" strike="noStrike" cap="none" baseline="0">
+              <a:rPr lang="pl" sz="3000" b="0" i="0" u="none" strike="noStrike" cap="none" baseline="0" dirty="0">
                 <a:solidFill>
                   <a:schemeClr val="lt1"/>
                 </a:solidFill>
@@ -14906,7 +15051,7 @@
               <a:t> word </a:t>
             </a:r>
             <a:r>
-              <a:rPr lang="pl" sz="3000" b="0" i="0" u="none" strike="noStrike" cap="none" baseline="0">
+              <a:rPr lang="pl" sz="3000" b="0" i="0" u="none" strike="noStrike" cap="none" baseline="0" dirty="0">
                 <a:solidFill>
                   <a:srgbClr val="FFFF00"/>
                 </a:solidFill>
@@ -14918,7 +15063,7 @@
               <a:t>in</a:t>
             </a:r>
             <a:r>
-              <a:rPr lang="pl" sz="3000" b="0" i="0" u="none" strike="noStrike" cap="none" baseline="0">
+              <a:rPr lang="pl" sz="3000" b="0" i="0" u="none" strike="noStrike" cap="none" baseline="0" dirty="0">
                 <a:solidFill>
                   <a:schemeClr val="lt1"/>
                 </a:solidFill>
@@ -14949,7 +15094,7 @@
               <a:buNone/>
             </a:pPr>
             <a:r>
-              <a:rPr lang="pl" sz="3000" b="0" i="0" u="none" strike="noStrike" cap="none" baseline="0">
+              <a:rPr lang="pl" sz="3000" b="0" i="0" u="none" strike="noStrike" cap="none" baseline="0" dirty="0">
                 <a:solidFill>
                   <a:schemeClr val="lt1"/>
                 </a:solidFill>
@@ -14961,7 +15106,7 @@
               <a:t>    </a:t>
             </a:r>
             <a:r>
-              <a:rPr lang="pl" sz="3000" b="0" i="0" u="none" strike="noStrike" cap="none" baseline="0">
+              <a:rPr lang="pl" sz="3000" b="0" i="0" u="none" strike="noStrike" cap="none" baseline="0" dirty="0">
                 <a:solidFill>
                   <a:srgbClr val="00FF00"/>
                 </a:solidFill>
@@ -14973,7 +15118,7 @@
               <a:t>counts</a:t>
             </a:r>
             <a:r>
-              <a:rPr lang="pl" sz="3000" b="0" i="0" u="none" strike="noStrike" cap="none" baseline="0">
+              <a:rPr lang="pl" sz="3000" b="0" i="0" u="none" strike="noStrike" cap="none" baseline="0" dirty="0">
                 <a:solidFill>
                   <a:schemeClr val="lt1"/>
                 </a:solidFill>
@@ -14985,7 +15130,7 @@
               <a:t>[word] = </a:t>
             </a:r>
             <a:r>
-              <a:rPr lang="pl" sz="3000" b="0" i="0" u="none" strike="noStrike" cap="none" baseline="0">
+              <a:rPr lang="pl" sz="3000" b="0" i="0" u="none" strike="noStrike" cap="none" baseline="0" dirty="0">
                 <a:solidFill>
                   <a:srgbClr val="00FF00"/>
                 </a:solidFill>
@@ -14997,7 +15142,7 @@
               <a:t>counts</a:t>
             </a:r>
             <a:r>
-              <a:rPr lang="pl" sz="3000" b="0" i="0" u="none" strike="noStrike" cap="none" baseline="0">
+              <a:rPr lang="pl" sz="3000" b="0" i="0" u="none" strike="noStrike" cap="none" baseline="0" dirty="0">
                 <a:solidFill>
                   <a:schemeClr val="lt1"/>
                 </a:solidFill>
@@ -15009,7 +15154,7 @@
               <a:t>.</a:t>
             </a:r>
             <a:r>
-              <a:rPr lang="pl" sz="3000" b="0" i="0" u="none" strike="noStrike" cap="none" baseline="0">
+              <a:rPr lang="pl" sz="3000" b="0" i="0" u="none" strike="noStrike" cap="none" baseline="0" dirty="0">
                 <a:solidFill>
                   <a:srgbClr val="FF00FF"/>
                 </a:solidFill>
@@ -15021,16 +15166,40 @@
               <a:t>get</a:t>
             </a:r>
             <a:r>
-              <a:rPr lang="pl" sz="3000" b="0" i="0" u="none" strike="noStrike" cap="none" baseline="0">
-                <a:solidFill>
-                  <a:schemeClr val="lt1"/>
-                </a:solidFill>
-                <a:latin typeface="Courier"/>
-                <a:ea typeface="Courier"/>
-                <a:cs typeface="Courier"/>
-                <a:sym typeface="Courier New"/>
-              </a:rPr>
-              <a:t>(word,0) + 1</a:t>
+              <a:rPr lang="pl" sz="3000" b="0" i="0" u="none" strike="noStrike" cap="none" baseline="0" dirty="0">
+                <a:solidFill>
+                  <a:schemeClr val="lt1"/>
+                </a:solidFill>
+                <a:latin typeface="Courier"/>
+                <a:ea typeface="Courier"/>
+                <a:cs typeface="Courier"/>
+                <a:sym typeface="Courier New"/>
+              </a:rPr>
+              <a:t>(word,</a:t>
+            </a:r>
+            <a:r>
+              <a:rPr lang="en-US" sz="3000" b="0" i="0" u="none" strike="noStrike" cap="none" baseline="0" dirty="0">
+                <a:solidFill>
+                  <a:schemeClr val="lt1"/>
+                </a:solidFill>
+                <a:latin typeface="Courier"/>
+                <a:ea typeface="Courier"/>
+                <a:cs typeface="Courier"/>
+                <a:sym typeface="Courier New"/>
+              </a:rPr>
+              <a:t> </a:t>
+            </a:r>
+            <a:r>
+              <a:rPr lang="pl" sz="3000" b="0" i="0" u="none" strike="noStrike" cap="none" baseline="0" dirty="0">
+                <a:solidFill>
+                  <a:schemeClr val="lt1"/>
+                </a:solidFill>
+                <a:latin typeface="Courier"/>
+                <a:ea typeface="Courier"/>
+                <a:cs typeface="Courier"/>
+                <a:sym typeface="Courier New"/>
+              </a:rPr>
+              <a:t>0) + 1</a:t>
             </a:r>
           </a:p>
           <a:p>
@@ -15041,7 +15210,7 @@
               <a:buSzPct val="25000"/>
             </a:pPr>
             <a:r>
-              <a:rPr lang="pl" sz="3000" b="0" i="0" u="none" strike="noStrike" cap="none" baseline="0">
+              <a:rPr lang="pl" sz="3000" b="0" i="0" u="none" strike="noStrike" cap="none" baseline="0" dirty="0">
                 <a:solidFill>
                   <a:srgbClr val="FFFF00"/>
                 </a:solidFill>
@@ -15053,19 +15222,43 @@
               <a:t>print(</a:t>
             </a:r>
             <a:r>
-              <a:rPr lang="pl" sz="3000" b="0" i="0" u="none" strike="noStrike" cap="none" baseline="0">
-                <a:solidFill>
-                  <a:schemeClr val="lt1"/>
-                </a:solidFill>
-                <a:latin typeface="Courier"/>
-                <a:ea typeface="Courier"/>
-                <a:cs typeface="Courier"/>
-                <a:sym typeface="Courier New"/>
-              </a:rPr>
-              <a:t>'Liczba', </a:t>
-            </a:r>
-            <a:r>
-              <a:rPr lang="pl" sz="3000" b="0" i="0" u="none" strike="noStrike" cap="none" baseline="0">
+              <a:rPr lang="pl" sz="3000" b="0" i="0" u="none" strike="noStrike" cap="none" baseline="0" dirty="0">
+                <a:solidFill>
+                  <a:schemeClr val="lt1"/>
+                </a:solidFill>
+                <a:latin typeface="Courier"/>
+                <a:ea typeface="Courier"/>
+                <a:cs typeface="Courier"/>
+                <a:sym typeface="Courier New"/>
+              </a:rPr>
+              <a:t>'Liczba</a:t>
+            </a:r>
+            <a:r>
+              <a:rPr lang="en-US" sz="3000" b="0" i="0" u="none" strike="noStrike" cap="none" baseline="0" dirty="0">
+                <a:solidFill>
+                  <a:schemeClr val="lt1"/>
+                </a:solidFill>
+                <a:latin typeface="Courier"/>
+                <a:ea typeface="Courier"/>
+                <a:cs typeface="Courier"/>
+                <a:sym typeface="Courier New"/>
+              </a:rPr>
+              <a:t>:</a:t>
+            </a:r>
+            <a:r>
+              <a:rPr lang="pl" sz="3000" b="0" i="0" u="none" strike="noStrike" cap="none" baseline="0" dirty="0">
+                <a:solidFill>
+                  <a:schemeClr val="lt1"/>
+                </a:solidFill>
+                <a:latin typeface="Courier"/>
+                <a:ea typeface="Courier"/>
+                <a:cs typeface="Courier"/>
+                <a:sym typeface="Courier New"/>
+              </a:rPr>
+              <a:t>', </a:t>
+            </a:r>
+            <a:r>
+              <a:rPr lang="pl" sz="3000" b="0" i="0" u="none" strike="noStrike" cap="none" baseline="0" dirty="0">
                 <a:solidFill>
                   <a:srgbClr val="00FF00"/>
                 </a:solidFill>
@@ -15077,7 +15270,7 @@
               <a:t>counts</a:t>
             </a:r>
             <a:r>
-              <a:rPr lang="pl" sz="3000" b="0" i="0" u="none" baseline="0">
+              <a:rPr lang="pl" sz="3000" b="0" i="0" u="none" baseline="0" dirty="0">
                 <a:solidFill>
                   <a:srgbClr val="FFFF00"/>
                 </a:solidFill>
@@ -15285,7 +15478,7 @@
               <a:buNone/>
             </a:pPr>
             <a:r>
-              <a:rPr lang="pl" sz="2600" b="0" i="0" u="none" strike="noStrike" cap="none" baseline="0">
+              <a:rPr lang="en-US" sz="2600" b="0" i="0" u="none" strike="noStrike" cap="none" baseline="0" dirty="0">
                 <a:solidFill>
                   <a:srgbClr val="FFFF00"/>
                 </a:solidFill>
@@ -15294,7 +15487,43 @@
                 <a:cs typeface="Courier"/>
                 <a:sym typeface="Courier New"/>
               </a:rPr>
-              <a:t>python wordcount.py </a:t>
+              <a:t>$ </a:t>
+            </a:r>
+            <a:r>
+              <a:rPr lang="pl" sz="2600" b="0" i="0" u="none" strike="noStrike" cap="none" baseline="0" dirty="0">
+                <a:solidFill>
+                  <a:srgbClr val="FFFF00"/>
+                </a:solidFill>
+                <a:latin typeface="Courier"/>
+                <a:ea typeface="Courier"/>
+                <a:cs typeface="Courier"/>
+                <a:sym typeface="Courier New"/>
+              </a:rPr>
+              <a:t>python</a:t>
+            </a:r>
+            <a:r>
+              <a:rPr lang="en-US" sz="2600" b="0" i="0" u="none" strike="noStrike" cap="none" baseline="0" dirty="0">
+                <a:solidFill>
+                  <a:srgbClr val="FFFF00"/>
+                </a:solidFill>
+                <a:latin typeface="Courier"/>
+                <a:ea typeface="Courier"/>
+                <a:cs typeface="Courier"/>
+                <a:sym typeface="Courier New"/>
+              </a:rPr>
+              <a:t>3</a:t>
+            </a:r>
+            <a:r>
+              <a:rPr lang="pl" sz="2600" b="0" i="0" u="none" strike="noStrike" cap="none" baseline="0" dirty="0">
+                <a:solidFill>
+                  <a:srgbClr val="FFFF00"/>
+                </a:solidFill>
+                <a:latin typeface="Courier"/>
+                <a:ea typeface="Courier"/>
+                <a:cs typeface="Courier"/>
+                <a:sym typeface="Courier New"/>
+              </a:rPr>
+              <a:t> wordcount.py </a:t>
             </a:r>
           </a:p>
           <a:p>
@@ -15316,7 +15545,7 @@
               <a:buNone/>
             </a:pPr>
             <a:r>
-              <a:rPr lang="pl" sz="2600" b="0" i="0" u="none" strike="noStrike" cap="none" baseline="0">
+              <a:rPr lang="pl" sz="2600" b="0" i="0" u="none" strike="noStrike" cap="none" baseline="0" dirty="0">
                 <a:solidFill>
                   <a:schemeClr val="lt1"/>
                 </a:solidFill>
@@ -15347,7 +15576,7 @@
               <a:buNone/>
             </a:pPr>
             <a:r>
-              <a:rPr lang="pl" sz="2600" b="0" i="0" u="none" strike="noStrike" cap="none" baseline="0">
+              <a:rPr lang="pl" sz="2600" b="0" i="0" u="none" strike="noStrike" cap="none" baseline="0" dirty="0">
                 <a:solidFill>
                   <a:srgbClr val="00FF00"/>
                 </a:solidFill>
@@ -15359,7 +15588,7 @@
               <a:t>the</a:t>
             </a:r>
             <a:r>
-              <a:rPr lang="pl" sz="2600" b="0" i="0" u="none" strike="noStrike" cap="none" baseline="0">
+              <a:rPr lang="pl" sz="2600" b="0" i="0" u="none" strike="noStrike" cap="none" baseline="0" dirty="0">
                 <a:solidFill>
                   <a:srgbClr val="FFFF00"/>
                 </a:solidFill>
@@ -15371,7 +15600,7 @@
               <a:t> clown ran after </a:t>
             </a:r>
             <a:r>
-              <a:rPr lang="pl" sz="2600" b="0" i="0" u="none" strike="noStrike" cap="none" baseline="0">
+              <a:rPr lang="pl" sz="2600" b="0" i="0" u="none" strike="noStrike" cap="none" baseline="0" dirty="0">
                 <a:solidFill>
                   <a:srgbClr val="00FF00"/>
                 </a:solidFill>
@@ -15383,7 +15612,7 @@
               <a:t>the</a:t>
             </a:r>
             <a:r>
-              <a:rPr lang="pl" sz="2600" b="0" i="0" u="none" strike="noStrike" cap="none" baseline="0">
+              <a:rPr lang="pl" sz="2600" b="0" i="0" u="none" strike="noStrike" cap="none" baseline="0" dirty="0">
                 <a:solidFill>
                   <a:srgbClr val="FFFF00"/>
                 </a:solidFill>
@@ -15395,7 +15624,7 @@
               <a:t> car and </a:t>
             </a:r>
             <a:r>
-              <a:rPr lang="pl" sz="2600" b="0" i="0" u="none" strike="noStrike" cap="none" baseline="0">
+              <a:rPr lang="pl" sz="2600" b="0" i="0" u="none" strike="noStrike" cap="none" baseline="0" dirty="0">
                 <a:solidFill>
                   <a:srgbClr val="00FF00"/>
                 </a:solidFill>
@@ -15407,7 +15636,7 @@
               <a:t>the</a:t>
             </a:r>
             <a:r>
-              <a:rPr lang="pl" sz="2600" b="0" i="0" u="none" strike="noStrike" cap="none" baseline="0">
+              <a:rPr lang="pl" sz="2600" b="0" i="0" u="none" strike="noStrike" cap="none" baseline="0" dirty="0">
                 <a:solidFill>
                   <a:srgbClr val="FFFF00"/>
                 </a:solidFill>
@@ -15419,7 +15648,7 @@
               <a:t> car ran into </a:t>
             </a:r>
             <a:r>
-              <a:rPr lang="pl" sz="2600" b="0" i="0" u="none" strike="noStrike" cap="none" baseline="0">
+              <a:rPr lang="pl" sz="2600" b="0" i="0" u="none" strike="noStrike" cap="none" baseline="0" dirty="0">
                 <a:solidFill>
                   <a:srgbClr val="00FF00"/>
                 </a:solidFill>
@@ -15431,7 +15660,7 @@
               <a:t>the</a:t>
             </a:r>
             <a:r>
-              <a:rPr lang="pl" sz="2600" b="0" i="0" u="none" strike="noStrike" cap="none" baseline="0">
+              <a:rPr lang="pl" sz="2600" b="0" i="0" u="none" strike="noStrike" cap="none" baseline="0" dirty="0">
                 <a:solidFill>
                   <a:srgbClr val="FFFF00"/>
                 </a:solidFill>
@@ -15443,7 +15672,7 @@
               <a:t> tent and </a:t>
             </a:r>
             <a:r>
-              <a:rPr lang="pl" sz="2600" b="0" i="0" u="none" strike="noStrike" cap="none" baseline="0">
+              <a:rPr lang="pl" sz="2600" b="0" i="0" u="none" strike="noStrike" cap="none" baseline="0" dirty="0">
                 <a:solidFill>
                   <a:srgbClr val="00FF00"/>
                 </a:solidFill>
@@ -15455,7 +15684,7 @@
               <a:t>the</a:t>
             </a:r>
             <a:r>
-              <a:rPr lang="pl" sz="2600" b="0" i="0" u="none" strike="noStrike" cap="none" baseline="0">
+              <a:rPr lang="pl" sz="2600" b="0" i="0" u="none" strike="noStrike" cap="none" baseline="0" dirty="0">
                 <a:solidFill>
                   <a:srgbClr val="FFFF00"/>
                 </a:solidFill>
@@ -15467,7 +15696,7 @@
               <a:t> tent fell down on </a:t>
             </a:r>
             <a:r>
-              <a:rPr lang="pl" sz="2600" b="0" i="0" u="none" strike="noStrike" cap="none" baseline="0">
+              <a:rPr lang="pl" sz="2600" b="0" i="0" u="none" strike="noStrike" cap="none" baseline="0" dirty="0">
                 <a:solidFill>
                   <a:srgbClr val="00FF00"/>
                 </a:solidFill>
@@ -15479,7 +15708,7 @@
               <a:t>the</a:t>
             </a:r>
             <a:r>
-              <a:rPr lang="pl" sz="2600" b="0" i="0" u="none" strike="noStrike" cap="none" baseline="0">
+              <a:rPr lang="pl" sz="2600" b="0" i="0" u="none" strike="noStrike" cap="none" baseline="0" dirty="0">
                 <a:solidFill>
                   <a:srgbClr val="FFFF00"/>
                 </a:solidFill>
@@ -15491,7 +15720,7 @@
               <a:t> clown and </a:t>
             </a:r>
             <a:r>
-              <a:rPr lang="pl" sz="2600" b="0" i="0" u="none" strike="noStrike" cap="none" baseline="0">
+              <a:rPr lang="pl" sz="2600" b="0" i="0" u="none" strike="noStrike" cap="none" baseline="0" dirty="0">
                 <a:solidFill>
                   <a:srgbClr val="00FF00"/>
                 </a:solidFill>
@@ -15503,7 +15732,7 @@
               <a:t>the</a:t>
             </a:r>
             <a:r>
-              <a:rPr lang="pl" sz="2600" b="0" i="0" u="none" strike="noStrike" cap="none" baseline="0">
+              <a:rPr lang="pl" sz="2600" b="0" i="0" u="none" strike="noStrike" cap="none" baseline="0" dirty="0">
                 <a:solidFill>
                   <a:srgbClr val="FFFF00"/>
                 </a:solidFill>
@@ -15534,7 +15763,7 @@
               <a:buNone/>
             </a:pPr>
             <a:r>
-              <a:rPr lang="pl" sz="2600" b="0" i="0" u="none" strike="noStrike" cap="none" baseline="0">
+              <a:rPr lang="pl" sz="2600" b="0" i="0" u="none" strike="noStrike" cap="none" baseline="0" dirty="0">
                 <a:solidFill>
                   <a:srgbClr val="FFFF00"/>
                 </a:solidFill>
@@ -15565,16 +15794,28 @@
               <a:buNone/>
             </a:pPr>
             <a:r>
-              <a:rPr lang="pl" sz="2600" b="0" i="0" u="none" strike="noStrike" cap="none" baseline="0">
-                <a:solidFill>
-                  <a:schemeClr val="lt1"/>
-                </a:solidFill>
-                <a:latin typeface="Courier"/>
-                <a:ea typeface="Courier"/>
-                <a:cs typeface="Courier"/>
-                <a:sym typeface="Courier New"/>
-              </a:rPr>
-              <a:t>Words: ['the', 'clown', 'ran', 'after', 'the', 'car', 'and', 'the', 'car', 'ran', 'into', 'the', 'tent', 'and', 'the', 'tent', 'fell', 'down', 'on', 'the', 'clown', 'and', 'the', 'car']</a:t>
+              <a:rPr lang="en-US" sz="2600" b="0" i="0" u="none" strike="noStrike" cap="none" baseline="0" dirty="0" err="1">
+                <a:solidFill>
+                  <a:schemeClr val="lt1"/>
+                </a:solidFill>
+                <a:latin typeface="Courier"/>
+                <a:ea typeface="Courier"/>
+                <a:cs typeface="Courier"/>
+                <a:sym typeface="Courier New"/>
+              </a:rPr>
+              <a:t>Słowa</a:t>
+            </a:r>
+            <a:r>
+              <a:rPr lang="pl" sz="2600" b="0" i="0" u="none" strike="noStrike" cap="none" baseline="0" dirty="0">
+                <a:solidFill>
+                  <a:schemeClr val="lt1"/>
+                </a:solidFill>
+                <a:latin typeface="Courier"/>
+                <a:ea typeface="Courier"/>
+                <a:cs typeface="Courier"/>
+                <a:sym typeface="Courier New"/>
+              </a:rPr>
+              <a:t>: ['the', 'clown', 'ran', 'after', 'the', 'car', 'and', 'the', 'car', 'ran', 'into', 'the', 'tent', 'and', 'the', 'tent', 'fell', 'down', 'on', 'the', 'clown', 'and', 'the', 'car']</a:t>
             </a:r>
           </a:p>
           <a:p>
@@ -15596,7 +15837,7 @@
               <a:buNone/>
             </a:pPr>
             <a:r>
-              <a:rPr lang="pl" sz="2600" b="0" i="0" u="none" strike="noStrike" cap="none" baseline="0">
+              <a:rPr lang="pl" sz="2600" b="0" i="0" u="none" strike="noStrike" cap="none" baseline="0" dirty="0">
                 <a:solidFill>
                   <a:schemeClr val="lt1"/>
                 </a:solidFill>
@@ -15608,36 +15849,18 @@
               <a:t>Zliczam</a:t>
             </a:r>
             <a:r>
-              <a:rPr lang="pl" sz="2600" b="0" i="0" u="none" baseline="0">
-                <a:solidFill>
-                  <a:schemeClr val="lt1"/>
-                </a:solidFill>
-                <a:latin typeface="Courier"/>
-                <a:ea typeface="Courier"/>
-                <a:cs typeface="Courier"/>
-                <a:sym typeface="Courier New"/>
-              </a:rPr>
-              <a:t>…</a:t>
-            </a:r>
-          </a:p>
-          <a:p>
-            <a:pPr marL="0" marR="0" lvl="0" indent="0" algn="l" rtl="0">
-              <a:lnSpc>
-                <a:spcPct val="100000"/>
-              </a:lnSpc>
-              <a:spcBef>
-                <a:spcPts val="0"/>
-              </a:spcBef>
-              <a:spcAft>
-                <a:spcPts val="0"/>
-              </a:spcAft>
-              <a:buClr>
-                <a:schemeClr val="lt1"/>
-              </a:buClr>
-              <a:buFont typeface="Cabin"/>
-              <a:buNone/>
-            </a:pPr>
-            <a:endParaRPr sz="2600" dirty="0">
+              <a:rPr lang="en-US" sz="2600" strike="noStrike" cap="none" dirty="0">
+                <a:solidFill>
+                  <a:schemeClr val="lt1"/>
+                </a:solidFill>
+                <a:latin typeface="Courier"/>
+                <a:ea typeface="Courier"/>
+                <a:cs typeface="Courier"/>
+                <a:sym typeface="Courier New"/>
+              </a:rPr>
+              <a:t>...</a:t>
+            </a:r>
+            <a:endParaRPr lang="pl" sz="2600" b="0" i="0" u="none" baseline="0" dirty="0">
               <a:solidFill>
                 <a:schemeClr val="lt1"/>
               </a:solidFill>
@@ -15665,20 +15888,84 @@
               <a:buFont typeface="Cabin"/>
               <a:buNone/>
             </a:pPr>
-            <a:r>
-              <a:rPr lang="pl" sz="2600" b="0" i="0" u="none" strike="noStrike" cap="none" baseline="0">
-                <a:solidFill>
-                  <a:schemeClr val="lt1"/>
-                </a:solidFill>
-                <a:latin typeface="Courier"/>
-                <a:ea typeface="Courier"/>
-                <a:cs typeface="Courier"/>
-                <a:sym typeface="Courier New"/>
-              </a:rPr>
-              <a:t>Counts {'and': 3, 'on': 1, 'ran': 2, 'car': 3, 'into': 1, 'after': 1, 'clown': 2, 'down': 1, 'fell': 1, </a:t>
-            </a:r>
-            <a:r>
-              <a:rPr lang="pl" sz="2600" b="0" i="0" u="none" strike="noStrike" cap="none" baseline="0">
+            <a:endParaRPr lang="en-US" sz="2600" b="0" i="0" u="none" strike="noStrike" cap="none" baseline="0" dirty="0">
+              <a:solidFill>
+                <a:schemeClr val="lt1"/>
+              </a:solidFill>
+              <a:latin typeface="Courier"/>
+              <a:ea typeface="Courier"/>
+              <a:cs typeface="Courier"/>
+              <a:sym typeface="Courier New"/>
+            </a:endParaRPr>
+          </a:p>
+          <a:p>
+            <a:pPr marL="0" marR="0" lvl="0" indent="0" algn="l" rtl="0">
+              <a:lnSpc>
+                <a:spcPct val="100000"/>
+              </a:lnSpc>
+              <a:spcBef>
+                <a:spcPts val="0"/>
+              </a:spcBef>
+              <a:spcAft>
+                <a:spcPts val="0"/>
+              </a:spcAft>
+              <a:buClr>
+                <a:schemeClr val="lt1"/>
+              </a:buClr>
+              <a:buSzPct val="25000"/>
+              <a:buFont typeface="Cabin"/>
+              <a:buNone/>
+            </a:pPr>
+            <a:r>
+              <a:rPr lang="en-US" sz="2600" b="0" i="0" u="none" strike="noStrike" cap="none" baseline="0" dirty="0" err="1">
+                <a:solidFill>
+                  <a:schemeClr val="lt1"/>
+                </a:solidFill>
+                <a:latin typeface="Courier"/>
+                <a:ea typeface="Courier"/>
+                <a:cs typeface="Courier"/>
+                <a:sym typeface="Courier New"/>
+              </a:rPr>
+              <a:t>Liczba</a:t>
+            </a:r>
+            <a:r>
+              <a:rPr lang="en-US" sz="2600" b="0" i="0" u="none" strike="noStrike" cap="none" baseline="0" dirty="0">
+                <a:solidFill>
+                  <a:schemeClr val="lt1"/>
+                </a:solidFill>
+                <a:latin typeface="Courier"/>
+                <a:ea typeface="Courier"/>
+                <a:cs typeface="Courier"/>
+                <a:sym typeface="Courier New"/>
+              </a:rPr>
+              <a:t>:</a:t>
+            </a:r>
+            <a:r>
+              <a:rPr lang="pl" sz="2600" b="0" i="0" u="none" strike="noStrike" cap="none" baseline="0" dirty="0">
+                <a:solidFill>
+                  <a:schemeClr val="lt1"/>
+                </a:solidFill>
+                <a:latin typeface="Courier"/>
+                <a:ea typeface="Courier"/>
+                <a:cs typeface="Courier"/>
+                <a:sym typeface="Courier New"/>
+              </a:rPr>
+              <a:t> </a:t>
+            </a:r>
+            <a:r>
+              <a:rPr lang="pl-PL" sz="2600" b="0" i="0" u="none" strike="noStrike" cap="none" baseline="0" dirty="0">
+                <a:solidFill>
+                  <a:schemeClr val="lt1"/>
+                </a:solidFill>
+                <a:latin typeface="Courier"/>
+                <a:ea typeface="Courier"/>
+                <a:cs typeface="Courier"/>
+                <a:sym typeface="Courier New"/>
+              </a:rPr>
+              <a:t>{</a:t>
+            </a:r>
+            <a:r>
+              <a:rPr lang="pl-PL" sz="2600" b="0" i="0" u="none" strike="noStrike" cap="none" baseline="0" dirty="0">
                 <a:solidFill>
                   <a:srgbClr val="00FF00"/>
                 </a:solidFill>
@@ -15690,17 +15977,26 @@
               <a:t>'the': 7</a:t>
             </a:r>
             <a:r>
-              <a:rPr lang="pl" sz="2600" b="0" i="0" u="none" strike="noStrike" cap="none" baseline="0">
-                <a:solidFill>
-                  <a:schemeClr val="lt1"/>
-                </a:solidFill>
-                <a:latin typeface="Courier"/>
-                <a:ea typeface="Courier"/>
-                <a:cs typeface="Courier"/>
-                <a:sym typeface="Courier New"/>
-              </a:rPr>
-              <a:t>, 'tent': 2}</a:t>
-            </a:r>
+              <a:rPr lang="pl-PL" sz="2600" b="0" i="0" u="none" strike="noStrike" cap="none" baseline="0" dirty="0">
+                <a:solidFill>
+                  <a:schemeClr val="lt1"/>
+                </a:solidFill>
+                <a:latin typeface="Courier"/>
+                <a:ea typeface="Courier"/>
+                <a:cs typeface="Courier"/>
+                <a:sym typeface="Courier New"/>
+              </a:rPr>
+              <a:t>, 'clown': 2, 'ran': 2, 'after': 1, 'car': 3, 'and': 3, 'into': 1, 'tent': 2, 'fell': 1, 'down': 1, 'on': 1}</a:t>
+            </a:r>
+            <a:endParaRPr lang="pl" sz="2600" b="0" i="0" u="none" strike="noStrike" cap="none" baseline="0" dirty="0">
+              <a:solidFill>
+                <a:schemeClr val="lt1"/>
+              </a:solidFill>
+              <a:latin typeface="Courier"/>
+              <a:ea typeface="Courier"/>
+              <a:cs typeface="Courier"/>
+              <a:sym typeface="Courier New"/>
+            </a:endParaRPr>
           </a:p>
         </p:txBody>
       </p:sp>
@@ -15747,7 +16043,7 @@
               <a:buNone/>
             </a:pPr>
             <a:r>
-              <a:rPr lang="pl" sz="1800" b="0" i="0" u="sng" strike="noStrike" cap="none" baseline="0">
+              <a:rPr lang="pl-PL" sz="1800" b="0" i="0" u="sng" strike="noStrike" cap="none" baseline="0" dirty="0">
                 <a:solidFill>
                   <a:srgbClr val="FFFF00"/>
                 </a:solidFill>
@@ -15757,8 +16053,18 @@
                 <a:sym typeface="Cabin"/>
                 <a:hlinkClick r:id="rId3"/>
               </a:rPr>
-              <a:t>http://www.flickr.com/photos/71502646@N00/2526007974/</a:t>
-            </a:r>
+              <a:t>https://www.flickr.com/photos/71502646@N00/2526007974/</a:t>
+            </a:r>
+            <a:endParaRPr lang="pl" sz="1800" b="0" i="0" u="sng" strike="noStrike" cap="none" baseline="0" dirty="0">
+              <a:solidFill>
+                <a:srgbClr val="FFFF00"/>
+              </a:solidFill>
+              <a:latin typeface="Arial" charset="0"/>
+              <a:ea typeface="Arial" charset="0"/>
+              <a:cs typeface="Arial" charset="0"/>
+              <a:sym typeface="Cabin"/>
+              <a:hlinkClick r:id="rId4"/>
+            </a:endParaRPr>
           </a:p>
         </p:txBody>
       </p:sp>
@@ -15769,7 +16075,7 @@
           <p:nvPr/>
         </p:nvPicPr>
         <p:blipFill rotWithShape="1">
-          <a:blip r:embed="rId4">
+          <a:blip r:embed="rId5">
             <a:alphaModFix/>
           </a:blip>
           <a:srcRect/>
@@ -15857,7 +16163,7 @@
               <a:buNone/>
             </a:pPr>
             <a:r>
-              <a:rPr lang="pl" sz="2400" b="0" i="0" u="none" strike="noStrike" cap="none" baseline="0">
+              <a:rPr lang="pl" sz="2400" b="0" i="0" u="none" strike="noStrike" cap="none" baseline="0" dirty="0">
                 <a:solidFill>
                   <a:schemeClr val="lt1"/>
                 </a:solidFill>
@@ -15869,7 +16175,7 @@
               <a:t>counts = </a:t>
             </a:r>
             <a:r>
-              <a:rPr lang="pl" sz="2400" b="0" i="0" u="none" strike="noStrike" cap="none" baseline="0">
+              <a:rPr lang="pl" sz="2400" b="0" i="0" u="none" strike="noStrike" cap="none" baseline="0" dirty="0">
                 <a:solidFill>
                   <a:srgbClr val="FF7F00"/>
                 </a:solidFill>
@@ -15881,7 +16187,7 @@
               <a:t>dict</a:t>
             </a:r>
             <a:r>
-              <a:rPr lang="pl" sz="2400" b="0" i="0" u="none" strike="noStrike" cap="none" baseline="0">
+              <a:rPr lang="pl" sz="2400" b="0" i="0" u="none" strike="noStrike" cap="none" baseline="0" dirty="0">
                 <a:solidFill>
                   <a:schemeClr val="lt1"/>
                 </a:solidFill>
@@ -15910,7 +16216,7 @@
               <a:buSzPct val="25000"/>
             </a:pPr>
             <a:r>
-              <a:rPr lang="pl" sz="2400" b="0" i="0" u="none" strike="noStrike" cap="none" baseline="0">
+              <a:rPr lang="pl" sz="2400" b="0" i="0" u="none" strike="noStrike" cap="none" baseline="0" dirty="0">
                 <a:solidFill>
                   <a:schemeClr val="lt1"/>
                 </a:solidFill>
@@ -15922,7 +16228,7 @@
               <a:t>line = </a:t>
             </a:r>
             <a:r>
-              <a:rPr lang="pl" sz="2400" b="0" i="0" u="none" strike="noStrike" cap="none" baseline="0">
+              <a:rPr lang="pl" sz="2400" b="0" i="0" u="none" strike="noStrike" cap="none" baseline="0" dirty="0">
                 <a:solidFill>
                   <a:srgbClr val="FF00FF"/>
                 </a:solidFill>
@@ -15934,19 +16240,43 @@
               <a:t>input</a:t>
             </a:r>
             <a:r>
-              <a:rPr lang="pl" sz="2400" b="0" i="0" u="none" baseline="0">
-                <a:solidFill>
-                  <a:schemeClr val="lt1"/>
-                </a:solidFill>
-                <a:latin typeface="Courier"/>
-                <a:ea typeface="Courier"/>
-                <a:cs typeface="Courier"/>
-                <a:sym typeface="Courier New"/>
-              </a:rPr>
-              <a:t>('Wpisz linię tekstu:'</a:t>
-            </a:r>
-            <a:r>
-              <a:rPr lang="pl" sz="2400" b="0" i="0" u="none" strike="noStrike" cap="none" baseline="0">
+              <a:rPr lang="pl" sz="2400" b="0" i="0" u="none" baseline="0" dirty="0">
+                <a:solidFill>
+                  <a:schemeClr val="lt1"/>
+                </a:solidFill>
+                <a:latin typeface="Courier"/>
+                <a:ea typeface="Courier"/>
+                <a:cs typeface="Courier"/>
+                <a:sym typeface="Courier New"/>
+              </a:rPr>
+              <a:t>('Wpisz linię tekstu:</a:t>
+            </a:r>
+            <a:r>
+              <a:rPr lang="en-US" sz="2400" b="0" i="0" u="none" baseline="0" dirty="0">
+                <a:solidFill>
+                  <a:schemeClr val="lt1"/>
+                </a:solidFill>
+                <a:latin typeface="Courier"/>
+                <a:ea typeface="Courier"/>
+                <a:cs typeface="Courier"/>
+                <a:sym typeface="Courier New"/>
+              </a:rPr>
+              <a:t> </a:t>
+            </a:r>
+            <a:r>
+              <a:rPr lang="pl" sz="2400" b="0" i="0" u="none" baseline="0" dirty="0">
+                <a:solidFill>
+                  <a:schemeClr val="lt1"/>
+                </a:solidFill>
+                <a:latin typeface="Courier"/>
+                <a:ea typeface="Courier"/>
+                <a:cs typeface="Courier"/>
+                <a:sym typeface="Courier New"/>
+              </a:rPr>
+              <a:t>'</a:t>
+            </a:r>
+            <a:r>
+              <a:rPr lang="pl" sz="2400" b="0" i="0" u="none" strike="noStrike" cap="none" baseline="0" dirty="0">
                 <a:solidFill>
                   <a:schemeClr val="lt1"/>
                 </a:solidFill>
@@ -15986,7 +16316,7 @@
               <a:buNone/>
             </a:pPr>
             <a:r>
-              <a:rPr lang="pl" sz="2400" b="0" i="0" u="none" strike="noStrike" cap="none" baseline="0">
+              <a:rPr lang="pl" sz="2400" b="0" i="0" u="none" strike="noStrike" cap="none" baseline="0" dirty="0">
                 <a:solidFill>
                   <a:schemeClr val="lt1"/>
                 </a:solidFill>
@@ -15998,7 +16328,7 @@
               <a:t>words = line.</a:t>
             </a:r>
             <a:r>
-              <a:rPr lang="pl" sz="2400" b="0" i="0" u="none" strike="noStrike" cap="none" baseline="0">
+              <a:rPr lang="pl" sz="2400" b="0" i="0" u="none" strike="noStrike" cap="none" baseline="0" dirty="0">
                 <a:solidFill>
                   <a:srgbClr val="FF00FF"/>
                 </a:solidFill>
@@ -16010,7 +16340,7 @@
               <a:t>split</a:t>
             </a:r>
             <a:r>
-              <a:rPr lang="pl" sz="2400" b="0" i="0" u="none" strike="noStrike" cap="none" baseline="0">
+              <a:rPr lang="pl" sz="2400" b="0" i="0" u="none" strike="noStrike" cap="none" baseline="0" dirty="0">
                 <a:solidFill>
                   <a:schemeClr val="lt1"/>
                 </a:solidFill>
@@ -16064,7 +16394,7 @@
               <a:buNone/>
             </a:pPr>
             <a:r>
-              <a:rPr lang="pl" sz="2400" b="0" i="0" u="none" strike="noStrike" cap="none" baseline="0">
+              <a:rPr lang="pl" sz="2400" b="0" i="0" u="none" strike="noStrike" cap="none" baseline="0" dirty="0">
                 <a:solidFill>
                   <a:srgbClr val="FFFF00"/>
                 </a:solidFill>
@@ -16076,7 +16406,7 @@
               <a:t>print(</a:t>
             </a:r>
             <a:r>
-              <a:rPr lang="pl" sz="2400" b="0" i="0" u="none" strike="noStrike" cap="none" baseline="0">
+              <a:rPr lang="pl" sz="2400" b="0" i="0" u="none" strike="noStrike" cap="none" baseline="0" dirty="0">
                 <a:solidFill>
                   <a:schemeClr val="lt1"/>
                 </a:solidFill>
@@ -16088,7 +16418,7 @@
               <a:t>'Słowa:', words</a:t>
             </a:r>
             <a:r>
-              <a:rPr lang="pl" sz="2400" b="0" i="0" u="none" strike="noStrike" cap="none" baseline="0">
+              <a:rPr lang="pl" sz="2400" b="0" i="0" u="none" strike="noStrike" cap="none" baseline="0" dirty="0">
                 <a:solidFill>
                   <a:srgbClr val="FFFF00"/>
                 </a:solidFill>
@@ -16117,7 +16447,7 @@
               <a:buSzPct val="25000"/>
             </a:pPr>
             <a:r>
-              <a:rPr lang="pl" sz="2400" b="0" i="0" u="none" strike="noStrike" cap="none" baseline="0">
+              <a:rPr lang="pl" sz="2400" b="0" i="0" u="none" strike="noStrike" cap="none" baseline="0" dirty="0">
                 <a:solidFill>
                   <a:srgbClr val="FFFF00"/>
                 </a:solidFill>
@@ -16129,19 +16459,19 @@
               <a:t>print(</a:t>
             </a:r>
             <a:r>
-              <a:rPr lang="pl" sz="2400" b="0" i="0" u="none" strike="noStrike" cap="none" baseline="0">
-                <a:solidFill>
-                  <a:schemeClr val="lt1"/>
-                </a:solidFill>
-                <a:latin typeface="Courier"/>
-                <a:ea typeface="Courier"/>
-                <a:cs typeface="Courier"/>
-                <a:sym typeface="Courier New"/>
-              </a:rPr>
-              <a:t>'Zliczam...’</a:t>
-            </a:r>
-            <a:r>
-              <a:rPr lang="pl" sz="2400" b="0" i="0" u="none" baseline="0">
+              <a:rPr lang="pl" sz="2400" b="0" i="0" u="none" strike="noStrike" cap="none" baseline="0" dirty="0">
+                <a:solidFill>
+                  <a:schemeClr val="lt1"/>
+                </a:solidFill>
+                <a:latin typeface="Courier"/>
+                <a:ea typeface="Courier"/>
+                <a:cs typeface="Courier"/>
+                <a:sym typeface="Courier New"/>
+              </a:rPr>
+              <a:t>'Zliczam...'</a:t>
+            </a:r>
+            <a:r>
+              <a:rPr lang="pl" sz="2400" b="0" i="0" u="none" baseline="0" dirty="0">
                 <a:solidFill>
                   <a:srgbClr val="FFFF00"/>
                 </a:solidFill>
@@ -16204,7 +16534,7 @@
               <a:buNone/>
             </a:pPr>
             <a:r>
-              <a:rPr lang="pl" sz="2400" b="0" i="0" u="none" strike="noStrike" cap="none" baseline="0">
+              <a:rPr lang="pl" sz="2400" b="0" i="0" u="none" strike="noStrike" cap="none" baseline="0" dirty="0">
                 <a:solidFill>
                   <a:srgbClr val="FFFF00"/>
                 </a:solidFill>
@@ -16216,7 +16546,7 @@
               <a:t>for</a:t>
             </a:r>
             <a:r>
-              <a:rPr lang="pl" sz="2400" b="0" i="0" u="none" strike="noStrike" cap="none" baseline="0">
+              <a:rPr lang="pl" sz="2400" b="0" i="0" u="none" strike="noStrike" cap="none" baseline="0" dirty="0">
                 <a:solidFill>
                   <a:schemeClr val="lt1"/>
                 </a:solidFill>
@@ -16228,7 +16558,7 @@
               <a:t> word </a:t>
             </a:r>
             <a:r>
-              <a:rPr lang="pl" sz="2400" b="0" i="0" u="none" strike="noStrike" cap="none" baseline="0">
+              <a:rPr lang="pl" sz="2400" b="0" i="0" u="none" strike="noStrike" cap="none" baseline="0" dirty="0">
                 <a:solidFill>
                   <a:srgbClr val="FFFF00"/>
                 </a:solidFill>
@@ -16240,7 +16570,7 @@
               <a:t>in</a:t>
             </a:r>
             <a:r>
-              <a:rPr lang="pl" sz="2400" b="0" i="0" u="none" strike="noStrike" cap="none" baseline="0">
+              <a:rPr lang="pl" sz="2400" b="0" i="0" u="none" strike="noStrike" cap="none" baseline="0" dirty="0">
                 <a:solidFill>
                   <a:schemeClr val="lt1"/>
                 </a:solidFill>
@@ -16271,7 +16601,7 @@
               <a:buNone/>
             </a:pPr>
             <a:r>
-              <a:rPr lang="pl" sz="2400" b="0" i="0" u="none" strike="noStrike" cap="none" baseline="0">
+              <a:rPr lang="pl" sz="2400" b="0" i="0" u="none" strike="noStrike" cap="none" baseline="0" dirty="0">
                 <a:solidFill>
                   <a:schemeClr val="lt1"/>
                 </a:solidFill>
@@ -16283,7 +16613,7 @@
               <a:t>    counts[word] = counts.</a:t>
             </a:r>
             <a:r>
-              <a:rPr lang="pl" sz="2400" b="0" i="0" u="none" strike="noStrike" cap="none" baseline="0">
+              <a:rPr lang="pl" sz="2400" b="0" i="0" u="none" strike="noStrike" cap="none" baseline="0" dirty="0">
                 <a:solidFill>
                   <a:srgbClr val="FF00FF"/>
                 </a:solidFill>
@@ -16295,7 +16625,7 @@
               <a:t>get</a:t>
             </a:r>
             <a:r>
-              <a:rPr lang="pl" sz="2400" b="0" i="0" u="none" strike="noStrike" cap="none" baseline="0">
+              <a:rPr lang="pl" sz="2400" b="0" i="0" u="none" strike="noStrike" cap="none" baseline="0" dirty="0">
                 <a:solidFill>
                   <a:schemeClr val="lt1"/>
                 </a:solidFill>
@@ -16315,7 +16645,7 @@
               <a:buSzPct val="25000"/>
             </a:pPr>
             <a:r>
-              <a:rPr lang="pl" sz="2400" b="0" i="0" u="none" strike="noStrike" cap="none" baseline="0">
+              <a:rPr lang="pl" sz="2400" b="0" i="0" u="none" strike="noStrike" cap="none" baseline="0" dirty="0">
                 <a:solidFill>
                   <a:srgbClr val="FFFF00"/>
                 </a:solidFill>
@@ -16327,19 +16657,43 @@
               <a:t>print(</a:t>
             </a:r>
             <a:r>
-              <a:rPr lang="pl" sz="2400" b="0" i="0" u="none" strike="noStrike" cap="none" baseline="0">
-                <a:solidFill>
-                  <a:schemeClr val="lt1"/>
-                </a:solidFill>
-                <a:latin typeface="Courier"/>
-                <a:ea typeface="Courier"/>
-                <a:cs typeface="Courier"/>
-                <a:sym typeface="Courier New"/>
-              </a:rPr>
-              <a:t>'Liczba', counts</a:t>
-            </a:r>
-            <a:r>
-              <a:rPr lang="pl" sz="2400" b="0" i="0" u="none" baseline="0">
+              <a:rPr lang="pl" sz="2400" b="0" i="0" u="none" strike="noStrike" cap="none" baseline="0" dirty="0">
+                <a:solidFill>
+                  <a:schemeClr val="lt1"/>
+                </a:solidFill>
+                <a:latin typeface="Courier"/>
+                <a:ea typeface="Courier"/>
+                <a:cs typeface="Courier"/>
+                <a:sym typeface="Courier New"/>
+              </a:rPr>
+              <a:t>'Liczba</a:t>
+            </a:r>
+            <a:r>
+              <a:rPr lang="en-US" sz="2400" b="0" i="0" u="none" strike="noStrike" cap="none" baseline="0" dirty="0">
+                <a:solidFill>
+                  <a:schemeClr val="lt1"/>
+                </a:solidFill>
+                <a:latin typeface="Courier"/>
+                <a:ea typeface="Courier"/>
+                <a:cs typeface="Courier"/>
+                <a:sym typeface="Courier New"/>
+              </a:rPr>
+              <a:t>:</a:t>
+            </a:r>
+            <a:r>
+              <a:rPr lang="pl" sz="2400" b="0" i="0" u="none" strike="noStrike" cap="none" baseline="0" dirty="0">
+                <a:solidFill>
+                  <a:schemeClr val="lt1"/>
+                </a:solidFill>
+                <a:latin typeface="Courier"/>
+                <a:ea typeface="Courier"/>
+                <a:cs typeface="Courier"/>
+                <a:sym typeface="Courier New"/>
+              </a:rPr>
+              <a:t>', counts</a:t>
+            </a:r>
+            <a:r>
+              <a:rPr lang="pl" sz="2400" b="0" i="0" u="none" baseline="0" dirty="0">
                 <a:solidFill>
                   <a:srgbClr val="FFFF00"/>
                 </a:solidFill>
@@ -16405,7 +16759,7 @@
               <a:buNone/>
             </a:pPr>
             <a:r>
-              <a:rPr lang="pl" sz="2800" b="0" i="0" u="none" strike="noStrike" cap="none" baseline="0">
+              <a:rPr lang="en-US" sz="2800" b="0" i="0" u="none" strike="noStrike" cap="none" baseline="0" dirty="0">
                 <a:solidFill>
                   <a:srgbClr val="FFFF00"/>
                 </a:solidFill>
@@ -16414,7 +16768,43 @@
                 <a:cs typeface="Courier"/>
                 <a:sym typeface="Courier New"/>
               </a:rPr>
-              <a:t>python wordcount.py </a:t>
+              <a:t>$ </a:t>
+            </a:r>
+            <a:r>
+              <a:rPr lang="pl" sz="2800" b="0" i="0" u="none" strike="noStrike" cap="none" baseline="0" dirty="0">
+                <a:solidFill>
+                  <a:srgbClr val="FFFF00"/>
+                </a:solidFill>
+                <a:latin typeface="Courier"/>
+                <a:ea typeface="Courier"/>
+                <a:cs typeface="Courier"/>
+                <a:sym typeface="Courier New"/>
+              </a:rPr>
+              <a:t>python</a:t>
+            </a:r>
+            <a:r>
+              <a:rPr lang="en-US" sz="2800" dirty="0">
+                <a:solidFill>
+                  <a:srgbClr val="FFFF00"/>
+                </a:solidFill>
+                <a:latin typeface="Courier"/>
+                <a:ea typeface="Courier"/>
+                <a:cs typeface="Courier"/>
+                <a:sym typeface="Courier New"/>
+              </a:rPr>
+              <a:t>3</a:t>
+            </a:r>
+            <a:r>
+              <a:rPr lang="pl" sz="2800" b="0" i="0" u="none" strike="noStrike" cap="none" baseline="0" dirty="0">
+                <a:solidFill>
+                  <a:srgbClr val="FFFF00"/>
+                </a:solidFill>
+                <a:latin typeface="Courier"/>
+                <a:ea typeface="Courier"/>
+                <a:cs typeface="Courier"/>
+                <a:sym typeface="Courier New"/>
+              </a:rPr>
+              <a:t> wordcount.py </a:t>
             </a:r>
           </a:p>
           <a:p>
@@ -16436,7 +16826,7 @@
               <a:buNone/>
             </a:pPr>
             <a:r>
-              <a:rPr lang="pl" sz="2800" b="0" i="0" u="none" strike="noStrike" cap="none" baseline="0">
+              <a:rPr lang="pl" sz="2800" b="0" i="0" u="none" strike="noStrike" cap="none" baseline="0" dirty="0">
                 <a:solidFill>
                   <a:schemeClr val="lt1"/>
                 </a:solidFill>
@@ -16447,27 +16837,20 @@
               </a:rPr>
               <a:t>Wpisz linię tekstu:</a:t>
             </a:r>
-          </a:p>
-          <a:p>
-            <a:pPr marL="0" marR="0" lvl="0" indent="0" algn="l" rtl="0">
-              <a:lnSpc>
-                <a:spcPct val="100000"/>
-              </a:lnSpc>
-              <a:spcBef>
-                <a:spcPts val="0"/>
-              </a:spcBef>
-              <a:spcAft>
-                <a:spcPts val="0"/>
-              </a:spcAft>
-              <a:buClr>
-                <a:schemeClr val="lt1"/>
-              </a:buClr>
-              <a:buSzPct val="25000"/>
-              <a:buFont typeface="Cabin"/>
-              <a:buNone/>
-            </a:pPr>
-            <a:r>
-              <a:rPr lang="pl" sz="2800" b="0" i="0" u="none" strike="noStrike" cap="none" baseline="0">
+            <a:r>
+              <a:rPr lang="en-US" sz="2800" b="0" i="0" u="none" strike="noStrike" cap="none" baseline="0" dirty="0">
+                <a:solidFill>
+                  <a:schemeClr val="lt1"/>
+                </a:solidFill>
+                <a:latin typeface="Arial" charset="0"/>
+                <a:ea typeface="Arial" charset="0"/>
+                <a:cs typeface="Arial" charset="0"/>
+                <a:sym typeface="Cabin"/>
+              </a:rPr>
+              <a:t> </a:t>
+            </a:r>
+            <a:r>
+              <a:rPr lang="pl" sz="2800" b="0" i="0" u="none" strike="noStrike" cap="none" baseline="0" dirty="0">
                 <a:solidFill>
                   <a:srgbClr val="00FF00"/>
                 </a:solidFill>
@@ -16479,7 +16862,7 @@
               <a:t>the</a:t>
             </a:r>
             <a:r>
-              <a:rPr lang="pl" sz="2800" b="0" i="0" u="none" strike="noStrike" cap="none" baseline="0">
+              <a:rPr lang="pl" sz="2800" b="0" i="0" u="none" strike="noStrike" cap="none" baseline="0" dirty="0">
                 <a:solidFill>
                   <a:srgbClr val="FFFF00"/>
                 </a:solidFill>
@@ -16491,7 +16874,7 @@
               <a:t> clown ran after </a:t>
             </a:r>
             <a:r>
-              <a:rPr lang="pl" sz="2800" b="0" i="0" u="none" strike="noStrike" cap="none" baseline="0">
+              <a:rPr lang="pl" sz="2800" b="0" i="0" u="none" strike="noStrike" cap="none" baseline="0" dirty="0">
                 <a:solidFill>
                   <a:srgbClr val="00FF00"/>
                 </a:solidFill>
@@ -16503,7 +16886,7 @@
               <a:t>the</a:t>
             </a:r>
             <a:r>
-              <a:rPr lang="pl" sz="2800" b="0" i="0" u="none" strike="noStrike" cap="none" baseline="0">
+              <a:rPr lang="pl" sz="2800" b="0" i="0" u="none" strike="noStrike" cap="none" baseline="0" dirty="0">
                 <a:solidFill>
                   <a:srgbClr val="FFFF00"/>
                 </a:solidFill>
@@ -16515,7 +16898,7 @@
               <a:t> car and the car ran into </a:t>
             </a:r>
             <a:r>
-              <a:rPr lang="pl" sz="2800" b="0" i="0" u="none" strike="noStrike" cap="none" baseline="0">
+              <a:rPr lang="pl" sz="2800" b="0" i="0" u="none" strike="noStrike" cap="none" baseline="0" dirty="0">
                 <a:solidFill>
                   <a:srgbClr val="00FF00"/>
                 </a:solidFill>
@@ -16527,7 +16910,7 @@
               <a:t>the</a:t>
             </a:r>
             <a:r>
-              <a:rPr lang="pl" sz="2800" b="0" i="0" u="none" strike="noStrike" cap="none" baseline="0">
+              <a:rPr lang="pl" sz="2800" b="0" i="0" u="none" strike="noStrike" cap="none" baseline="0" dirty="0">
                 <a:solidFill>
                   <a:srgbClr val="FFFF00"/>
                 </a:solidFill>
@@ -16539,7 +16922,7 @@
               <a:t> tent and </a:t>
             </a:r>
             <a:r>
-              <a:rPr lang="pl" sz="2800" b="0" i="0" u="none" strike="noStrike" cap="none" baseline="0">
+              <a:rPr lang="pl" sz="2800" b="0" i="0" u="none" strike="noStrike" cap="none" baseline="0" dirty="0">
                 <a:solidFill>
                   <a:srgbClr val="00FF00"/>
                 </a:solidFill>
@@ -16551,7 +16934,7 @@
               <a:t>the</a:t>
             </a:r>
             <a:r>
-              <a:rPr lang="pl" sz="2800" b="0" i="0" u="none" strike="noStrike" cap="none" baseline="0">
+              <a:rPr lang="pl" sz="2800" b="0" i="0" u="none" strike="noStrike" cap="none" baseline="0" dirty="0">
                 <a:solidFill>
                   <a:srgbClr val="FFFF00"/>
                 </a:solidFill>
@@ -16563,7 +16946,7 @@
               <a:t> tent fell down on </a:t>
             </a:r>
             <a:r>
-              <a:rPr lang="pl" sz="2800" b="0" i="0" u="none" strike="noStrike" cap="none" baseline="0">
+              <a:rPr lang="pl" sz="2800" b="0" i="0" u="none" strike="noStrike" cap="none" baseline="0" dirty="0">
                 <a:solidFill>
                   <a:srgbClr val="00FF00"/>
                 </a:solidFill>
@@ -16575,7 +16958,7 @@
               <a:t>the</a:t>
             </a:r>
             <a:r>
-              <a:rPr lang="pl" sz="2800" b="0" i="0" u="none" strike="noStrike" cap="none" baseline="0">
+              <a:rPr lang="pl" sz="2800" b="0" i="0" u="none" strike="noStrike" cap="none" baseline="0" dirty="0">
                 <a:solidFill>
                   <a:srgbClr val="FFFF00"/>
                 </a:solidFill>
@@ -16587,7 +16970,7 @@
               <a:t> clown and </a:t>
             </a:r>
             <a:r>
-              <a:rPr lang="pl" sz="2800" b="0" i="0" u="none" strike="noStrike" cap="none" baseline="0">
+              <a:rPr lang="pl" sz="2800" b="0" i="0" u="none" strike="noStrike" cap="none" baseline="0" dirty="0">
                 <a:solidFill>
                   <a:srgbClr val="00FF00"/>
                 </a:solidFill>
@@ -16599,7 +16982,7 @@
               <a:t>the</a:t>
             </a:r>
             <a:r>
-              <a:rPr lang="pl" sz="2800" b="0" i="0" u="none" strike="noStrike" cap="none" baseline="0">
+              <a:rPr lang="pl" sz="2800" b="0" i="0" u="none" strike="noStrike" cap="none" baseline="0" dirty="0">
                 <a:solidFill>
                   <a:srgbClr val="FFFF00"/>
                 </a:solidFill>
@@ -16653,16 +17036,28 @@
               <a:buNone/>
             </a:pPr>
             <a:r>
-              <a:rPr lang="pl" sz="2800" b="0" i="0" u="none" strike="noStrike" cap="none" baseline="0">
-                <a:solidFill>
-                  <a:schemeClr val="lt1"/>
-                </a:solidFill>
-                <a:latin typeface="Arial" charset="0"/>
-                <a:ea typeface="Arial" charset="0"/>
-                <a:cs typeface="Arial" charset="0"/>
-                <a:sym typeface="Cabin"/>
-              </a:rPr>
-              <a:t>Words: ['the', 'clown', 'ran', 'after', 'the', 'car', 'and', 'the', 'car', 'ran', 'into', 'the', 'tent', 'and', 'the', 'tent', 'fell', 'down', 'on', 'the', 'clown', 'and', 'the', 'car']</a:t>
+              <a:rPr lang="en-US" sz="2800" b="0" i="0" u="none" strike="noStrike" cap="none" baseline="0" dirty="0" err="1">
+                <a:solidFill>
+                  <a:schemeClr val="lt1"/>
+                </a:solidFill>
+                <a:latin typeface="Arial" charset="0"/>
+                <a:ea typeface="Arial" charset="0"/>
+                <a:cs typeface="Arial" charset="0"/>
+                <a:sym typeface="Cabin"/>
+              </a:rPr>
+              <a:t>Słowa</a:t>
+            </a:r>
+            <a:r>
+              <a:rPr lang="pl" sz="2800" b="0" i="0" u="none" strike="noStrike" cap="none" baseline="0" dirty="0">
+                <a:solidFill>
+                  <a:schemeClr val="lt1"/>
+                </a:solidFill>
+                <a:latin typeface="Arial" charset="0"/>
+                <a:ea typeface="Arial" charset="0"/>
+                <a:cs typeface="Arial" charset="0"/>
+                <a:sym typeface="Cabin"/>
+              </a:rPr>
+              <a:t>: ['the', 'clown', 'ran', 'after', 'the', 'car', 'and', 'the', 'car', 'ran', 'into', 'the', 'tent', 'and', 'the', 'tent', 'fell', 'down', 'on', 'the', 'clown', 'and', 'the', 'car']</a:t>
             </a:r>
           </a:p>
           <a:p>
@@ -16684,7 +17079,7 @@
               <a:buNone/>
             </a:pPr>
             <a:r>
-              <a:rPr lang="pl" sz="2800" b="0" i="0" u="none" strike="noStrike" cap="none" baseline="0">
+              <a:rPr lang="pl" sz="2800" b="0" i="0" u="none" strike="noStrike" cap="none" baseline="0" dirty="0">
                 <a:solidFill>
                   <a:schemeClr val="lt1"/>
                 </a:solidFill>
@@ -16738,19 +17133,31 @@
               <a:buNone/>
             </a:pPr>
             <a:r>
-              <a:rPr lang="pl" sz="2800" b="0" i="0" u="none" strike="noStrike" cap="none" baseline="0">
-                <a:solidFill>
-                  <a:schemeClr val="lt1"/>
-                </a:solidFill>
-                <a:latin typeface="Arial" charset="0"/>
-                <a:ea typeface="Arial" charset="0"/>
-                <a:cs typeface="Arial" charset="0"/>
-                <a:sym typeface="Cabin"/>
-              </a:rPr>
-              <a:t>Liczba {'and': 3, 'on': 1, 'ran': 2, 'car': 3, 'into': 1, 'after': 1, 'clown': 2, 'down': 1, 'fell': 1, </a:t>
-            </a:r>
-            <a:r>
-              <a:rPr lang="pl" sz="2800" b="0" i="0" u="none" strike="noStrike" cap="none" baseline="0">
+              <a:rPr lang="pl" sz="2800" b="0" i="0" u="none" strike="noStrike" cap="none" baseline="0" dirty="0">
+                <a:solidFill>
+                  <a:schemeClr val="lt1"/>
+                </a:solidFill>
+                <a:latin typeface="Arial" charset="0"/>
+                <a:ea typeface="Arial" charset="0"/>
+                <a:cs typeface="Arial" charset="0"/>
+                <a:sym typeface="Cabin"/>
+              </a:rPr>
+              <a:t>Liczba </a:t>
+            </a:r>
+            <a:r>
+              <a:rPr lang="pl-PL" sz="2800" b="0" i="0" u="none" strike="noStrike" cap="none" baseline="0" dirty="0">
+                <a:solidFill>
+                  <a:schemeClr val="lt1"/>
+                </a:solidFill>
+                <a:latin typeface="Arial" charset="0"/>
+                <a:ea typeface="Arial" charset="0"/>
+                <a:cs typeface="Arial" charset="0"/>
+                <a:sym typeface="Cabin"/>
+              </a:rPr>
+              <a:t>{</a:t>
+            </a:r>
+            <a:r>
+              <a:rPr lang="pl-PL" sz="2800" b="0" i="0" u="none" strike="noStrike" cap="none" baseline="0" dirty="0">
                 <a:solidFill>
                   <a:srgbClr val="00FF00"/>
                 </a:solidFill>
@@ -16762,17 +17169,26 @@
               <a:t>'the': 7</a:t>
             </a:r>
             <a:r>
-              <a:rPr lang="pl" sz="2800" b="0" i="0" u="none" strike="noStrike" cap="none" baseline="0">
-                <a:solidFill>
-                  <a:schemeClr val="lt1"/>
-                </a:solidFill>
-                <a:latin typeface="Arial" charset="0"/>
-                <a:ea typeface="Arial" charset="0"/>
-                <a:cs typeface="Arial" charset="0"/>
-                <a:sym typeface="Cabin"/>
-              </a:rPr>
-              <a:t>, 'tent': 2}</a:t>
-            </a:r>
+              <a:rPr lang="pl-PL" sz="2800" b="0" i="0" u="none" strike="noStrike" cap="none" baseline="0" dirty="0">
+                <a:solidFill>
+                  <a:schemeClr val="lt1"/>
+                </a:solidFill>
+                <a:latin typeface="Arial" charset="0"/>
+                <a:ea typeface="Arial" charset="0"/>
+                <a:cs typeface="Arial" charset="0"/>
+                <a:sym typeface="Cabin"/>
+              </a:rPr>
+              <a:t>, 'clown': 2, 'ran': 2, 'after': 1, 'car': 3, 'and': 3, 'into': 1, 'tent': 2, 'fell': 1, 'down': 1, 'on': 1}</a:t>
+            </a:r>
+            <a:endParaRPr lang="pl" sz="2800" b="0" i="0" u="none" strike="noStrike" cap="none" baseline="0" dirty="0">
+              <a:solidFill>
+                <a:schemeClr val="lt1"/>
+              </a:solidFill>
+              <a:latin typeface="Arial" charset="0"/>
+              <a:ea typeface="Arial" charset="0"/>
+              <a:cs typeface="Arial" charset="0"/>
+              <a:sym typeface="Cabin"/>
+            </a:endParaRPr>
           </a:p>
         </p:txBody>
       </p:sp>
@@ -16931,28 +17347,244 @@
               <a:buNone/>
             </a:pPr>
             <a:r>
+              <a:rPr lang="en-US" sz="3600" b="0" i="0" u="none" strike="noStrike" cap="none" baseline="0" dirty="0">
+                <a:solidFill>
+                  <a:srgbClr val="00FF00"/>
+                </a:solidFill>
+                <a:latin typeface="Arial" charset="0"/>
+                <a:ea typeface="Arial" charset="0"/>
+                <a:cs typeface="Arial" charset="0"/>
+                <a:sym typeface="Cabin"/>
+              </a:rPr>
+              <a:t>S</a:t>
+            </a:r>
+            <a:r>
               <a:rPr lang="pl" sz="3600" b="0" i="0" u="none" strike="noStrike" cap="none" baseline="0" dirty="0">
                 <a:solidFill>
-                  <a:schemeClr val="lt1"/>
-                </a:solidFill>
-                <a:latin typeface="Arial" charset="0"/>
-                <a:ea typeface="Arial" charset="0"/>
-                <a:cs typeface="Arial" charset="0"/>
-                <a:sym typeface="Cabin"/>
-              </a:rPr>
-              <a:t>Mimo że </a:t>
+                  <a:srgbClr val="00FF00"/>
+                </a:solidFill>
+                <a:latin typeface="Arial" charset="0"/>
+                <a:ea typeface="Arial" charset="0"/>
+                <a:cs typeface="Arial" charset="0"/>
+                <a:sym typeface="Cabin"/>
+              </a:rPr>
+              <a:t>łowniki</a:t>
             </a:r>
             <a:r>
               <a:rPr lang="pl" sz="3600" b="0" i="0" u="none" strike="noStrike" cap="none" baseline="0" dirty="0">
                 <a:solidFill>
-                  <a:srgbClr val="00FF00"/>
-                </a:solidFill>
-                <a:latin typeface="Arial" charset="0"/>
-                <a:ea typeface="Arial" charset="0"/>
-                <a:cs typeface="Arial" charset="0"/>
-                <a:sym typeface="Cabin"/>
-              </a:rPr>
-              <a:t>słowniki</a:t>
+                  <a:schemeClr val="lt1"/>
+                </a:solidFill>
+                <a:latin typeface="Arial" charset="0"/>
+                <a:ea typeface="Arial" charset="0"/>
+                <a:cs typeface="Arial" charset="0"/>
+                <a:sym typeface="Cabin"/>
+              </a:rPr>
+              <a:t> </a:t>
+            </a:r>
+            <a:r>
+              <a:rPr lang="en-US" sz="3600" b="0" i="0" u="none" strike="noStrike" cap="none" baseline="0" dirty="0">
+                <a:solidFill>
+                  <a:schemeClr val="lt1"/>
+                </a:solidFill>
+                <a:latin typeface="Arial" charset="0"/>
+                <a:ea typeface="Arial" charset="0"/>
+                <a:cs typeface="Arial" charset="0"/>
+                <a:sym typeface="Cabin"/>
+              </a:rPr>
+              <a:t>w </a:t>
+            </a:r>
+            <a:r>
+              <a:rPr lang="en-US" sz="3600" b="0" i="0" u="none" strike="noStrike" cap="none" baseline="0" dirty="0" err="1">
+                <a:solidFill>
+                  <a:schemeClr val="lt1"/>
+                </a:solidFill>
+                <a:latin typeface="Arial" charset="0"/>
+                <a:ea typeface="Arial" charset="0"/>
+                <a:cs typeface="Arial" charset="0"/>
+                <a:sym typeface="Cabin"/>
+              </a:rPr>
+              <a:t>Pythonie</a:t>
+            </a:r>
+            <a:r>
+              <a:rPr lang="en-US" sz="3600" b="0" i="0" u="none" strike="noStrike" cap="none" baseline="0" dirty="0">
+                <a:solidFill>
+                  <a:schemeClr val="lt1"/>
+                </a:solidFill>
+                <a:latin typeface="Arial" charset="0"/>
+                <a:ea typeface="Arial" charset="0"/>
+                <a:cs typeface="Arial" charset="0"/>
+                <a:sym typeface="Cabin"/>
+              </a:rPr>
+              <a:t> od </a:t>
+            </a:r>
+            <a:r>
+              <a:rPr lang="en-US" sz="3600" b="0" i="0" u="none" strike="noStrike" cap="none" baseline="0" dirty="0" err="1">
+                <a:solidFill>
+                  <a:schemeClr val="lt1"/>
+                </a:solidFill>
+                <a:latin typeface="Arial" charset="0"/>
+                <a:ea typeface="Arial" charset="0"/>
+                <a:cs typeface="Arial" charset="0"/>
+                <a:sym typeface="Cabin"/>
+              </a:rPr>
+              <a:t>wersji</a:t>
+            </a:r>
+            <a:r>
+              <a:rPr lang="en-US" sz="3600" b="0" i="0" u="none" strike="noStrike" cap="none" baseline="0" dirty="0">
+                <a:solidFill>
+                  <a:schemeClr val="lt1"/>
+                </a:solidFill>
+                <a:latin typeface="Arial" charset="0"/>
+                <a:ea typeface="Arial" charset="0"/>
+                <a:cs typeface="Arial" charset="0"/>
+                <a:sym typeface="Cabin"/>
+              </a:rPr>
+              <a:t> 3.6 </a:t>
+            </a:r>
+            <a:r>
+              <a:rPr lang="en-US" sz="3600" b="0" i="0" u="none" strike="noStrike" cap="none" baseline="0" dirty="0" err="1">
+                <a:solidFill>
+                  <a:schemeClr val="lt1"/>
+                </a:solidFill>
+                <a:latin typeface="Arial" charset="0"/>
+                <a:ea typeface="Arial" charset="0"/>
+                <a:cs typeface="Arial" charset="0"/>
+                <a:sym typeface="Cabin"/>
+              </a:rPr>
+              <a:t>są</a:t>
+            </a:r>
+            <a:r>
+              <a:rPr lang="en-US" sz="3600" b="0" i="0" u="none" strike="noStrike" cap="none" baseline="0" dirty="0">
+                <a:solidFill>
+                  <a:schemeClr val="lt1"/>
+                </a:solidFill>
+                <a:latin typeface="Arial" charset="0"/>
+                <a:ea typeface="Arial" charset="0"/>
+                <a:cs typeface="Arial" charset="0"/>
+                <a:sym typeface="Cabin"/>
+              </a:rPr>
+              <a:t> </a:t>
+            </a:r>
+            <a:r>
+              <a:rPr lang="en-US" sz="3600" b="0" i="0" u="none" strike="noStrike" cap="none" baseline="0" dirty="0" err="1">
+                <a:solidFill>
+                  <a:schemeClr val="lt1"/>
+                </a:solidFill>
+                <a:latin typeface="Arial" charset="0"/>
+                <a:ea typeface="Arial" charset="0"/>
+                <a:cs typeface="Arial" charset="0"/>
+                <a:sym typeface="Cabin"/>
+              </a:rPr>
+              <a:t>uporządkowane</a:t>
+            </a:r>
+            <a:r>
+              <a:rPr lang="en-US" sz="3600" b="0" i="0" u="none" strike="noStrike" cap="none" baseline="0" dirty="0">
+                <a:solidFill>
+                  <a:schemeClr val="lt1"/>
+                </a:solidFill>
+                <a:latin typeface="Arial" charset="0"/>
+                <a:ea typeface="Arial" charset="0"/>
+                <a:cs typeface="Arial" charset="0"/>
+                <a:sym typeface="Cabin"/>
+              </a:rPr>
+              <a:t> </a:t>
+            </a:r>
+            <a:r>
+              <a:rPr lang="en-US" sz="3600" b="0" i="0" u="none" strike="noStrike" cap="none" baseline="0" dirty="0" err="1">
+                <a:solidFill>
+                  <a:schemeClr val="lt1"/>
+                </a:solidFill>
+                <a:latin typeface="Arial" charset="0"/>
+                <a:ea typeface="Arial" charset="0"/>
+                <a:cs typeface="Arial" charset="0"/>
+                <a:sym typeface="Cabin"/>
+              </a:rPr>
+              <a:t>zgodnie</a:t>
+            </a:r>
+            <a:r>
+              <a:rPr lang="en-US" sz="3600" b="0" i="0" u="none" strike="noStrike" cap="none" baseline="0" dirty="0">
+                <a:solidFill>
+                  <a:schemeClr val="lt1"/>
+                </a:solidFill>
+                <a:latin typeface="Arial" charset="0"/>
+                <a:ea typeface="Arial" charset="0"/>
+                <a:cs typeface="Arial" charset="0"/>
+                <a:sym typeface="Cabin"/>
+              </a:rPr>
+              <a:t> z </a:t>
+            </a:r>
+            <a:r>
+              <a:rPr lang="en-US" sz="3600" b="0" i="0" u="none" strike="noStrike" cap="none" baseline="0" dirty="0" err="1">
+                <a:solidFill>
+                  <a:schemeClr val="lt1"/>
+                </a:solidFill>
+                <a:latin typeface="Arial" charset="0"/>
+                <a:ea typeface="Arial" charset="0"/>
+                <a:cs typeface="Arial" charset="0"/>
+                <a:sym typeface="Cabin"/>
+              </a:rPr>
+              <a:t>kolejnością</a:t>
+            </a:r>
+            <a:r>
+              <a:rPr lang="en-US" sz="3600" b="0" i="0" u="none" strike="noStrike" cap="none" baseline="0" dirty="0">
+                <a:solidFill>
+                  <a:schemeClr val="lt1"/>
+                </a:solidFill>
+                <a:latin typeface="Arial" charset="0"/>
+                <a:ea typeface="Arial" charset="0"/>
+                <a:cs typeface="Arial" charset="0"/>
+                <a:sym typeface="Cabin"/>
+              </a:rPr>
+              <a:t> </a:t>
+            </a:r>
+            <a:r>
+              <a:rPr lang="en-US" sz="3600" b="0" i="0" u="none" strike="noStrike" cap="none" baseline="0" dirty="0" err="1">
+                <a:solidFill>
+                  <a:schemeClr val="lt1"/>
+                </a:solidFill>
+                <a:latin typeface="Arial" charset="0"/>
+                <a:ea typeface="Arial" charset="0"/>
+                <a:cs typeface="Arial" charset="0"/>
+                <a:sym typeface="Cabin"/>
+              </a:rPr>
+              <a:t>wstawiania</a:t>
+            </a:r>
+            <a:r>
+              <a:rPr lang="en-US" sz="3600" b="0" i="0" u="none" strike="noStrike" cap="none" baseline="0" dirty="0">
+                <a:solidFill>
+                  <a:schemeClr val="lt1"/>
+                </a:solidFill>
+                <a:latin typeface="Arial" charset="0"/>
+                <a:ea typeface="Arial" charset="0"/>
+                <a:cs typeface="Arial" charset="0"/>
+                <a:sym typeface="Cabin"/>
+              </a:rPr>
+              <a:t> par </a:t>
+            </a:r>
+            <a:r>
+              <a:rPr lang="en-US" sz="3600" b="0" i="0" u="none" strike="noStrike" cap="none" baseline="0" dirty="0" err="1">
+                <a:solidFill>
+                  <a:schemeClr val="lt1"/>
+                </a:solidFill>
+                <a:latin typeface="Arial" charset="0"/>
+                <a:ea typeface="Arial" charset="0"/>
+                <a:cs typeface="Arial" charset="0"/>
+                <a:sym typeface="Cabin"/>
+              </a:rPr>
+              <a:t>klucz-wartość</a:t>
+            </a:r>
+            <a:r>
+              <a:rPr lang="en-US" sz="3600" b="0" i="0" u="none" strike="noStrike" cap="none" baseline="0" dirty="0">
+                <a:solidFill>
+                  <a:schemeClr val="lt1"/>
+                </a:solidFill>
+                <a:latin typeface="Arial" charset="0"/>
+                <a:ea typeface="Arial" charset="0"/>
+                <a:cs typeface="Arial" charset="0"/>
+                <a:sym typeface="Cabin"/>
+              </a:rPr>
+              <a:t>. M</a:t>
             </a:r>
             <a:r>
               <a:rPr lang="pl" sz="3600" b="0" i="0" u="none" strike="noStrike" cap="none" baseline="0" dirty="0">
@@ -16964,7 +17596,7 @@
                 <a:cs typeface="Arial" charset="0"/>
                 <a:sym typeface="Cabin"/>
               </a:rPr>
-              <a:t> nie są uporządkowane, możemy napisać pętlę </a:t>
+              <a:t>ożemy napisać pętlę </a:t>
             </a:r>
             <a:r>
               <a:rPr lang="pl" sz="3600" b="0" i="0" u="none" strike="noStrike" cap="none" baseline="0" dirty="0">
@@ -17157,7 +17789,7 @@
         </p:nvSpPr>
         <p:spPr>
           <a:xfrm>
-            <a:off x="2914649" y="5043484"/>
+            <a:off x="2914649" y="5333441"/>
             <a:ext cx="10929939" cy="3014662"/>
           </a:xfrm>
           <a:prstGeom prst="rect">
@@ -17192,7 +17824,7 @@
               <a:buNone/>
             </a:pPr>
             <a:r>
-              <a:rPr lang="pl" sz="2400" b="0" i="0" u="none" strike="noStrike" cap="none" baseline="0">
+              <a:rPr lang="pl" sz="2400" b="0" i="0" u="none" strike="noStrike" cap="none" baseline="0" dirty="0">
                 <a:solidFill>
                   <a:schemeClr val="lt1"/>
                 </a:solidFill>
@@ -17204,7 +17836,7 @@
               <a:t>&gt;&gt;&gt; </a:t>
             </a:r>
             <a:r>
-              <a:rPr lang="pl" sz="2400" b="0" i="0" u="none" strike="noStrike" cap="none" baseline="0">
+              <a:rPr lang="pl" sz="2400" b="0" i="0" u="none" strike="noStrike" cap="none" baseline="0" dirty="0">
                 <a:solidFill>
                   <a:srgbClr val="00FF00"/>
                 </a:solidFill>
@@ -17216,7 +17848,7 @@
               <a:t>counts</a:t>
             </a:r>
             <a:r>
-              <a:rPr lang="pl" sz="2400" b="0" i="0" u="none" strike="noStrike" cap="none" baseline="0">
+              <a:rPr lang="pl" sz="2400" b="0" i="0" u="none" strike="noStrike" cap="none" baseline="0" dirty="0">
                 <a:solidFill>
                   <a:schemeClr val="lt1"/>
                 </a:solidFill>
@@ -17228,7 +17860,7 @@
               <a:t> = { </a:t>
             </a:r>
             <a:r>
-              <a:rPr lang="pl" sz="2400" b="0" i="0" u="none" strike="noStrike" cap="none" baseline="0">
+              <a:rPr lang="pl" sz="2400" b="0" i="0" u="none" strike="noStrike" cap="none" baseline="0" dirty="0">
                 <a:solidFill>
                   <a:srgbClr val="00FFFF"/>
                 </a:solidFill>
@@ -17240,7 +17872,7 @@
               <a:t>'chuck'</a:t>
             </a:r>
             <a:r>
-              <a:rPr lang="pl" sz="2400" b="0" i="0" u="none" strike="noStrike" cap="none" baseline="0">
+              <a:rPr lang="pl" sz="2400" b="0" i="0" u="none" strike="noStrike" cap="none" baseline="0" dirty="0">
                 <a:solidFill>
                   <a:schemeClr val="lt1"/>
                 </a:solidFill>
@@ -17252,7 +17884,7 @@
               <a:t> : 1 , </a:t>
             </a:r>
             <a:r>
-              <a:rPr lang="pl" sz="2400" b="0" i="0" u="none" strike="noStrike" cap="none" baseline="0">
+              <a:rPr lang="pl" sz="2400" b="0" i="0" u="none" strike="noStrike" cap="none" baseline="0" dirty="0">
                 <a:solidFill>
                   <a:srgbClr val="00FFFF"/>
                 </a:solidFill>
@@ -17264,7 +17896,7 @@
               <a:t>'fred'</a:t>
             </a:r>
             <a:r>
-              <a:rPr lang="pl" sz="2400" b="0" i="0" u="none" strike="noStrike" cap="none" baseline="0">
+              <a:rPr lang="pl" sz="2400" b="0" i="0" u="none" strike="noStrike" cap="none" baseline="0" dirty="0">
                 <a:solidFill>
                   <a:schemeClr val="lt1"/>
                 </a:solidFill>
@@ -17276,7 +17908,7 @@
               <a:t> : 42, </a:t>
             </a:r>
             <a:r>
-              <a:rPr lang="pl" sz="2400" b="0" i="0" u="none" strike="noStrike" cap="none" baseline="0">
+              <a:rPr lang="pl" sz="2400" b="0" i="0" u="none" strike="noStrike" cap="none" baseline="0" dirty="0">
                 <a:solidFill>
                   <a:srgbClr val="00FFFF"/>
                 </a:solidFill>
@@ -17288,7 +17920,7 @@
               <a:t>'jan'</a:t>
             </a:r>
             <a:r>
-              <a:rPr lang="pl" sz="2400" b="0" i="0" u="none" strike="noStrike" cap="none" baseline="0">
+              <a:rPr lang="pl" sz="2400" b="0" i="0" u="none" strike="noStrike" cap="none" baseline="0" dirty="0">
                 <a:solidFill>
                   <a:schemeClr val="lt1"/>
                 </a:solidFill>
@@ -17319,7 +17951,7 @@
               <a:buNone/>
             </a:pPr>
             <a:r>
-              <a:rPr lang="pl" sz="2400" b="0" i="0" u="none" strike="noStrike" cap="none" baseline="0">
+              <a:rPr lang="pl" sz="2400" b="0" i="0" u="none" strike="noStrike" cap="none" baseline="0" dirty="0">
                 <a:solidFill>
                   <a:schemeClr val="lt1"/>
                 </a:solidFill>
@@ -17331,7 +17963,7 @@
               <a:t>&gt;&gt;&gt; </a:t>
             </a:r>
             <a:r>
-              <a:rPr lang="pl" sz="2400" b="0" i="0" u="none" strike="noStrike" cap="none" baseline="0">
+              <a:rPr lang="pl" sz="2400" b="0" i="0" u="none" strike="noStrike" cap="none" baseline="0" dirty="0">
                 <a:solidFill>
                   <a:srgbClr val="FFFF00"/>
                 </a:solidFill>
@@ -17343,7 +17975,7 @@
               <a:t>for</a:t>
             </a:r>
             <a:r>
-              <a:rPr lang="pl" sz="2400" b="0" i="0" u="none" strike="noStrike" cap="none" baseline="0">
+              <a:rPr lang="pl" sz="2400" b="0" i="0" u="none" strike="noStrike" cap="none" baseline="0" dirty="0">
                 <a:solidFill>
                   <a:schemeClr val="lt1"/>
                 </a:solidFill>
@@ -17355,7 +17987,7 @@
               <a:t> </a:t>
             </a:r>
             <a:r>
-              <a:rPr lang="pl" sz="2400" b="0" i="0" u="none" strike="noStrike" cap="none" baseline="0">
+              <a:rPr lang="pl" sz="2400" b="0" i="0" u="none" strike="noStrike" cap="none" baseline="0" dirty="0">
                 <a:solidFill>
                   <a:srgbClr val="00FFFF"/>
                 </a:solidFill>
@@ -17367,7 +17999,7 @@
               <a:t>key</a:t>
             </a:r>
             <a:r>
-              <a:rPr lang="pl" sz="2400" b="0" i="0" u="none" strike="noStrike" cap="none" baseline="0">
+              <a:rPr lang="pl" sz="2400" b="0" i="0" u="none" strike="noStrike" cap="none" baseline="0" dirty="0">
                 <a:solidFill>
                   <a:schemeClr val="lt1"/>
                 </a:solidFill>
@@ -17379,7 +18011,7 @@
               <a:t> </a:t>
             </a:r>
             <a:r>
-              <a:rPr lang="pl" sz="2400" b="0" i="0" u="none" strike="noStrike" cap="none" baseline="0">
+              <a:rPr lang="pl" sz="2400" b="0" i="0" u="none" strike="noStrike" cap="none" baseline="0" dirty="0">
                 <a:solidFill>
                   <a:srgbClr val="FFFF00"/>
                 </a:solidFill>
@@ -17391,7 +18023,7 @@
               <a:t>in</a:t>
             </a:r>
             <a:r>
-              <a:rPr lang="pl" sz="2400" b="0" i="0" u="none" strike="noStrike" cap="none" baseline="0">
+              <a:rPr lang="pl" sz="2400" b="0" i="0" u="none" strike="noStrike" cap="none" baseline="0" dirty="0">
                 <a:solidFill>
                   <a:schemeClr val="lt1"/>
                 </a:solidFill>
@@ -17403,7 +18035,7 @@
               <a:t> </a:t>
             </a:r>
             <a:r>
-              <a:rPr lang="pl" sz="2400" b="0" i="0" u="none" strike="noStrike" cap="none" baseline="0">
+              <a:rPr lang="pl" sz="2400" b="0" i="0" u="none" strike="noStrike" cap="none" baseline="0" dirty="0">
                 <a:solidFill>
                   <a:srgbClr val="00FF00"/>
                 </a:solidFill>
@@ -17415,7 +18047,7 @@
               <a:t>counts</a:t>
             </a:r>
             <a:r>
-              <a:rPr lang="pl" sz="2400" b="0" i="0" u="none" strike="noStrike" cap="none" baseline="0">
+              <a:rPr lang="pl" sz="2400" b="0" i="0" u="none" strike="noStrike" cap="none" baseline="0" dirty="0">
                 <a:solidFill>
                   <a:schemeClr val="lt1"/>
                 </a:solidFill>
@@ -17446,7 +18078,7 @@
               <a:buNone/>
             </a:pPr>
             <a:r>
-              <a:rPr lang="pl" sz="2400" b="0" i="0" u="none" strike="noStrike" cap="none" baseline="0">
+              <a:rPr lang="pl" sz="2400" b="0" i="0" u="none" strike="noStrike" cap="none" baseline="0" dirty="0">
                 <a:solidFill>
                   <a:schemeClr val="lt1"/>
                 </a:solidFill>
@@ -17458,7 +18090,7 @@
               <a:t>...     </a:t>
             </a:r>
             <a:r>
-              <a:rPr lang="pl" sz="2400" b="0" i="0" u="none" strike="noStrike" cap="none" baseline="0">
+              <a:rPr lang="pl" sz="2400" b="0" i="0" u="none" strike="noStrike" cap="none" baseline="0" dirty="0">
                 <a:solidFill>
                   <a:srgbClr val="FFFF00"/>
                 </a:solidFill>
@@ -17470,7 +18102,7 @@
               <a:t>print(</a:t>
             </a:r>
             <a:r>
-              <a:rPr lang="pl" sz="2400" b="0" i="0" u="none" strike="noStrike" cap="none" baseline="0">
+              <a:rPr lang="pl" sz="2400" b="0" i="0" u="none" strike="noStrike" cap="none" baseline="0" dirty="0">
                 <a:solidFill>
                   <a:srgbClr val="00FFFF"/>
                 </a:solidFill>
@@ -17482,7 +18114,7 @@
               <a:t>key</a:t>
             </a:r>
             <a:r>
-              <a:rPr lang="pl" sz="2400" b="0" i="0" u="none" strike="noStrike" cap="none" baseline="0">
+              <a:rPr lang="pl" sz="2400" b="0" i="0" u="none" strike="noStrike" cap="none" baseline="0" dirty="0">
                 <a:solidFill>
                   <a:schemeClr val="lt1"/>
                 </a:solidFill>
@@ -17494,7 +18126,7 @@
               <a:t>, </a:t>
             </a:r>
             <a:r>
-              <a:rPr lang="pl" sz="2400" b="0" i="0" u="none" strike="noStrike" cap="none" baseline="0">
+              <a:rPr lang="pl" sz="2400" b="0" i="0" u="none" strike="noStrike" cap="none" baseline="0" dirty="0">
                 <a:solidFill>
                   <a:srgbClr val="00FF00"/>
                 </a:solidFill>
@@ -17506,7 +18138,7 @@
               <a:t>counts</a:t>
             </a:r>
             <a:r>
-              <a:rPr lang="pl" sz="2400" b="0" i="0" u="none" strike="noStrike" cap="none" baseline="0">
+              <a:rPr lang="pl" sz="2400" b="0" i="0" u="none" strike="noStrike" cap="none" baseline="0" dirty="0">
                 <a:solidFill>
                   <a:srgbClr val="00FFFF"/>
                 </a:solidFill>
@@ -17518,7 +18150,7 @@
               <a:t>[key]</a:t>
             </a:r>
             <a:r>
-              <a:rPr lang="pl" sz="2400" b="0" i="0" u="none" strike="noStrike" cap="none" baseline="0">
+              <a:rPr lang="pl" sz="2400" b="0" i="0" u="none" strike="noStrike" cap="none" baseline="0" dirty="0">
                 <a:solidFill>
                   <a:srgbClr val="FFFF00"/>
                 </a:solidFill>
@@ -17558,7 +18190,7 @@
               <a:buNone/>
             </a:pPr>
             <a:r>
-              <a:rPr lang="pl" sz="2400" b="0" i="0" u="none" strike="noStrike" cap="none" baseline="0">
+              <a:rPr lang="pl" sz="2400" b="0" i="0" u="none" strike="noStrike" cap="none" baseline="0" dirty="0">
                 <a:solidFill>
                   <a:schemeClr val="lt1"/>
                 </a:solidFill>
@@ -17589,7 +18221,7 @@
               <a:buNone/>
             </a:pPr>
             <a:r>
-              <a:rPr lang="pl" sz="2400" b="0" i="0" u="none" strike="noStrike" cap="none" baseline="0">
+              <a:rPr lang="pl" sz="2400" b="0" i="0" u="none" strike="noStrike" cap="none" baseline="0" dirty="0">
                 <a:solidFill>
                   <a:srgbClr val="00FFFF"/>
                 </a:solidFill>
@@ -17598,10 +18230,10 @@
                 <a:cs typeface="Courier"/>
                 <a:sym typeface="Courier New"/>
               </a:rPr>
-              <a:t>jan</a:t>
-            </a:r>
-            <a:r>
-              <a:rPr lang="pl" sz="2400" b="0" i="0" u="none" strike="noStrike" cap="none" baseline="0">
+              <a:t>chuck</a:t>
+            </a:r>
+            <a:r>
+              <a:rPr lang="pl" sz="2400" b="0" i="0" u="none" strike="noStrike" cap="none" baseline="0" dirty="0">
                 <a:solidFill>
                   <a:schemeClr val="lt1"/>
                 </a:solidFill>
@@ -17613,7 +18245,7 @@
               <a:t> </a:t>
             </a:r>
             <a:r>
-              <a:rPr lang="pl" sz="2400" b="0" i="0" u="none" strike="noStrike" cap="none" baseline="0">
+              <a:rPr lang="pl" sz="2400" b="0" i="0" u="none" strike="noStrike" cap="none" baseline="0" dirty="0">
                 <a:solidFill>
                   <a:srgbClr val="00FF00"/>
                 </a:solidFill>
@@ -17622,7 +18254,7 @@
                 <a:cs typeface="Courier"/>
                 <a:sym typeface="Courier New"/>
               </a:rPr>
-              <a:t>100</a:t>
+              <a:t>1</a:t>
             </a:r>
           </a:p>
           <a:p>
@@ -17644,7 +18276,7 @@
               <a:buNone/>
             </a:pPr>
             <a:r>
-              <a:rPr lang="pl" sz="2400" b="0" i="0" u="none" strike="noStrike" cap="none" baseline="0">
+              <a:rPr lang="pl" sz="2400" b="0" i="0" u="none" strike="noStrike" cap="none" baseline="0" dirty="0">
                 <a:solidFill>
                   <a:srgbClr val="00FFFF"/>
                 </a:solidFill>
@@ -17653,10 +18285,10 @@
                 <a:cs typeface="Courier"/>
                 <a:sym typeface="Courier New"/>
               </a:rPr>
-              <a:t>chuck</a:t>
-            </a:r>
-            <a:r>
-              <a:rPr lang="pl" sz="2400" b="0" i="0" u="none" strike="noStrike" cap="none" baseline="0">
+              <a:t>fred</a:t>
+            </a:r>
+            <a:r>
+              <a:rPr lang="pl" sz="2400" b="0" i="0" u="none" strike="noStrike" cap="none" baseline="0" dirty="0">
                 <a:solidFill>
                   <a:schemeClr val="lt1"/>
                 </a:solidFill>
@@ -17668,7 +18300,7 @@
               <a:t> </a:t>
             </a:r>
             <a:r>
-              <a:rPr lang="pl" sz="2400" b="0" i="0" u="none" strike="noStrike" cap="none" baseline="0">
+              <a:rPr lang="pl" sz="2400" b="0" i="0" u="none" strike="noStrike" cap="none" baseline="0" dirty="0">
                 <a:solidFill>
                   <a:srgbClr val="00FF00"/>
                 </a:solidFill>
@@ -17677,7 +18309,60 @@
                 <a:cs typeface="Courier"/>
                 <a:sym typeface="Courier New"/>
               </a:rPr>
-              <a:t>1</a:t>
+              <a:t>42</a:t>
+            </a:r>
+            <a:endParaRPr lang="en-US" sz="2400" b="0" i="0" u="none" strike="noStrike" cap="none" baseline="0" dirty="0">
+              <a:solidFill>
+                <a:srgbClr val="00FF00"/>
+              </a:solidFill>
+              <a:latin typeface="Courier"/>
+              <a:ea typeface="Courier"/>
+              <a:cs typeface="Courier"/>
+              <a:sym typeface="Courier New"/>
+            </a:endParaRPr>
+          </a:p>
+          <a:p>
+            <a:pPr>
+              <a:buClr>
+                <a:srgbClr val="00FFFF"/>
+              </a:buClr>
+              <a:buSzPct val="25000"/>
+            </a:pPr>
+            <a:r>
+              <a:rPr lang="pl" sz="2400" b="0" i="0" u="none" strike="noStrike" cap="none" baseline="0" dirty="0">
+                <a:solidFill>
+                  <a:srgbClr val="00FFFF"/>
+                </a:solidFill>
+                <a:latin typeface="Courier"/>
+                <a:ea typeface="Courier"/>
+                <a:cs typeface="Courier"/>
+                <a:sym typeface="Courier New"/>
+              </a:rPr>
+              <a:t>jan</a:t>
+            </a:r>
+            <a:r>
+              <a:rPr lang="pl" sz="2400" b="0" i="0" u="none" strike="noStrike" cap="none" baseline="0" dirty="0">
+                <a:solidFill>
+                  <a:schemeClr val="lt1"/>
+                </a:solidFill>
+                <a:latin typeface="Courier"/>
+                <a:ea typeface="Courier"/>
+                <a:cs typeface="Courier"/>
+                <a:sym typeface="Courier New"/>
+              </a:rPr>
+              <a:t> </a:t>
+            </a:r>
+            <a:r>
+              <a:rPr lang="pl" sz="2400" b="0" i="0" u="none" strike="noStrike" cap="none" baseline="0" dirty="0">
+                <a:solidFill>
+                  <a:srgbClr val="00FF00"/>
+                </a:solidFill>
+                <a:latin typeface="Courier"/>
+                <a:ea typeface="Courier"/>
+                <a:cs typeface="Courier"/>
+                <a:sym typeface="Courier New"/>
+              </a:rPr>
+              <a:t>100</a:t>
             </a:r>
           </a:p>
           <a:p>
@@ -17692,69 +18377,14 @@
                 <a:spcPts val="0"/>
               </a:spcAft>
               <a:buClr>
-                <a:srgbClr val="00FFFF"/>
+                <a:schemeClr val="lt1"/>
               </a:buClr>
               <a:buSzPct val="25000"/>
               <a:buFont typeface="Courier New"/>
               <a:buNone/>
             </a:pPr>
             <a:r>
-              <a:rPr lang="pl" sz="2400" b="0" i="0" u="none" strike="noStrike" cap="none" baseline="0">
-                <a:solidFill>
-                  <a:srgbClr val="00FFFF"/>
-                </a:solidFill>
-                <a:latin typeface="Courier"/>
-                <a:ea typeface="Courier"/>
-                <a:cs typeface="Courier"/>
-                <a:sym typeface="Courier New"/>
-              </a:rPr>
-              <a:t>fred</a:t>
-            </a:r>
-            <a:r>
-              <a:rPr lang="pl" sz="2400" b="0" i="0" u="none" strike="noStrike" cap="none" baseline="0">
-                <a:solidFill>
-                  <a:schemeClr val="lt1"/>
-                </a:solidFill>
-                <a:latin typeface="Courier"/>
-                <a:ea typeface="Courier"/>
-                <a:cs typeface="Courier"/>
-                <a:sym typeface="Courier New"/>
-              </a:rPr>
-              <a:t> </a:t>
-            </a:r>
-            <a:r>
-              <a:rPr lang="pl" sz="2400" b="0" i="0" u="none" strike="noStrike" cap="none" baseline="0">
-                <a:solidFill>
-                  <a:srgbClr val="00FF00"/>
-                </a:solidFill>
-                <a:latin typeface="Courier"/>
-                <a:ea typeface="Courier"/>
-                <a:cs typeface="Courier"/>
-                <a:sym typeface="Courier New"/>
-              </a:rPr>
-              <a:t>42</a:t>
-            </a:r>
-          </a:p>
-          <a:p>
-            <a:pPr marL="0" marR="0" lvl="0" indent="0" algn="l" rtl="0">
-              <a:lnSpc>
-                <a:spcPct val="100000"/>
-              </a:lnSpc>
-              <a:spcBef>
-                <a:spcPts val="0"/>
-              </a:spcBef>
-              <a:spcAft>
-                <a:spcPts val="0"/>
-              </a:spcAft>
-              <a:buClr>
-                <a:schemeClr val="lt1"/>
-              </a:buClr>
-              <a:buSzPct val="25000"/>
-              <a:buFont typeface="Courier New"/>
-              <a:buNone/>
-            </a:pPr>
-            <a:r>
-              <a:rPr lang="pl" sz="2400" b="0" i="0" u="none" strike="noStrike" cap="none" baseline="0">
+              <a:rPr lang="pl" sz="2400" b="0" i="0" u="none" strike="noStrike" cap="none" baseline="0" dirty="0">
                 <a:solidFill>
                   <a:schemeClr val="lt1"/>
                 </a:solidFill>
@@ -18022,7 +18652,7 @@
               <a:buNone/>
             </a:pPr>
             <a:r>
-              <a:rPr lang="pl" sz="2500" b="0" i="0" u="none" strike="noStrike" cap="none" baseline="0">
+              <a:rPr lang="pl" sz="2500" b="0" i="0" u="none" strike="noStrike" cap="none" baseline="0" dirty="0">
                 <a:solidFill>
                   <a:schemeClr val="lt1"/>
                 </a:solidFill>
@@ -18042,7 +18672,7 @@
               <a:buSzPct val="25000"/>
             </a:pPr>
             <a:r>
-              <a:rPr lang="pl" sz="2500" b="0" i="0" u="none" strike="noStrike" cap="none" baseline="0">
+              <a:rPr lang="pl" sz="2500" b="0" i="0" u="none" strike="noStrike" cap="none" baseline="0" dirty="0">
                 <a:solidFill>
                   <a:schemeClr val="lt1"/>
                 </a:solidFill>
@@ -18054,7 +18684,7 @@
               <a:t>&gt;&gt;&gt; </a:t>
             </a:r>
             <a:r>
-              <a:rPr lang="pl" sz="2500" b="0" i="0" u="none" strike="noStrike" cap="none" baseline="0">
+              <a:rPr lang="pl" sz="2500" b="0" i="0" u="none" strike="noStrike" cap="none" baseline="0" dirty="0">
                 <a:solidFill>
                   <a:srgbClr val="FFFF00"/>
                 </a:solidFill>
@@ -18066,7 +18696,7 @@
               <a:t>print(</a:t>
             </a:r>
             <a:r>
-              <a:rPr lang="pl" sz="2500" b="0" i="0" u="none" strike="noStrike" cap="none" baseline="0">
+              <a:rPr lang="pl" sz="2500" b="0" i="0" u="none" strike="noStrike" cap="none" baseline="0" dirty="0">
                 <a:solidFill>
                   <a:srgbClr val="FF00FF"/>
                 </a:solidFill>
@@ -18078,7 +18708,7 @@
               <a:t>list</a:t>
             </a:r>
             <a:r>
-              <a:rPr lang="pl" sz="2500" b="0" i="0" u="none" strike="noStrike" cap="none" baseline="0">
+              <a:rPr lang="pl" sz="2500" b="0" i="0" u="none" strike="noStrike" cap="none" baseline="0" dirty="0">
                 <a:solidFill>
                   <a:schemeClr val="lt1"/>
                 </a:solidFill>
@@ -18090,7 +18720,7 @@
               <a:t>(jjj</a:t>
             </a:r>
             <a:r>
-              <a:rPr lang="pl" sz="2500" b="0" i="0" u="none" baseline="0">
+              <a:rPr lang="pl" sz="2500" b="0" i="0" u="none" baseline="0" dirty="0">
                 <a:solidFill>
                   <a:schemeClr val="lt1"/>
                 </a:solidFill>
@@ -18102,7 +18732,7 @@
               <a:t>)</a:t>
             </a:r>
             <a:r>
-              <a:rPr lang="pl" sz="2500" b="0" i="0" u="none" baseline="0">
+              <a:rPr lang="pl" sz="2500" b="0" i="0" u="none" baseline="0" dirty="0">
                 <a:solidFill>
                   <a:srgbClr val="FFFF00"/>
                 </a:solidFill>
@@ -18142,7 +18772,7 @@
               <a:buNone/>
             </a:pPr>
             <a:r>
-              <a:rPr lang="pl" sz="2500" b="0" i="0" u="none" strike="noStrike" cap="none" baseline="0">
+              <a:rPr lang="pl" sz="2500" b="0" i="0" u="none" strike="noStrike" cap="none" baseline="0" dirty="0">
                 <a:solidFill>
                   <a:srgbClr val="00FF00"/>
                 </a:solidFill>
@@ -18151,7 +18781,31 @@
                 <a:cs typeface="Courier"/>
                 <a:sym typeface="Courier New"/>
               </a:rPr>
-              <a:t>['jan', 'chuck', 'fred']</a:t>
+              <a:t>['chuck', 'fred’</a:t>
+            </a:r>
+            <a:r>
+              <a:rPr lang="en-US" sz="2500" b="0" i="0" u="none" strike="noStrike" cap="none" baseline="0" dirty="0">
+                <a:solidFill>
+                  <a:srgbClr val="00FF00"/>
+                </a:solidFill>
+                <a:latin typeface="Courier"/>
+                <a:ea typeface="Courier"/>
+                <a:cs typeface="Courier"/>
+                <a:sym typeface="Courier New"/>
+              </a:rPr>
+              <a:t>, </a:t>
+            </a:r>
+            <a:r>
+              <a:rPr lang="pl" sz="2500" b="0" i="0" u="none" strike="noStrike" cap="none" baseline="0" dirty="0">
+                <a:solidFill>
+                  <a:srgbClr val="00FF00"/>
+                </a:solidFill>
+                <a:latin typeface="Courier"/>
+                <a:ea typeface="Courier"/>
+                <a:cs typeface="Courier"/>
+                <a:sym typeface="Courier New"/>
+              </a:rPr>
+              <a:t>'jan']</a:t>
             </a:r>
           </a:p>
           <a:p>
@@ -18162,7 +18816,7 @@
               <a:buSzPct val="25000"/>
             </a:pPr>
             <a:r>
-              <a:rPr lang="pl" sz="2500" b="0" i="0" u="none" strike="noStrike" cap="none" baseline="0">
+              <a:rPr lang="pl" sz="2500" b="0" i="0" u="none" strike="noStrike" cap="none" baseline="0" dirty="0">
                 <a:solidFill>
                   <a:schemeClr val="lt1"/>
                 </a:solidFill>
@@ -18174,7 +18828,7 @@
               <a:t>&gt;&gt;&gt; </a:t>
             </a:r>
             <a:r>
-              <a:rPr lang="pl" sz="2500" b="0" i="0" u="none" strike="noStrike" cap="none" baseline="0">
+              <a:rPr lang="pl" sz="2500" b="0" i="0" u="none" strike="noStrike" cap="none" baseline="0" dirty="0">
                 <a:solidFill>
                   <a:srgbClr val="FFFF00"/>
                 </a:solidFill>
@@ -18186,7 +18840,7 @@
               <a:t>print(</a:t>
             </a:r>
             <a:r>
-              <a:rPr lang="pl" sz="2500" b="0" i="0" u="none" strike="noStrike" cap="none" baseline="0">
+              <a:rPr lang="pl" sz="2500" b="0" i="0" u="none" strike="noStrike" cap="none" baseline="0" dirty="0">
                 <a:solidFill>
                   <a:schemeClr val="lt1"/>
                 </a:solidFill>
@@ -18198,7 +18852,7 @@
               <a:t>jjj.</a:t>
             </a:r>
             <a:r>
-              <a:rPr lang="pl" sz="2500" b="0" i="0" u="none" strike="noStrike" cap="none" baseline="0">
+              <a:rPr lang="pl" sz="2500" b="0" i="0" u="none" strike="noStrike" cap="none" baseline="0" dirty="0">
                 <a:solidFill>
                   <a:srgbClr val="FF00FF"/>
                 </a:solidFill>
@@ -18210,7 +18864,7 @@
               <a:t>keys()</a:t>
             </a:r>
             <a:r>
-              <a:rPr lang="pl" sz="2500" b="0" i="0" u="none" baseline="0">
+              <a:rPr lang="pl" sz="2500" b="0" i="0" u="none" baseline="0" dirty="0">
                 <a:solidFill>
                   <a:srgbClr val="FFFF00"/>
                 </a:solidFill>
@@ -18250,7 +18904,7 @@
               <a:buNone/>
             </a:pPr>
             <a:r>
-              <a:rPr lang="pl" sz="2500" b="0" i="0" u="none" strike="noStrike" cap="none" baseline="0">
+              <a:rPr lang="pl" sz="2500" b="0" i="0" u="none" strike="noStrike" cap="none" baseline="0" dirty="0">
                 <a:solidFill>
                   <a:srgbClr val="00FF00"/>
                 </a:solidFill>
@@ -18259,7 +18913,31 @@
                 <a:cs typeface="Courier"/>
                 <a:sym typeface="Courier New"/>
               </a:rPr>
-              <a:t>['jan', 'chuck', 'fred']</a:t>
+              <a:t>['chuck', 'fred’</a:t>
+            </a:r>
+            <a:r>
+              <a:rPr lang="en-US" sz="2500" b="0" i="0" u="none" strike="noStrike" cap="none" baseline="0" dirty="0">
+                <a:solidFill>
+                  <a:srgbClr val="00FF00"/>
+                </a:solidFill>
+                <a:latin typeface="Courier"/>
+                <a:ea typeface="Courier"/>
+                <a:cs typeface="Courier"/>
+                <a:sym typeface="Courier New"/>
+              </a:rPr>
+              <a:t>, </a:t>
+            </a:r>
+            <a:r>
+              <a:rPr lang="pl" sz="2500" b="0" i="0" u="none" strike="noStrike" cap="none" baseline="0" dirty="0">
+                <a:solidFill>
+                  <a:srgbClr val="00FF00"/>
+                </a:solidFill>
+                <a:latin typeface="Courier"/>
+                <a:ea typeface="Courier"/>
+                <a:cs typeface="Courier"/>
+                <a:sym typeface="Courier New"/>
+              </a:rPr>
+              <a:t>'jan']</a:t>
             </a:r>
           </a:p>
           <a:p>
@@ -18270,7 +18948,7 @@
               <a:buSzPct val="25000"/>
             </a:pPr>
             <a:r>
-              <a:rPr lang="pl" sz="2500" b="0" i="0" u="none" strike="noStrike" cap="none" baseline="0">
+              <a:rPr lang="pl" sz="2500" b="0" i="0" u="none" strike="noStrike" cap="none" baseline="0" dirty="0">
                 <a:solidFill>
                   <a:schemeClr val="lt1"/>
                 </a:solidFill>
@@ -18282,7 +18960,7 @@
               <a:t>&gt;&gt;&gt; </a:t>
             </a:r>
             <a:r>
-              <a:rPr lang="pl" sz="2500" b="0" i="0" u="none" strike="noStrike" cap="none" baseline="0">
+              <a:rPr lang="pl" sz="2500" b="0" i="0" u="none" strike="noStrike" cap="none" baseline="0" dirty="0">
                 <a:solidFill>
                   <a:srgbClr val="FFFF00"/>
                 </a:solidFill>
@@ -18294,7 +18972,7 @@
               <a:t>print(</a:t>
             </a:r>
             <a:r>
-              <a:rPr lang="pl" sz="2500" b="0" i="0" u="none" strike="noStrike" cap="none" baseline="0">
+              <a:rPr lang="pl" sz="2500" b="0" i="0" u="none" strike="noStrike" cap="none" baseline="0" dirty="0">
                 <a:solidFill>
                   <a:schemeClr val="lt1"/>
                 </a:solidFill>
@@ -18306,7 +18984,7 @@
               <a:t>jjj.</a:t>
             </a:r>
             <a:r>
-              <a:rPr lang="pl" sz="2500" b="0" i="0" u="none" strike="noStrike" cap="none" baseline="0">
+              <a:rPr lang="pl" sz="2500" b="0" i="0" u="none" strike="noStrike" cap="none" baseline="0" dirty="0">
                 <a:solidFill>
                   <a:srgbClr val="FF00FF"/>
                 </a:solidFill>
@@ -18318,7 +18996,7 @@
               <a:t>values()</a:t>
             </a:r>
             <a:r>
-              <a:rPr lang="pl" sz="2500" b="0" i="0" u="none" baseline="0">
+              <a:rPr lang="pl" sz="2500" b="0" i="0" u="none" baseline="0" dirty="0">
                 <a:solidFill>
                   <a:srgbClr val="FFFF00"/>
                 </a:solidFill>
@@ -18358,7 +19036,7 @@
               <a:buNone/>
             </a:pPr>
             <a:r>
-              <a:rPr lang="pl" sz="2500" b="0" i="0" u="none" strike="noStrike" cap="none" baseline="0">
+              <a:rPr lang="pl" sz="2500" b="0" i="0" u="none" strike="noStrike" cap="none" baseline="0" dirty="0">
                 <a:solidFill>
                   <a:srgbClr val="FF00FF"/>
                 </a:solidFill>
@@ -18367,7 +19045,31 @@
                 <a:cs typeface="Courier"/>
                 <a:sym typeface="Courier New"/>
               </a:rPr>
-              <a:t>[100, 1, 42]</a:t>
+              <a:t>[1, 42</a:t>
+            </a:r>
+            <a:r>
+              <a:rPr lang="en-US" sz="2500" b="0" i="0" u="none" strike="noStrike" cap="none" baseline="0" dirty="0">
+                <a:solidFill>
+                  <a:srgbClr val="FF00FF"/>
+                </a:solidFill>
+                <a:latin typeface="Courier"/>
+                <a:ea typeface="Courier"/>
+                <a:cs typeface="Courier"/>
+                <a:sym typeface="Courier New"/>
+              </a:rPr>
+              <a:t>, 100</a:t>
+            </a:r>
+            <a:r>
+              <a:rPr lang="pl" sz="2500" b="0" i="0" u="none" strike="noStrike" cap="none" baseline="0" dirty="0">
+                <a:solidFill>
+                  <a:srgbClr val="FF00FF"/>
+                </a:solidFill>
+                <a:latin typeface="Courier"/>
+                <a:ea typeface="Courier"/>
+                <a:cs typeface="Courier"/>
+                <a:sym typeface="Courier New"/>
+              </a:rPr>
+              <a:t>]</a:t>
             </a:r>
           </a:p>
           <a:p>
@@ -18378,7 +19080,7 @@
               <a:buSzPct val="25000"/>
             </a:pPr>
             <a:r>
-              <a:rPr lang="pl" sz="2500" b="0" i="0" u="none" strike="noStrike" cap="none" baseline="0">
+              <a:rPr lang="pl" sz="2500" b="0" i="0" u="none" strike="noStrike" cap="none" baseline="0" dirty="0">
                 <a:solidFill>
                   <a:schemeClr val="lt1"/>
                 </a:solidFill>
@@ -18390,7 +19092,7 @@
               <a:t>&gt;&gt;&gt; </a:t>
             </a:r>
             <a:r>
-              <a:rPr lang="pl" sz="2500" b="0" i="0" u="none" strike="noStrike" cap="none" baseline="0">
+              <a:rPr lang="pl" sz="2500" b="0" i="0" u="none" strike="noStrike" cap="none" baseline="0" dirty="0">
                 <a:solidFill>
                   <a:srgbClr val="FFFF00"/>
                 </a:solidFill>
@@ -18402,7 +19104,7 @@
               <a:t>print(</a:t>
             </a:r>
             <a:r>
-              <a:rPr lang="pl" sz="2500" b="0" i="0" u="none" strike="noStrike" cap="none" baseline="0">
+              <a:rPr lang="pl" sz="2500" b="0" i="0" u="none" strike="noStrike" cap="none" baseline="0" dirty="0">
                 <a:solidFill>
                   <a:schemeClr val="lt1"/>
                 </a:solidFill>
@@ -18414,7 +19116,7 @@
               <a:t>jjj.</a:t>
             </a:r>
             <a:r>
-              <a:rPr lang="pl" sz="2500" b="0" i="0" u="none" strike="noStrike" cap="none" baseline="0">
+              <a:rPr lang="pl" sz="2500" b="0" i="0" u="none" strike="noStrike" cap="none" baseline="0" dirty="0">
                 <a:solidFill>
                   <a:srgbClr val="FF7F00"/>
                 </a:solidFill>
@@ -18426,7 +19128,7 @@
               <a:t>items()</a:t>
             </a:r>
             <a:r>
-              <a:rPr lang="pl" sz="2500" b="0" i="0" u="none" baseline="0">
+              <a:rPr lang="pl" sz="2500" b="0" i="0" u="none" baseline="0" dirty="0">
                 <a:solidFill>
                   <a:srgbClr val="FFFF00"/>
                 </a:solidFill>
@@ -18466,7 +19168,7 @@
               <a:buNone/>
             </a:pPr>
             <a:r>
-              <a:rPr lang="pl" sz="2500" b="0" i="0" u="none" strike="noStrike" cap="none" baseline="0">
+              <a:rPr lang="pl" sz="2500" b="0" i="0" u="none" strike="noStrike" cap="none" baseline="0" dirty="0">
                 <a:solidFill>
                   <a:srgbClr val="FF7F00"/>
                 </a:solidFill>
@@ -18475,7 +19177,31 @@
                 <a:cs typeface="Courier"/>
                 <a:sym typeface="Courier New"/>
               </a:rPr>
-              <a:t>[('jan', 100), ('chuck', 1), ('fred', 42)]</a:t>
+              <a:t>[('chuck', 1), ('fred', 42)</a:t>
+            </a:r>
+            <a:r>
+              <a:rPr lang="en-US" sz="2500" b="0" i="0" u="none" strike="noStrike" cap="none" baseline="0" dirty="0">
+                <a:solidFill>
+                  <a:srgbClr val="FF7F00"/>
+                </a:solidFill>
+                <a:latin typeface="Courier"/>
+                <a:ea typeface="Courier"/>
+                <a:cs typeface="Courier"/>
+                <a:sym typeface="Courier New"/>
+              </a:rPr>
+              <a:t>,</a:t>
+            </a:r>
+            <a:r>
+              <a:rPr lang="pl" sz="2500" b="0" i="0" u="none" strike="noStrike" cap="none" baseline="0" dirty="0">
+                <a:solidFill>
+                  <a:srgbClr val="FF7F00"/>
+                </a:solidFill>
+                <a:latin typeface="Courier"/>
+                <a:ea typeface="Courier"/>
+                <a:cs typeface="Courier"/>
+                <a:sym typeface="Courier New"/>
+              </a:rPr>
+              <a:t> ('jan', 100)]</a:t>
             </a:r>
           </a:p>
           <a:p>
@@ -18497,7 +19223,7 @@
               <a:buNone/>
             </a:pPr>
             <a:r>
-              <a:rPr lang="pl" sz="2500" b="0" i="0" u="none" strike="noStrike" cap="none" baseline="0">
+              <a:rPr lang="pl" sz="2500" b="0" i="0" u="none" strike="noStrike" cap="none" baseline="0" dirty="0">
                 <a:solidFill>
                   <a:schemeClr val="lt1"/>
                 </a:solidFill>
@@ -18949,7 +19675,7 @@
               <a:buNone/>
             </a:pPr>
             <a:r>
-              <a:rPr lang="pl" sz="2400" b="0" i="0" u="none" strike="noStrike" cap="none" baseline="0">
+              <a:rPr lang="pl" sz="2400" b="0" i="0" u="none" strike="noStrike" cap="none" baseline="0" dirty="0">
                 <a:solidFill>
                   <a:srgbClr val="00FF00"/>
                 </a:solidFill>
@@ -18961,7 +19687,7 @@
               <a:t>jjj</a:t>
             </a:r>
             <a:r>
-              <a:rPr lang="pl" sz="2400" b="0" i="0" u="none" strike="noStrike" cap="none" baseline="0">
+              <a:rPr lang="pl" sz="2400" b="0" i="0" u="none" strike="noStrike" cap="none" baseline="0" dirty="0">
                 <a:solidFill>
                   <a:schemeClr val="lt1"/>
                 </a:solidFill>
@@ -18992,7 +19718,7 @@
               <a:buNone/>
             </a:pPr>
             <a:r>
-              <a:rPr lang="pl" sz="2400" b="0" i="0" u="none" strike="noStrike" cap="none" baseline="0">
+              <a:rPr lang="pl" sz="2400" b="0" i="0" u="none" strike="noStrike" cap="none" baseline="0" dirty="0">
                 <a:solidFill>
                   <a:schemeClr val="lt1"/>
                 </a:solidFill>
@@ -19004,7 +19730,7 @@
               <a:t>for </a:t>
             </a:r>
             <a:r>
-              <a:rPr lang="pl" sz="2400" b="0" i="0" u="none" strike="noStrike" cap="none" baseline="0">
+              <a:rPr lang="pl" sz="2400" b="0" i="0" u="none" strike="noStrike" cap="none" baseline="0" dirty="0">
                 <a:solidFill>
                   <a:srgbClr val="FF7F00"/>
                 </a:solidFill>
@@ -19016,7 +19742,7 @@
               <a:t>aaa</a:t>
             </a:r>
             <a:r>
-              <a:rPr lang="pl" sz="2400" b="0" i="0" u="none" strike="noStrike" cap="none" baseline="0">
+              <a:rPr lang="pl" sz="2400" b="0" i="0" u="none" strike="noStrike" cap="none" baseline="0" dirty="0">
                 <a:solidFill>
                   <a:schemeClr val="lt1"/>
                 </a:solidFill>
@@ -19028,7 +19754,7 @@
               <a:t>,</a:t>
             </a:r>
             <a:r>
-              <a:rPr lang="pl" sz="2400" b="0" i="0" u="none" strike="noStrike" cap="none" baseline="0">
+              <a:rPr lang="pl" sz="2400" b="0" i="0" u="none" strike="noStrike" cap="none" baseline="0" dirty="0">
                 <a:solidFill>
                   <a:srgbClr val="FFFF00"/>
                 </a:solidFill>
@@ -19040,7 +19766,7 @@
               <a:t>bbb</a:t>
             </a:r>
             <a:r>
-              <a:rPr lang="pl" sz="2400" b="0" i="0" u="none" strike="noStrike" cap="none" baseline="0">
+              <a:rPr lang="pl" sz="2400" b="0" i="0" u="none" strike="noStrike" cap="none" baseline="0" dirty="0">
                 <a:solidFill>
                   <a:schemeClr val="lt1"/>
                 </a:solidFill>
@@ -19052,7 +19778,7 @@
               <a:t> in </a:t>
             </a:r>
             <a:r>
-              <a:rPr lang="pl" sz="2400" b="0" i="0" u="none" strike="noStrike" cap="none" baseline="0">
+              <a:rPr lang="pl" sz="2400" b="0" i="0" u="none" strike="noStrike" cap="none" baseline="0" dirty="0">
                 <a:solidFill>
                   <a:srgbClr val="00FF00"/>
                 </a:solidFill>
@@ -19064,7 +19790,7 @@
               <a:t>jjj</a:t>
             </a:r>
             <a:r>
-              <a:rPr lang="pl" sz="2400" b="0" i="0" u="none" strike="noStrike" cap="none" baseline="0">
+              <a:rPr lang="pl" sz="2400" b="0" i="0" u="none" strike="noStrike" cap="none" baseline="0" dirty="0">
                 <a:solidFill>
                   <a:srgbClr val="FF00FF"/>
                 </a:solidFill>
@@ -19076,7 +19802,7 @@
               <a:t>.items</a:t>
             </a:r>
             <a:r>
-              <a:rPr lang="pl" sz="2400" b="0" i="0" u="none" strike="noStrike" cap="none" baseline="0">
+              <a:rPr lang="pl" sz="2400" b="0" i="0" u="none" strike="noStrike" cap="none" baseline="0" dirty="0">
                 <a:solidFill>
                   <a:schemeClr val="lt1"/>
                 </a:solidFill>
@@ -19096,7 +19822,7 @@
               <a:buSzPct val="25000"/>
             </a:pPr>
             <a:r>
-              <a:rPr lang="pl" sz="2400" b="0" i="0" u="none" strike="noStrike" cap="none" baseline="0">
+              <a:rPr lang="pl" sz="2400" b="0" i="0" u="none" strike="noStrike" cap="none" baseline="0" dirty="0">
                 <a:solidFill>
                   <a:schemeClr val="lt1"/>
                 </a:solidFill>
@@ -19108,7 +19834,7 @@
               <a:t>    print(</a:t>
             </a:r>
             <a:r>
-              <a:rPr lang="pl" sz="2400" b="0" i="0" u="none" strike="noStrike" cap="none" baseline="0">
+              <a:rPr lang="pl" sz="2400" b="0" i="0" u="none" strike="noStrike" cap="none" baseline="0" dirty="0">
                 <a:solidFill>
                   <a:srgbClr val="FF7F00"/>
                 </a:solidFill>
@@ -19120,7 +19846,7 @@
               <a:t>aaa</a:t>
             </a:r>
             <a:r>
-              <a:rPr lang="pl" sz="2400" b="0" i="0" u="none" strike="noStrike" cap="none" baseline="0">
+              <a:rPr lang="pl" sz="2400" b="0" i="0" u="none" strike="noStrike" cap="none" baseline="0" dirty="0">
                 <a:solidFill>
                   <a:schemeClr val="lt1"/>
                 </a:solidFill>
@@ -19132,7 +19858,7 @@
               <a:t>, </a:t>
             </a:r>
             <a:r>
-              <a:rPr lang="pl" sz="2400" b="0" i="0" u="none" strike="noStrike" cap="none" baseline="0">
+              <a:rPr lang="pl" sz="2400" b="0" i="0" u="none" strike="noStrike" cap="none" baseline="0" dirty="0">
                 <a:solidFill>
                   <a:srgbClr val="FFFF00"/>
                 </a:solidFill>
@@ -19144,7 +19870,7 @@
               <a:t>bbb</a:t>
             </a:r>
             <a:r>
-              <a:rPr lang="pl" sz="2400" b="0" i="0" u="none" baseline="0">
+              <a:rPr lang="pl" sz="2400" b="0" i="0" u="none" baseline="0" dirty="0">
                 <a:solidFill>
                   <a:schemeClr val="lt1"/>
                 </a:solidFill>
@@ -19240,7 +19966,7 @@
               <a:buNone/>
             </a:pPr>
             <a:r>
-              <a:rPr lang="pl" sz="2400" b="0" i="0" u="none" strike="noStrike" cap="none" baseline="0">
+              <a:rPr lang="pl" sz="2400" b="0" i="0" u="none" strike="noStrike" cap="none" baseline="0" dirty="0">
                 <a:solidFill>
                   <a:schemeClr val="lt1"/>
                 </a:solidFill>
@@ -19271,7 +19997,7 @@
               <a:buNone/>
             </a:pPr>
             <a:r>
-              <a:rPr lang="pl" sz="2400" b="0" i="0" u="none" strike="noStrike" cap="none" baseline="0">
+              <a:rPr lang="pl" sz="2400" b="0" i="0" u="none" strike="noStrike" cap="none" baseline="0" dirty="0">
                 <a:solidFill>
                   <a:srgbClr val="FF7F00"/>
                 </a:solidFill>
@@ -19280,10 +20006,10 @@
                 <a:cs typeface="Courier"/>
                 <a:sym typeface="Courier New"/>
               </a:rPr>
-              <a:t>jan</a:t>
-            </a:r>
-            <a:r>
-              <a:rPr lang="pl" sz="2400" b="0" i="0" u="none" strike="noStrike" cap="none" baseline="0">
+              <a:t>chuck</a:t>
+            </a:r>
+            <a:r>
+              <a:rPr lang="pl" sz="2400" b="0" i="0" u="none" strike="noStrike" cap="none" baseline="0" dirty="0">
                 <a:solidFill>
                   <a:srgbClr val="FFFF00"/>
                 </a:solidFill>
@@ -19292,7 +20018,7 @@
                 <a:cs typeface="Courier"/>
                 <a:sym typeface="Courier New"/>
               </a:rPr>
-              <a:t> 100</a:t>
+              <a:t> 1</a:t>
             </a:r>
           </a:p>
           <a:p>
@@ -19314,7 +20040,7 @@
               <a:buNone/>
             </a:pPr>
             <a:r>
-              <a:rPr lang="pl" sz="2400" b="0" i="0" u="none" strike="noStrike" cap="none" baseline="0">
+              <a:rPr lang="pl" sz="2400" b="0" i="0" u="none" strike="noStrike" cap="none" baseline="0" dirty="0">
                 <a:solidFill>
                   <a:srgbClr val="FF7F00"/>
                 </a:solidFill>
@@ -19323,10 +20049,10 @@
                 <a:cs typeface="Courier"/>
                 <a:sym typeface="Courier New"/>
               </a:rPr>
-              <a:t>chuck</a:t>
-            </a:r>
-            <a:r>
-              <a:rPr lang="pl" sz="2400" b="0" i="0" u="none" strike="noStrike" cap="none" baseline="0">
+              <a:t>fred</a:t>
+            </a:r>
+            <a:r>
+              <a:rPr lang="pl" sz="2400" b="0" i="0" u="none" strike="noStrike" cap="none" baseline="0" dirty="0">
                 <a:solidFill>
                   <a:srgbClr val="FFFF00"/>
                 </a:solidFill>
@@ -19335,7 +20061,39 @@
                 <a:cs typeface="Courier"/>
                 <a:sym typeface="Courier New"/>
               </a:rPr>
-              <a:t> 1</a:t>
+              <a:t> 42</a:t>
+            </a:r>
+          </a:p>
+          <a:p>
+            <a:pPr>
+              <a:buClr>
+                <a:schemeClr val="lt1"/>
+              </a:buClr>
+              <a:buSzPct val="25000"/>
+            </a:pPr>
+            <a:r>
+              <a:rPr lang="pl" sz="2400" b="0" i="0" u="none" strike="noStrike" cap="none" baseline="0" dirty="0">
+                <a:solidFill>
+                  <a:srgbClr val="FF7F00"/>
+                </a:solidFill>
+                <a:latin typeface="Courier"/>
+                <a:ea typeface="Courier"/>
+                <a:cs typeface="Courier"/>
+                <a:sym typeface="Courier New"/>
+              </a:rPr>
+              <a:t>jan</a:t>
+            </a:r>
+            <a:r>
+              <a:rPr lang="pl" sz="2400" b="0" i="0" u="none" strike="noStrike" cap="none" baseline="0" dirty="0">
+                <a:solidFill>
+                  <a:srgbClr val="FFFF00"/>
+                </a:solidFill>
+                <a:latin typeface="Courier"/>
+                <a:ea typeface="Courier"/>
+                <a:cs typeface="Courier"/>
+                <a:sym typeface="Courier New"/>
+              </a:rPr>
+              <a:t> 100</a:t>
             </a:r>
           </a:p>
           <a:p>
@@ -19350,57 +20108,14 @@
                 <a:spcPts val="0"/>
               </a:spcAft>
               <a:buClr>
-                <a:srgbClr val="FF7F00"/>
+                <a:schemeClr val="lt1"/>
               </a:buClr>
               <a:buSzPct val="25000"/>
               <a:buFont typeface="Cabin"/>
               <a:buNone/>
             </a:pPr>
             <a:r>
-              <a:rPr lang="pl" sz="2400" b="0" i="0" u="none" strike="noStrike" cap="none" baseline="0">
-                <a:solidFill>
-                  <a:srgbClr val="FF7F00"/>
-                </a:solidFill>
-                <a:latin typeface="Courier"/>
-                <a:ea typeface="Courier"/>
-                <a:cs typeface="Courier"/>
-                <a:sym typeface="Courier New"/>
-              </a:rPr>
-              <a:t>fred</a:t>
-            </a:r>
-            <a:r>
-              <a:rPr lang="pl" sz="2400" b="0" i="0" u="none" strike="noStrike" cap="none" baseline="0">
-                <a:solidFill>
-                  <a:srgbClr val="FFFF00"/>
-                </a:solidFill>
-                <a:latin typeface="Courier"/>
-                <a:ea typeface="Courier"/>
-                <a:cs typeface="Courier"/>
-                <a:sym typeface="Courier New"/>
-              </a:rPr>
-              <a:t> 42</a:t>
-            </a:r>
-          </a:p>
-          <a:p>
-            <a:pPr marL="0" marR="0" lvl="0" indent="0" algn="l" rtl="0">
-              <a:lnSpc>
-                <a:spcPct val="100000"/>
-              </a:lnSpc>
-              <a:spcBef>
-                <a:spcPts val="0"/>
-              </a:spcBef>
-              <a:spcAft>
-                <a:spcPts val="0"/>
-              </a:spcAft>
-              <a:buClr>
-                <a:schemeClr val="lt1"/>
-              </a:buClr>
-              <a:buSzPct val="25000"/>
-              <a:buFont typeface="Cabin"/>
-              <a:buNone/>
-            </a:pPr>
-            <a:r>
-              <a:rPr lang="pl" sz="2400" b="0" i="0" u="none" strike="noStrike" cap="none" baseline="0">
+              <a:rPr lang="pl" sz="2400" b="0" i="0" u="none" strike="noStrike" cap="none" baseline="0" dirty="0">
                 <a:solidFill>
                   <a:schemeClr val="lt1"/>
                 </a:solidFill>
@@ -19451,7 +20166,7 @@
         </p:nvSpPr>
         <p:spPr>
           <a:xfrm>
-            <a:off x="12484101" y="6072180"/>
+            <a:off x="12484101" y="5212370"/>
             <a:ext cx="1495499" cy="622199"/>
           </a:xfrm>
           <a:prstGeom prst="rect">
@@ -19508,7 +20223,7 @@
         </p:nvSpPr>
         <p:spPr>
           <a:xfrm>
-            <a:off x="14274801" y="6059480"/>
+            <a:off x="14223053" y="5199670"/>
             <a:ext cx="368299" cy="647700"/>
           </a:xfrm>
           <a:prstGeom prst="rect">
@@ -19571,7 +20286,7 @@
         </p:nvSpPr>
         <p:spPr>
           <a:xfrm>
-            <a:off x="12771437" y="6897680"/>
+            <a:off x="12771437" y="6037870"/>
             <a:ext cx="1157400" cy="622199"/>
           </a:xfrm>
           <a:prstGeom prst="rect">
@@ -19628,7 +20343,7 @@
         </p:nvSpPr>
         <p:spPr>
           <a:xfrm>
-            <a:off x="14224001" y="6884980"/>
+            <a:off x="14224001" y="6025170"/>
             <a:ext cx="596900" cy="647700"/>
           </a:xfrm>
           <a:prstGeom prst="rect">
@@ -19814,7 +20529,7 @@
         </p:nvSpPr>
         <p:spPr>
           <a:xfrm>
-            <a:off x="13023851" y="5259380"/>
+            <a:off x="12969876" y="6876070"/>
             <a:ext cx="942900" cy="622199"/>
           </a:xfrm>
           <a:prstGeom prst="rect">
@@ -19849,7 +20564,7 @@
               <a:buNone/>
             </a:pPr>
             <a:r>
-              <a:rPr lang="pl" sz="3600" b="0" i="0" u="none" strike="noStrike" cap="none" baseline="0">
+              <a:rPr lang="pl" sz="3600" b="0" i="0" u="none" strike="noStrike" cap="none" baseline="0" dirty="0">
                 <a:solidFill>
                   <a:srgbClr val="FF7F00"/>
                 </a:solidFill>
@@ -19871,7 +20586,7 @@
         </p:nvSpPr>
         <p:spPr>
           <a:xfrm>
-            <a:off x="14262101" y="5246680"/>
+            <a:off x="14208126" y="6863370"/>
             <a:ext cx="825499" cy="647700"/>
           </a:xfrm>
           <a:prstGeom prst="rect">
@@ -19994,7 +20709,7 @@
               <a:buNone/>
             </a:pPr>
             <a:r>
-              <a:rPr lang="pl" sz="2600" b="0" i="0" u="none" strike="noStrike" cap="none" baseline="0">
+              <a:rPr lang="pl" sz="2600" b="0" i="0" u="none" strike="noStrike" cap="none" baseline="0" dirty="0">
                 <a:solidFill>
                   <a:srgbClr val="00FF00"/>
                 </a:solidFill>
@@ -20003,7 +20718,31 @@
                 <a:cs typeface="Courier"/>
                 <a:sym typeface="Courier New"/>
               </a:rPr>
-              <a:t>name = input('Nazwa pliku:')</a:t>
+              <a:t>name = input('</a:t>
+            </a:r>
+            <a:r>
+              <a:rPr lang="pl-PL" sz="2600" b="0" i="0" u="none" strike="noStrike" cap="none" baseline="0" dirty="0">
+                <a:solidFill>
+                  <a:srgbClr val="00FF00"/>
+                </a:solidFill>
+                <a:latin typeface="Courier"/>
+                <a:ea typeface="Courier"/>
+                <a:cs typeface="Courier"/>
+                <a:sym typeface="Courier New"/>
+              </a:rPr>
+              <a:t>Podaj nazwę pliku: </a:t>
+            </a:r>
+            <a:r>
+              <a:rPr lang="pl" sz="2600" b="0" i="0" u="none" strike="noStrike" cap="none" baseline="0" dirty="0">
+                <a:solidFill>
+                  <a:srgbClr val="00FF00"/>
+                </a:solidFill>
+                <a:latin typeface="Courier"/>
+                <a:ea typeface="Courier"/>
+                <a:cs typeface="Courier"/>
+                <a:sym typeface="Courier New"/>
+              </a:rPr>
+              <a:t>')</a:t>
             </a:r>
           </a:p>
           <a:p>
@@ -20025,7 +20764,7 @@
               <a:buNone/>
             </a:pPr>
             <a:r>
-              <a:rPr lang="pl" sz="2600" b="0" i="0" u="none" strike="noStrike" cap="none" baseline="0">
+              <a:rPr lang="pl" sz="2600" b="0" i="0" u="none" strike="noStrike" cap="none" baseline="0" dirty="0">
                 <a:solidFill>
                   <a:srgbClr val="00FF00"/>
                 </a:solidFill>
@@ -20079,7 +20818,7 @@
               <a:buNone/>
             </a:pPr>
             <a:r>
-              <a:rPr lang="pl" sz="2600" b="0" i="0" u="none" strike="noStrike" cap="none" baseline="0">
+              <a:rPr lang="pl" sz="2600" b="0" i="0" u="none" strike="noStrike" cap="none" baseline="0" dirty="0">
                 <a:solidFill>
                   <a:srgbClr val="FF00FF"/>
                 </a:solidFill>
@@ -20099,7 +20838,7 @@
               <a:buSzPct val="25000"/>
             </a:pPr>
             <a:r>
-              <a:rPr lang="pl" sz="2600" b="0" i="0" u="none" baseline="0">
+              <a:rPr lang="pl" sz="2600" b="0" i="0" u="none" baseline="0" dirty="0">
                 <a:solidFill>
                   <a:srgbClr val="FF00FF"/>
                 </a:solidFill>
@@ -20119,7 +20858,96 @@
               <a:buSzPct val="25000"/>
             </a:pPr>
             <a:r>
-              <a:rPr lang="pl" sz="2600" b="0" i="0" u="none" baseline="0">
+              <a:rPr lang="en-US" sz="2600" b="0" i="0" u="none" baseline="0" dirty="0">
+                <a:solidFill>
+                  <a:srgbClr val="FF00FF"/>
+                </a:solidFill>
+                <a:latin typeface="Courier"/>
+                <a:ea typeface="Courier"/>
+                <a:cs typeface="Courier"/>
+                <a:sym typeface="Courier New"/>
+              </a:rPr>
+              <a:t>   </a:t>
+            </a:r>
+            <a:r>
+              <a:rPr lang="pl" sz="2600" b="0" i="0" u="none" baseline="0" dirty="0">
+                <a:solidFill>
+                  <a:srgbClr val="FF00FF"/>
+                </a:solidFill>
+                <a:latin typeface="Courier"/>
+                <a:ea typeface="Courier"/>
+                <a:cs typeface="Courier"/>
+                <a:sym typeface="Courier New"/>
+              </a:rPr>
+              <a:t> </a:t>
+            </a:r>
+            <a:r>
+              <a:rPr lang="en-US" sz="2600" b="0" i="0" u="none" baseline="0" dirty="0">
+                <a:solidFill>
+                  <a:srgbClr val="FF00FF"/>
+                </a:solidFill>
+                <a:latin typeface="Courier"/>
+                <a:ea typeface="Courier"/>
+                <a:cs typeface="Courier"/>
+                <a:sym typeface="Courier New"/>
+              </a:rPr>
+              <a:t>line</a:t>
+            </a:r>
+            <a:r>
+              <a:rPr lang="pl" sz="2600" b="0" i="0" u="none" baseline="0" dirty="0">
+                <a:solidFill>
+                  <a:srgbClr val="FF00FF"/>
+                </a:solidFill>
+                <a:latin typeface="Courier"/>
+                <a:ea typeface="Courier"/>
+                <a:cs typeface="Courier"/>
+                <a:sym typeface="Courier New"/>
+              </a:rPr>
+              <a:t> = line.</a:t>
+            </a:r>
+            <a:r>
+              <a:rPr lang="en-US" sz="2600" b="0" i="0" u="none" baseline="0" dirty="0">
+                <a:solidFill>
+                  <a:srgbClr val="FF00FF"/>
+                </a:solidFill>
+                <a:latin typeface="Courier"/>
+                <a:ea typeface="Courier"/>
+                <a:cs typeface="Courier"/>
+                <a:sym typeface="Courier New"/>
+              </a:rPr>
+              <a:t>lower</a:t>
+            </a:r>
+            <a:r>
+              <a:rPr lang="pl" sz="2600" b="0" i="0" u="none" baseline="0" dirty="0">
+                <a:solidFill>
+                  <a:srgbClr val="FF00FF"/>
+                </a:solidFill>
+                <a:latin typeface="Courier"/>
+                <a:ea typeface="Courier"/>
+                <a:cs typeface="Courier"/>
+                <a:sym typeface="Courier New"/>
+              </a:rPr>
+              <a:t>()</a:t>
+            </a:r>
+            <a:endParaRPr lang="en-US" sz="2600" b="0" i="0" u="none" baseline="0" dirty="0">
+              <a:solidFill>
+                <a:srgbClr val="FF00FF"/>
+              </a:solidFill>
+              <a:latin typeface="Courier"/>
+              <a:ea typeface="Courier"/>
+              <a:cs typeface="Courier"/>
+              <a:sym typeface="Courier New"/>
+            </a:endParaRPr>
+          </a:p>
+          <a:p>
+            <a:pPr lvl="0" algn="l" rtl="0">
+              <a:buClr>
+                <a:srgbClr val="00FF00"/>
+              </a:buClr>
+              <a:buSzPct val="25000"/>
+            </a:pPr>
+            <a:r>
+              <a:rPr lang="pl" sz="2600" b="0" i="0" u="none" baseline="0" dirty="0">
                 <a:solidFill>
                   <a:srgbClr val="FF00FF"/>
                 </a:solidFill>
@@ -20150,7 +20978,7 @@
               <a:buNone/>
             </a:pPr>
             <a:r>
-              <a:rPr lang="pl" sz="2600" b="0" i="0" u="none" strike="noStrike" cap="none" baseline="0">
+              <a:rPr lang="pl" sz="2600" b="0" i="0" u="none" strike="noStrike" cap="none" baseline="0" dirty="0">
                 <a:solidFill>
                   <a:srgbClr val="FF00FF"/>
                 </a:solidFill>
@@ -20181,7 +21009,7 @@
               <a:buNone/>
             </a:pPr>
             <a:r>
-              <a:rPr lang="pl" sz="2600" b="0" i="0" u="none" strike="noStrike" cap="none" baseline="0">
+              <a:rPr lang="pl" sz="2600" b="0" i="0" u="none" strike="noStrike" cap="none" baseline="0" dirty="0">
                 <a:solidFill>
                   <a:srgbClr val="FF00FF"/>
                 </a:solidFill>
@@ -20190,7 +21018,31 @@
                 <a:cs typeface="Courier"/>
                 <a:sym typeface="Courier New"/>
               </a:rPr>
-              <a:t>        counts[word] = counts.get(word,0) + 1</a:t>
+              <a:t>        counts[word] = counts.get(word,</a:t>
+            </a:r>
+            <a:r>
+              <a:rPr lang="en-US" sz="2600" b="0" i="0" u="none" strike="noStrike" cap="none" baseline="0" dirty="0">
+                <a:solidFill>
+                  <a:srgbClr val="FF00FF"/>
+                </a:solidFill>
+                <a:latin typeface="Courier"/>
+                <a:ea typeface="Courier"/>
+                <a:cs typeface="Courier"/>
+                <a:sym typeface="Courier New"/>
+              </a:rPr>
+              <a:t> </a:t>
+            </a:r>
+            <a:r>
+              <a:rPr lang="pl" sz="2600" b="0" i="0" u="none" strike="noStrike" cap="none" baseline="0" dirty="0">
+                <a:solidFill>
+                  <a:srgbClr val="FF00FF"/>
+                </a:solidFill>
+                <a:latin typeface="Courier"/>
+                <a:ea typeface="Courier"/>
+                <a:cs typeface="Courier"/>
+                <a:sym typeface="Courier New"/>
+              </a:rPr>
+              <a:t>0) + 1</a:t>
             </a:r>
           </a:p>
           <a:p>
@@ -20239,7 +21091,7 @@
               <a:buNone/>
             </a:pPr>
             <a:r>
-              <a:rPr lang="pl" sz="2600" b="0" i="0" u="none" strike="noStrike" cap="none" baseline="0">
+              <a:rPr lang="pl" sz="2600" b="0" i="0" u="none" strike="noStrike" cap="none" baseline="0" dirty="0">
                 <a:solidFill>
                   <a:srgbClr val="00FFFF"/>
                 </a:solidFill>
@@ -20270,7 +21122,7 @@
               <a:buNone/>
             </a:pPr>
             <a:r>
-              <a:rPr lang="pl" sz="2600" b="0" i="0" u="none" strike="noStrike" cap="none" baseline="0">
+              <a:rPr lang="pl" sz="2600" b="0" i="0" u="none" strike="noStrike" cap="none" baseline="0" dirty="0">
                 <a:solidFill>
                   <a:srgbClr val="00FFFF"/>
                 </a:solidFill>
@@ -20301,7 +21153,7 @@
               <a:buNone/>
             </a:pPr>
             <a:r>
-              <a:rPr lang="pl" sz="2600" b="0" i="0" u="none" strike="noStrike" cap="none" baseline="0">
+              <a:rPr lang="pl" sz="2600" b="0" i="0" u="none" strike="noStrike" cap="none" baseline="0" dirty="0">
                 <a:solidFill>
                   <a:srgbClr val="00FFFF"/>
                 </a:solidFill>
@@ -20332,7 +21184,7 @@
               <a:buNone/>
             </a:pPr>
             <a:r>
-              <a:rPr lang="pl" sz="2600" b="0" i="0" u="none" strike="noStrike" cap="none" baseline="0">
+              <a:rPr lang="pl" sz="2600" b="0" i="0" u="none" strike="noStrike" cap="none" baseline="0" dirty="0">
                 <a:solidFill>
                   <a:srgbClr val="00FFFF"/>
                 </a:solidFill>
@@ -20363,7 +21215,7 @@
               <a:buNone/>
             </a:pPr>
             <a:r>
-              <a:rPr lang="pl" sz="2600" b="0" i="0" u="none" strike="noStrike" cap="none" baseline="0">
+              <a:rPr lang="pl" sz="2600" b="0" i="0" u="none" strike="noStrike" cap="none" baseline="0" dirty="0">
                 <a:solidFill>
                   <a:srgbClr val="00FFFF"/>
                 </a:solidFill>
@@ -20394,7 +21246,7 @@
               <a:buNone/>
             </a:pPr>
             <a:r>
-              <a:rPr lang="pl" sz="2600" b="0" i="0" u="none" strike="noStrike" cap="none" baseline="0">
+              <a:rPr lang="pl" sz="2600" b="0" i="0" u="none" strike="noStrike" cap="none" baseline="0" dirty="0">
                 <a:solidFill>
                   <a:srgbClr val="00FFFF"/>
                 </a:solidFill>
@@ -20452,7 +21304,7 @@
               <a:buNone/>
             </a:pPr>
             <a:r>
-              <a:rPr lang="pl" sz="2600" b="0" i="0" u="none" strike="noStrike" cap="none" baseline="0">
+              <a:rPr lang="pl" sz="2600" b="0" i="0" u="none" strike="noStrike" cap="none" baseline="0" dirty="0">
                 <a:solidFill>
                   <a:srgbClr val="FF7F00"/>
                 </a:solidFill>
@@ -20524,7 +21376,7 @@
               <a:buNone/>
             </a:pPr>
             <a:r>
-              <a:rPr lang="pl" sz="3600" b="0" i="0" u="none" baseline="0">
+              <a:rPr lang="pl" sz="3600" b="0" i="0" u="none" baseline="0" dirty="0">
                 <a:solidFill>
                   <a:srgbClr val="FFFF00"/>
                 </a:solidFill>
@@ -20536,7 +21388,7 @@
               <a:t> </a:t>
             </a:r>
             <a:r>
-              <a:rPr lang="pl" sz="3600" b="0" i="0" u="none" strike="noStrike" cap="none" baseline="0">
+              <a:rPr lang="en-US" sz="3600" b="0" i="0" u="none" baseline="0" dirty="0">
                 <a:solidFill>
                   <a:srgbClr val="FFFF00"/>
                 </a:solidFill>
@@ -20545,7 +21397,43 @@
                 <a:cs typeface="Arial" charset="0"/>
                 <a:sym typeface="Cabin"/>
               </a:rPr>
-              <a:t>python words.py </a:t>
+              <a:t>$ </a:t>
+            </a:r>
+            <a:r>
+              <a:rPr lang="pl" sz="3600" b="0" i="0" u="none" strike="noStrike" cap="none" baseline="0" dirty="0">
+                <a:solidFill>
+                  <a:srgbClr val="FFFF00"/>
+                </a:solidFill>
+                <a:latin typeface="Arial" charset="0"/>
+                <a:ea typeface="Arial" charset="0"/>
+                <a:cs typeface="Arial" charset="0"/>
+                <a:sym typeface="Cabin"/>
+              </a:rPr>
+              <a:t>python</a:t>
+            </a:r>
+            <a:r>
+              <a:rPr lang="en-US" sz="3600" b="0" i="0" u="none" strike="noStrike" cap="none" baseline="0" dirty="0">
+                <a:solidFill>
+                  <a:srgbClr val="FFFF00"/>
+                </a:solidFill>
+                <a:latin typeface="Arial" charset="0"/>
+                <a:ea typeface="Arial" charset="0"/>
+                <a:cs typeface="Arial" charset="0"/>
+                <a:sym typeface="Cabin"/>
+              </a:rPr>
+              <a:t>3</a:t>
+            </a:r>
+            <a:r>
+              <a:rPr lang="pl" sz="3600" b="0" i="0" u="none" strike="noStrike" cap="none" baseline="0" dirty="0">
+                <a:solidFill>
+                  <a:srgbClr val="FFFF00"/>
+                </a:solidFill>
+                <a:latin typeface="Arial" charset="0"/>
+                <a:ea typeface="Arial" charset="0"/>
+                <a:cs typeface="Arial" charset="0"/>
+                <a:sym typeface="Cabin"/>
+              </a:rPr>
+              <a:t> words.py </a:t>
             </a:r>
             <a:endParaRPr lang="pl" sz="3600" u="none" strike="noStrike" cap="none" dirty="0">
               <a:solidFill>
@@ -20576,7 +21464,7 @@
               <a:buNone/>
             </a:pPr>
             <a:r>
-              <a:rPr lang="pl" sz="3600" b="0" i="0" u="none" baseline="0">
+              <a:rPr lang="pl" sz="3600" b="0" i="0" u="none" baseline="0" dirty="0">
                 <a:solidFill>
                   <a:srgbClr val="FFFF00"/>
                 </a:solidFill>
@@ -20588,7 +21476,7 @@
               <a:t> </a:t>
             </a:r>
             <a:r>
-              <a:rPr lang="pl" sz="3600" b="0" i="0" u="none" strike="noStrike" cap="none" baseline="0">
+              <a:rPr lang="pl" sz="3600" b="0" i="0" u="none" strike="noStrike" cap="none" baseline="0" dirty="0">
                 <a:solidFill>
                   <a:srgbClr val="FFFF00"/>
                 </a:solidFill>
@@ -20600,7 +21488,7 @@
               <a:t>Nazwa pliku: </a:t>
             </a:r>
             <a:r>
-              <a:rPr lang="pl" sz="3600" b="0" i="0" u="none" baseline="0">
+              <a:rPr lang="pl" sz="3600" b="0" i="0" u="none" baseline="0" dirty="0">
                 <a:solidFill>
                   <a:schemeClr val="lt1"/>
                 </a:solidFill>
@@ -20612,7 +21500,7 @@
               <a:t>clown</a:t>
             </a:r>
             <a:r>
-              <a:rPr lang="pl" sz="3600" b="0" i="0" u="none" strike="noStrike" cap="none" baseline="0">
+              <a:rPr lang="pl" sz="3600" b="0" i="0" u="none" strike="noStrike" cap="none" baseline="0" dirty="0">
                 <a:solidFill>
                   <a:schemeClr val="lt1"/>
                 </a:solidFill>
@@ -20652,7 +21540,7 @@
               <a:buNone/>
             </a:pPr>
             <a:r>
-              <a:rPr lang="pl" sz="3600" b="0" i="0" u="none" baseline="0">
+              <a:rPr lang="pl" sz="3600" b="0" i="0" u="none" baseline="0" dirty="0">
                 <a:solidFill>
                   <a:srgbClr val="FFFF00"/>
                 </a:solidFill>
@@ -20664,7 +21552,7 @@
               <a:t> </a:t>
             </a:r>
             <a:r>
-              <a:rPr lang="pl" sz="3600" b="0" i="0" u="none" strike="noStrike" cap="none" baseline="0">
+              <a:rPr lang="pl" sz="3600" b="0" i="0" u="none" strike="noStrike" cap="none" baseline="0" dirty="0">
                 <a:solidFill>
                   <a:srgbClr val="FFFF00"/>
                 </a:solidFill>
@@ -20676,7 +21564,7 @@
               <a:t>t</a:t>
             </a:r>
             <a:r>
-              <a:rPr lang="pl" sz="3600" b="0" i="0" u="none" baseline="0">
+              <a:rPr lang="pl" sz="3600" b="0" i="0" u="none" baseline="0" dirty="0">
                 <a:solidFill>
                   <a:srgbClr val="FFFF00"/>
                 </a:solidFill>
@@ -20739,7 +21627,7 @@
               <a:buNone/>
             </a:pPr>
             <a:r>
-              <a:rPr lang="pl" sz="3600" b="0" i="0" u="none" baseline="0">
+              <a:rPr lang="pl" sz="3600" b="0" i="0" u="none" baseline="0" dirty="0">
                 <a:solidFill>
                   <a:srgbClr val="FFFF00"/>
                 </a:solidFill>
@@ -20751,7 +21639,7 @@
               <a:t> </a:t>
             </a:r>
             <a:r>
-              <a:rPr lang="pl" sz="3600" b="0" i="0" u="none" strike="noStrike" cap="none" baseline="0">
+              <a:rPr lang="en-US" sz="3600" b="0" i="0" u="none" baseline="0" dirty="0">
                 <a:solidFill>
                   <a:srgbClr val="FFFF00"/>
                 </a:solidFill>
@@ -20760,7 +21648,43 @@
                 <a:cs typeface="Arial" charset="0"/>
                 <a:sym typeface="Cabin"/>
               </a:rPr>
-              <a:t>python words.py </a:t>
+              <a:t>$ </a:t>
+            </a:r>
+            <a:r>
+              <a:rPr lang="pl" sz="3600" b="0" i="0" u="none" strike="noStrike" cap="none" baseline="0" dirty="0">
+                <a:solidFill>
+                  <a:srgbClr val="FFFF00"/>
+                </a:solidFill>
+                <a:latin typeface="Arial" charset="0"/>
+                <a:ea typeface="Arial" charset="0"/>
+                <a:cs typeface="Arial" charset="0"/>
+                <a:sym typeface="Cabin"/>
+              </a:rPr>
+              <a:t>python</a:t>
+            </a:r>
+            <a:r>
+              <a:rPr lang="en-US" sz="3600" b="0" i="0" u="none" strike="noStrike" cap="none" baseline="0" dirty="0">
+                <a:solidFill>
+                  <a:srgbClr val="FFFF00"/>
+                </a:solidFill>
+                <a:latin typeface="Arial" charset="0"/>
+                <a:ea typeface="Arial" charset="0"/>
+                <a:cs typeface="Arial" charset="0"/>
+                <a:sym typeface="Cabin"/>
+              </a:rPr>
+              <a:t>3</a:t>
+            </a:r>
+            <a:r>
+              <a:rPr lang="pl" sz="3600" b="0" i="0" u="none" strike="noStrike" cap="none" baseline="0" dirty="0">
+                <a:solidFill>
+                  <a:srgbClr val="FFFF00"/>
+                </a:solidFill>
+                <a:latin typeface="Arial" charset="0"/>
+                <a:ea typeface="Arial" charset="0"/>
+                <a:cs typeface="Arial" charset="0"/>
+                <a:sym typeface="Cabin"/>
+              </a:rPr>
+              <a:t> words.py </a:t>
             </a:r>
             <a:endParaRPr lang="pl" sz="3600" u="none" strike="noStrike" cap="none" dirty="0">
               <a:solidFill>
@@ -20791,7 +21715,7 @@
               <a:buNone/>
             </a:pPr>
             <a:r>
-              <a:rPr lang="pl" sz="3600" b="0" i="0" u="none" baseline="0">
+              <a:rPr lang="pl" sz="3600" b="0" i="0" u="none" baseline="0" dirty="0">
                 <a:solidFill>
                   <a:srgbClr val="FFFF00"/>
                 </a:solidFill>
@@ -20803,7 +21727,7 @@
               <a:t> </a:t>
             </a:r>
             <a:r>
-              <a:rPr lang="pl" sz="3600" b="0" i="0" u="none" strike="noStrike" cap="none" baseline="0">
+              <a:rPr lang="pl" sz="3600" b="0" i="0" u="none" strike="noStrike" cap="none" baseline="0" dirty="0">
                 <a:solidFill>
                   <a:srgbClr val="FFFF00"/>
                 </a:solidFill>
@@ -20815,7 +21739,7 @@
               <a:t>Nazwa pliku: </a:t>
             </a:r>
             <a:r>
-              <a:rPr lang="pl" sz="3600" b="0" i="0" u="none" strike="noStrike" cap="none" baseline="0">
+              <a:rPr lang="pl" sz="3600" b="0" i="0" u="none" strike="noStrike" cap="none" baseline="0" dirty="0">
                 <a:solidFill>
                   <a:schemeClr val="lt1"/>
                 </a:solidFill>
@@ -20855,7 +21779,7 @@
               <a:buNone/>
             </a:pPr>
             <a:r>
-              <a:rPr lang="pl" sz="3600" b="0" i="0" u="none" baseline="0">
+              <a:rPr lang="pl" sz="3600" b="0" i="0" u="none" baseline="0" dirty="0">
                 <a:solidFill>
                   <a:srgbClr val="FFFF00"/>
                 </a:solidFill>
@@ -20867,7 +21791,7 @@
               <a:t> </a:t>
             </a:r>
             <a:r>
-              <a:rPr lang="pl" sz="3600" b="0" i="0" u="none" strike="noStrike" cap="none" baseline="0">
+              <a:rPr lang="en-US" sz="3600" dirty="0">
                 <a:solidFill>
                   <a:srgbClr val="FFFF00"/>
                 </a:solidFill>
@@ -20876,8 +21800,41 @@
                 <a:cs typeface="Arial" charset="0"/>
                 <a:sym typeface="Cabin"/>
               </a:rPr>
-              <a:t>to 16</a:t>
-            </a:r>
+              <a:t>w</a:t>
+            </a:r>
+            <a:r>
+              <a:rPr lang="pl" sz="3600" b="0" i="0" u="none" strike="noStrike" cap="none" baseline="0" dirty="0">
+                <a:solidFill>
+                  <a:srgbClr val="FFFF00"/>
+                </a:solidFill>
+                <a:latin typeface="Arial" charset="0"/>
+                <a:ea typeface="Arial" charset="0"/>
+                <a:cs typeface="Arial" charset="0"/>
+                <a:sym typeface="Cabin"/>
+              </a:rPr>
+              <a:t> </a:t>
+            </a:r>
+            <a:r>
+              <a:rPr lang="en-US" sz="3600" b="0" i="0" u="none" strike="noStrike" cap="none" baseline="0" dirty="0">
+                <a:solidFill>
+                  <a:srgbClr val="FFFF00"/>
+                </a:solidFill>
+                <a:latin typeface="Arial" charset="0"/>
+                <a:ea typeface="Arial" charset="0"/>
+                <a:cs typeface="Arial" charset="0"/>
+                <a:sym typeface="Cabin"/>
+              </a:rPr>
+              <a:t>5</a:t>
+            </a:r>
+            <a:endParaRPr lang="pl" sz="3600" b="0" i="0" u="none" strike="noStrike" cap="none" baseline="0" dirty="0">
+              <a:solidFill>
+                <a:srgbClr val="FFFF00"/>
+              </a:solidFill>
+              <a:latin typeface="Arial" charset="0"/>
+              <a:ea typeface="Arial" charset="0"/>
+              <a:cs typeface="Arial" charset="0"/>
+              <a:sym typeface="Cabin"/>
+            </a:endParaRPr>
           </a:p>
         </p:txBody>
       </p:sp>
@@ -21131,7 +22088,7 @@
               <a:buChar char="•"/>
             </a:pPr>
             <a:r>
-              <a:rPr lang="pl" sz="3600">
+              <a:rPr lang="pl" sz="3600" dirty="0">
                 <a:solidFill>
                   <a:schemeClr val="lt1"/>
                 </a:solidFill>
@@ -21140,19 +22097,7 @@
                 <a:cs typeface="Arial Regular" charset="0"/>
                 <a:sym typeface="Cabin"/>
               </a:rPr>
-              <a:t>Stałe </a:t>
-            </a:r>
-            <a:r>
-              <a:rPr lang="pl" sz="3600" dirty="0">
-                <a:solidFill>
-                  <a:schemeClr val="lt1"/>
-                </a:solidFill>
-                <a:latin typeface="Arial Regular" charset="0"/>
-                <a:ea typeface="Arial Regular" charset="0"/>
-                <a:cs typeface="Arial Regular" charset="0"/>
-                <a:sym typeface="Cabin"/>
-              </a:rPr>
-              <a:t>w słownikach</a:t>
+              <a:t>Stałe w słownikach</a:t>
             </a:r>
           </a:p>
           <a:p>
@@ -21231,7 +22176,7 @@
             <a:r>
               <a:rPr lang="pl" sz="3600" b="0" i="0" u="none" strike="noStrike" cap="none" baseline="0" dirty="0">
                 <a:solidFill>
-                  <a:schemeClr val="lt1"/>
+                  <a:srgbClr val="FF40FF"/>
                 </a:solidFill>
                 <a:latin typeface="Arial Regular" charset="0"/>
                 <a:ea typeface="Arial Regular" charset="0"/>
@@ -21893,7 +22838,7 @@
               <a:buNone/>
             </a:pPr>
             <a:r>
-              <a:rPr lang="pl" sz="3000" b="0" i="0" u="none" strike="noStrike" cap="none" baseline="0">
+              <a:rPr lang="pl" sz="3000" b="0" i="0" u="none" strike="noStrike" cap="none" baseline="0" dirty="0">
                 <a:solidFill>
                   <a:schemeClr val="lt1"/>
                 </a:solidFill>
@@ -21905,7 +22850,7 @@
               <a:t>$ </a:t>
             </a:r>
             <a:r>
-              <a:rPr lang="pl" sz="3000" b="0" i="0" u="none" strike="noStrike" cap="none" baseline="0">
+              <a:rPr lang="pl" sz="3000" b="0" i="0" u="none" strike="noStrike" cap="none" baseline="0" dirty="0">
                 <a:solidFill>
                   <a:srgbClr val="FFFF00"/>
                 </a:solidFill>
@@ -21916,6 +22861,27 @@
               </a:rPr>
               <a:t>python</a:t>
             </a:r>
+            <a:r>
+              <a:rPr lang="en-US" sz="3000" b="0" i="0" u="none" strike="noStrike" cap="none" baseline="0" dirty="0">
+                <a:solidFill>
+                  <a:srgbClr val="FFFF00"/>
+                </a:solidFill>
+                <a:latin typeface="Courier"/>
+                <a:ea typeface="Courier"/>
+                <a:cs typeface="Courier"/>
+                <a:sym typeface="Courier New"/>
+              </a:rPr>
+              <a:t>3</a:t>
+            </a:r>
+            <a:endParaRPr lang="pl" sz="3000" b="0" i="0" u="none" strike="noStrike" cap="none" baseline="0" dirty="0">
+              <a:solidFill>
+                <a:srgbClr val="FFFF00"/>
+              </a:solidFill>
+              <a:latin typeface="Courier"/>
+              <a:ea typeface="Courier"/>
+              <a:cs typeface="Courier"/>
+              <a:sym typeface="Courier New"/>
+            </a:endParaRPr>
           </a:p>
           <a:p>
             <a:pPr marL="0" marR="0" lvl="0" indent="0" algn="l" rtl="0">
@@ -21936,7 +22902,7 @@
               <a:buNone/>
             </a:pPr>
             <a:r>
-              <a:rPr lang="pl" sz="3000" b="0" i="0" u="none" strike="noStrike" cap="none" baseline="0">
+              <a:rPr lang="pl" sz="3000" b="0" i="0" u="none" strike="noStrike" cap="none" baseline="0" dirty="0">
                 <a:solidFill>
                   <a:schemeClr val="lt1"/>
                 </a:solidFill>
@@ -21948,7 +22914,7 @@
               <a:t>&gt;&gt;&gt; </a:t>
             </a:r>
             <a:r>
-              <a:rPr lang="pl" sz="3000" b="0" i="0" u="none" strike="noStrike" cap="none" baseline="0">
+              <a:rPr lang="pl" sz="3000" b="0" i="0" u="none" strike="noStrike" cap="none" baseline="0" dirty="0">
                 <a:solidFill>
                   <a:srgbClr val="00FF00"/>
                 </a:solidFill>
@@ -21960,7 +22926,7 @@
               <a:t>x</a:t>
             </a:r>
             <a:r>
-              <a:rPr lang="pl" sz="3000" b="0" i="0" u="none" strike="noStrike" cap="none" baseline="0">
+              <a:rPr lang="pl" sz="3000" b="0" i="0" u="none" strike="noStrike" cap="none" baseline="0" dirty="0">
                 <a:solidFill>
                   <a:schemeClr val="lt1"/>
                 </a:solidFill>
@@ -21991,7 +22957,7 @@
               <a:buNone/>
             </a:pPr>
             <a:r>
-              <a:rPr lang="pl" sz="3000" b="0" i="0" u="none" strike="noStrike" cap="none" baseline="0">
+              <a:rPr lang="pl" sz="3000" b="0" i="0" u="none" strike="noStrike" cap="none" baseline="0" dirty="0">
                 <a:solidFill>
                   <a:schemeClr val="lt1"/>
                 </a:solidFill>
@@ -22003,7 +22969,7 @@
               <a:t>&gt;&gt;&gt; </a:t>
             </a:r>
             <a:r>
-              <a:rPr lang="pl" sz="3000" b="0" i="0" u="none" strike="noStrike" cap="none" baseline="0">
+              <a:rPr lang="pl" sz="3000" b="0" i="0" u="none" strike="noStrike" cap="none" baseline="0" dirty="0">
                 <a:solidFill>
                   <a:srgbClr val="00FF00"/>
                 </a:solidFill>
@@ -22015,7 +22981,7 @@
               <a:t>x</a:t>
             </a:r>
             <a:r>
-              <a:rPr lang="pl" sz="3000" b="0" i="0" u="none" strike="noStrike" cap="none" baseline="0">
+              <a:rPr lang="pl" sz="3000" b="0" i="0" u="none" strike="noStrike" cap="none" baseline="0" dirty="0">
                 <a:solidFill>
                   <a:schemeClr val="lt1"/>
                 </a:solidFill>
@@ -22046,7 +23012,7 @@
               <a:buNone/>
             </a:pPr>
             <a:r>
-              <a:rPr lang="pl" sz="3000" b="0" i="0" u="none" strike="noStrike" cap="none" baseline="0">
+              <a:rPr lang="pl" sz="3000" b="0" i="0" u="none" strike="noStrike" cap="none" baseline="0" dirty="0">
                 <a:solidFill>
                   <a:schemeClr val="lt1"/>
                 </a:solidFill>
@@ -22058,7 +23024,7 @@
               <a:t>&gt;&gt;&gt; </a:t>
             </a:r>
             <a:r>
-              <a:rPr lang="pl" sz="3000" b="0" i="0" u="none" strike="noStrike" cap="none" baseline="0">
+              <a:rPr lang="pl" sz="3000" b="0" i="0" u="none" strike="noStrike" cap="none" baseline="0" dirty="0">
                 <a:solidFill>
                   <a:srgbClr val="FFFF00"/>
                 </a:solidFill>
@@ -22070,7 +23036,7 @@
               <a:t>print(</a:t>
             </a:r>
             <a:r>
-              <a:rPr lang="pl" sz="3000" b="0" i="0" u="none" strike="noStrike" cap="none" baseline="0">
+              <a:rPr lang="pl" sz="3000" b="0" i="0" u="none" strike="noStrike" cap="none" baseline="0" dirty="0">
                 <a:solidFill>
                   <a:srgbClr val="00FF00"/>
                 </a:solidFill>
@@ -22082,7 +23048,7 @@
               <a:t>x</a:t>
             </a:r>
             <a:r>
-              <a:rPr lang="pl" sz="3000" b="0" i="0" u="none" strike="noStrike" cap="none" baseline="0">
+              <a:rPr lang="pl" sz="3000" b="0" i="0" u="none" strike="noStrike" cap="none" baseline="0" dirty="0">
                 <a:solidFill>
                   <a:srgbClr val="FFFF00"/>
                 </a:solidFill>
@@ -22122,7 +23088,7 @@
               <a:buNone/>
             </a:pPr>
             <a:r>
-              <a:rPr lang="pl" sz="3000" b="0" i="0" u="none" strike="noStrike" cap="none" baseline="0">
+              <a:rPr lang="pl" sz="3000" b="0" i="0" u="none" strike="noStrike" cap="none" baseline="0" dirty="0">
                 <a:solidFill>
                   <a:schemeClr val="lt1"/>
                 </a:solidFill>
@@ -22444,8 +23410,85 @@
                   <a:srgbClr val="FFFFFF"/>
                 </a:solidFill>
               </a:rPr>
-              <a:t>Autorstwo pierwszej wersji: Charles Severance, University of Michigan School of Information</a:t>
-            </a:r>
+              <a:t>Autorstwo pierwszej wersji: Charles Severance, </a:t>
+            </a:r>
+            <a:br>
+              <a:rPr lang="en-US" sz="1800" b="0" i="0" u="none" baseline="0" dirty="0">
+                <a:solidFill>
+                  <a:srgbClr val="FFFFFF"/>
+                </a:solidFill>
+              </a:rPr>
+            </a:br>
+            <a:r>
+              <a:rPr lang="pl" sz="1800" b="0" i="0" u="none" baseline="0" dirty="0">
+                <a:solidFill>
+                  <a:srgbClr val="FFFFFF"/>
+                </a:solidFill>
+              </a:rPr>
+              <a:t>University of Michigan School of Information</a:t>
+            </a:r>
+            <a:endParaRPr lang="en-US" sz="1800" b="0" i="0" u="none" baseline="0" dirty="0">
+              <a:solidFill>
+                <a:srgbClr val="FFFFFF"/>
+              </a:solidFill>
+            </a:endParaRPr>
+          </a:p>
+          <a:p>
+            <a:pPr lvl="0" algn="l" rtl="0">
+              <a:spcBef>
+                <a:spcPts val="0"/>
+              </a:spcBef>
+              <a:buNone/>
+            </a:pPr>
+            <a:endParaRPr lang="en-US" sz="1800" dirty="0">
+              <a:solidFill>
+                <a:srgbClr val="FFFFFF"/>
+              </a:solidFill>
+            </a:endParaRPr>
+          </a:p>
+          <a:p>
+            <a:pPr lvl="0" algn="l" rtl="0">
+              <a:spcBef>
+                <a:spcPts val="0"/>
+              </a:spcBef>
+              <a:buNone/>
+            </a:pPr>
+            <a:r>
+              <a:rPr lang="pl-PL" sz="1800" dirty="0">
+                <a:solidFill>
+                  <a:srgbClr val="FFFFFF"/>
+                </a:solidFill>
+              </a:rPr>
+              <a:t>Polska wersja powstała z inicjatywy Wydziału Matematyki </a:t>
+            </a:r>
+            <a:br>
+              <a:rPr lang="en-US" sz="1800" dirty="0">
+                <a:solidFill>
+                  <a:srgbClr val="FFFFFF"/>
+                </a:solidFill>
+              </a:rPr>
+            </a:br>
+            <a:r>
+              <a:rPr lang="pl-PL" sz="1800" dirty="0">
+                <a:solidFill>
+                  <a:srgbClr val="FFFFFF"/>
+                </a:solidFill>
+              </a:rPr>
+              <a:t>i Informatyki Uniwersytetu im. </a:t>
+            </a:r>
+            <a:r>
+              <a:rPr lang="pl-PL" sz="1800">
+                <a:solidFill>
+                  <a:srgbClr val="FFFFFF"/>
+                </a:solidFill>
+              </a:rPr>
+              <a:t>Adama Mickiewicza w Poznaniu</a:t>
+            </a:r>
+            <a:endParaRPr lang="pl" sz="1800" b="0" i="0" u="none" baseline="0" dirty="0">
+              <a:solidFill>
+                <a:srgbClr val="FFFFFF"/>
+              </a:solidFill>
+            </a:endParaRPr>
           </a:p>
           <a:p>
             <a:pPr lvl="0" algn="l" rtl="0">
@@ -22473,23 +23516,7 @@
                   <a:srgbClr val="FFFFFF"/>
                 </a:solidFill>
               </a:rPr>
-              <a:t>Tłumaczenie</a:t>
-            </a:r>
-            <a:r>
-              <a:rPr lang="pl" sz="1800" b="0" i="0" u="none" baseline="0">
-                <a:solidFill>
-                  <a:srgbClr val="FFFFFF"/>
-                </a:solidFill>
-              </a:rPr>
-              <a:t>: Agata i Krzysztof Wierzbiccy</a:t>
-            </a:r>
-            <a:r>
-              <a:rPr lang="pl" sz="1800" b="0" i="0" u="none" baseline="0" dirty="0">
-                <a:solidFill>
-                  <a:srgbClr val="FFFFFF"/>
-                </a:solidFill>
-              </a:rPr>
-              <a:t>, EnglishT.eu </a:t>
+              <a:t>Tłumaczenie: Agata i Krzysztof Wierzbiccy, EnglishT.eu </a:t>
             </a:r>
           </a:p>
           <a:p>
@@ -23456,7 +24483,7 @@
               <a:buNone/>
             </a:pPr>
             <a:r>
-              <a:rPr lang="pl" sz="3000" b="0" i="0" u="sng" strike="noStrike" cap="none" baseline="0">
+              <a:rPr lang="pl-PL" sz="3000" b="0" i="0" u="sng" strike="noStrike" cap="none" baseline="0" dirty="0">
                 <a:solidFill>
                   <a:srgbClr val="FFFF00"/>
                 </a:solidFill>
@@ -23466,8 +24493,18 @@
                 <a:sym typeface="Cabin"/>
                 <a:hlinkClick r:id="rId5"/>
               </a:rPr>
-              <a:t>http://en.wikipedia.org/wiki/Associative_array</a:t>
-            </a:r>
+              <a:t>https://pl.wikipedia.org/wiki/Tablica_asocjacyjna</a:t>
+            </a:r>
+            <a:endParaRPr lang="pl" sz="3000" b="0" i="0" u="sng" strike="noStrike" cap="none" baseline="0" dirty="0">
+              <a:solidFill>
+                <a:srgbClr val="FFFF00"/>
+              </a:solidFill>
+              <a:latin typeface="Arial" charset="0"/>
+              <a:ea typeface="Arial" charset="0"/>
+              <a:cs typeface="Arial" charset="0"/>
+              <a:sym typeface="Cabin"/>
+              <a:hlinkClick r:id="rId6"/>
+            </a:endParaRPr>
           </a:p>
         </p:txBody>
       </p:sp>
@@ -23953,7 +24990,43 @@
                 <a:cs typeface="Arial" charset="0"/>
                 <a:sym typeface="Cabin"/>
               </a:rPr>
-              <a:t> są jak torby </a:t>
+              <a:t> </a:t>
+            </a:r>
+            <a:r>
+              <a:rPr lang="en-US" sz="3600" b="0" i="0" u="none" strike="noStrike" cap="none" baseline="0" dirty="0" err="1">
+                <a:solidFill>
+                  <a:schemeClr val="lt1"/>
+                </a:solidFill>
+                <a:latin typeface="Arial" charset="0"/>
+                <a:ea typeface="Arial" charset="0"/>
+                <a:cs typeface="Arial" charset="0"/>
+                <a:sym typeface="Cabin"/>
+              </a:rPr>
+              <a:t>często</a:t>
+            </a:r>
+            <a:r>
+              <a:rPr lang="en-US" sz="3600" b="0" i="0" u="none" strike="noStrike" cap="none" baseline="0" dirty="0">
+                <a:solidFill>
+                  <a:schemeClr val="lt1"/>
+                </a:solidFill>
+                <a:latin typeface="Arial" charset="0"/>
+                <a:ea typeface="Arial" charset="0"/>
+                <a:cs typeface="Arial" charset="0"/>
+                <a:sym typeface="Cabin"/>
+              </a:rPr>
+              <a:t> </a:t>
+            </a:r>
+            <a:r>
+              <a:rPr lang="pl" sz="3600" b="0" i="0" u="none" strike="noStrike" cap="none" baseline="0" dirty="0">
+                <a:solidFill>
+                  <a:schemeClr val="lt1"/>
+                </a:solidFill>
+                <a:latin typeface="Arial" charset="0"/>
+                <a:ea typeface="Arial" charset="0"/>
+                <a:cs typeface="Arial" charset="0"/>
+                <a:sym typeface="Cabin"/>
+              </a:rPr>
+              <a:t>są jak torby </a:t>
             </a:r>
             <a:r>
               <a:rPr lang="pl" sz="3600" dirty="0">
@@ -23977,7 +25050,7 @@
                 <a:cs typeface="Arial" charset="0"/>
                 <a:sym typeface="Cabin"/>
               </a:rPr>
-              <a:t> nie uporządkowane</a:t>
+              <a:t> nieuporządkowane</a:t>
             </a:r>
           </a:p>
           <a:p>
@@ -24106,7 +25179,7 @@
         <p:spPr>
           <a:xfrm>
             <a:off x="8242775" y="2314575"/>
-            <a:ext cx="7428900" cy="5514975"/>
+            <a:ext cx="7820640" cy="5514975"/>
           </a:xfrm>
           <a:prstGeom prst="rect">
             <a:avLst/>
@@ -24140,7 +25213,7 @@
               <a:buNone/>
             </a:pPr>
             <a:r>
-              <a:rPr lang="pl" sz="2400" b="0" i="0" u="none" strike="noStrike" cap="none" baseline="0">
+              <a:rPr lang="pl" sz="2400" b="0" i="0" u="none" strike="noStrike" cap="none" baseline="0" dirty="0">
                 <a:solidFill>
                   <a:schemeClr val="lt1"/>
                 </a:solidFill>
@@ -24152,7 +25225,7 @@
               <a:t>&gt;&gt;&gt; </a:t>
             </a:r>
             <a:r>
-              <a:rPr lang="pl" sz="2400" b="0" i="0" u="none" strike="noStrike" cap="none" baseline="0">
+              <a:rPr lang="pl" sz="2400" b="0" i="0" u="none" strike="noStrike" cap="none" baseline="0" dirty="0">
                 <a:solidFill>
                   <a:srgbClr val="00FF00"/>
                 </a:solidFill>
@@ -24164,7 +25237,7 @@
               <a:t>purse</a:t>
             </a:r>
             <a:r>
-              <a:rPr lang="pl" sz="2400" b="0" i="0" u="none" strike="noStrike" cap="none" baseline="0">
+              <a:rPr lang="pl" sz="2400" b="0" i="0" u="none" strike="noStrike" cap="none" baseline="0" dirty="0">
                 <a:solidFill>
                   <a:schemeClr val="lt1"/>
                 </a:solidFill>
@@ -24176,7 +25249,7 @@
               <a:t> = </a:t>
             </a:r>
             <a:r>
-              <a:rPr lang="pl" sz="2400" b="0" i="0" u="none" strike="noStrike" cap="none" baseline="0">
+              <a:rPr lang="pl" sz="2400" b="0" i="0" u="none" strike="noStrike" cap="none" baseline="0" dirty="0">
                 <a:solidFill>
                   <a:srgbClr val="FF00FF"/>
                 </a:solidFill>
@@ -24188,7 +25261,7 @@
               <a:t>dict</a:t>
             </a:r>
             <a:r>
-              <a:rPr lang="pl" sz="2400" b="0" i="0" u="none" strike="noStrike" cap="none" baseline="0">
+              <a:rPr lang="pl" sz="2400" b="0" i="0" u="none" strike="noStrike" cap="none" baseline="0" dirty="0">
                 <a:solidFill>
                   <a:schemeClr val="lt1"/>
                 </a:solidFill>
@@ -24219,7 +25292,7 @@
               <a:buNone/>
             </a:pPr>
             <a:r>
-              <a:rPr lang="pl" sz="2400" b="0" i="0" u="none" strike="noStrike" cap="none" baseline="0">
+              <a:rPr lang="pl" sz="2400" b="0" i="0" u="none" strike="noStrike" cap="none" baseline="0" dirty="0">
                 <a:solidFill>
                   <a:schemeClr val="lt1"/>
                 </a:solidFill>
@@ -24231,7 +25304,7 @@
               <a:t>&gt;&gt;&gt; </a:t>
             </a:r>
             <a:r>
-              <a:rPr lang="pl" sz="2400" b="0" i="0" u="none" strike="noStrike" cap="none" baseline="0">
+              <a:rPr lang="pl" sz="2400" b="0" i="0" u="none" strike="noStrike" cap="none" baseline="0" dirty="0">
                 <a:solidFill>
                   <a:srgbClr val="00FF00"/>
                 </a:solidFill>
@@ -24243,7 +25316,7 @@
               <a:t>purse</a:t>
             </a:r>
             <a:r>
-              <a:rPr lang="pl" sz="2400" b="0" i="0" u="none" strike="noStrike" cap="none" baseline="0">
+              <a:rPr lang="pl" sz="2400" b="0" i="0" u="none" strike="noStrike" cap="none" baseline="0" dirty="0">
                 <a:solidFill>
                   <a:srgbClr val="00FFFF"/>
                 </a:solidFill>
@@ -24255,7 +25328,7 @@
               <a:t>['pieniądze']</a:t>
             </a:r>
             <a:r>
-              <a:rPr lang="pl" sz="2400" b="0" i="0" u="none" strike="noStrike" cap="none" baseline="0">
+              <a:rPr lang="pl" sz="2400" b="0" i="0" u="none" strike="noStrike" cap="none" baseline="0" dirty="0">
                 <a:solidFill>
                   <a:schemeClr val="lt1"/>
                 </a:solidFill>
@@ -24286,7 +25359,7 @@
               <a:buNone/>
             </a:pPr>
             <a:r>
-              <a:rPr lang="pl" sz="2400" b="0" i="0" u="none" strike="noStrike" cap="none" baseline="0">
+              <a:rPr lang="pl" sz="2400" b="0" i="0" u="none" strike="noStrike" cap="none" baseline="0" dirty="0">
                 <a:solidFill>
                   <a:schemeClr val="lt1"/>
                 </a:solidFill>
@@ -24298,7 +25371,7 @@
               <a:t>&gt;&gt;&gt; </a:t>
             </a:r>
             <a:r>
-              <a:rPr lang="pl" sz="2400" b="0" i="0" u="none" strike="noStrike" cap="none" baseline="0">
+              <a:rPr lang="pl" sz="2400" b="0" i="0" u="none" strike="noStrike" cap="none" baseline="0" dirty="0">
                 <a:solidFill>
                   <a:srgbClr val="00FF00"/>
                 </a:solidFill>
@@ -24310,7 +25383,7 @@
               <a:t>purse</a:t>
             </a:r>
             <a:r>
-              <a:rPr lang="pl" sz="2400" b="0" i="0" u="none" strike="noStrike" cap="none" baseline="0">
+              <a:rPr lang="pl" sz="2400" b="0" i="0" u="none" strike="noStrike" cap="none" baseline="0" dirty="0">
                 <a:solidFill>
                   <a:srgbClr val="00FFFF"/>
                 </a:solidFill>
@@ -24322,7 +25395,7 @@
               <a:t>['słodycze']</a:t>
             </a:r>
             <a:r>
-              <a:rPr lang="pl" sz="2400" b="0" i="0" u="none" strike="noStrike" cap="none" baseline="0">
+              <a:rPr lang="pl" sz="2400" b="0" i="0" u="none" strike="noStrike" cap="none" baseline="0" dirty="0">
                 <a:solidFill>
                   <a:schemeClr val="lt1"/>
                 </a:solidFill>
@@ -24353,7 +25426,7 @@
               <a:buNone/>
             </a:pPr>
             <a:r>
-              <a:rPr lang="pl" sz="2400" b="0" i="0" u="none" strike="noStrike" cap="none" baseline="0">
+              <a:rPr lang="pl" sz="2400" b="0" i="0" u="none" strike="noStrike" cap="none" baseline="0" dirty="0">
                 <a:solidFill>
                   <a:schemeClr val="lt1"/>
                 </a:solidFill>
@@ -24365,7 +25438,7 @@
               <a:t>&gt;&gt;&gt; </a:t>
             </a:r>
             <a:r>
-              <a:rPr lang="pl" sz="2400" b="0" i="0" u="none" strike="noStrike" cap="none" baseline="0">
+              <a:rPr lang="pl" sz="2400" b="0" i="0" u="none" strike="noStrike" cap="none" baseline="0" dirty="0">
                 <a:solidFill>
                   <a:srgbClr val="00FF00"/>
                 </a:solidFill>
@@ -24377,7 +25450,7 @@
               <a:t>purse</a:t>
             </a:r>
             <a:r>
-              <a:rPr lang="pl" sz="2400" b="0" i="0" u="none" strike="noStrike" cap="none" baseline="0">
+              <a:rPr lang="pl" sz="2400" b="0" i="0" u="none" strike="noStrike" cap="none" baseline="0" dirty="0">
                 <a:solidFill>
                   <a:srgbClr val="00FFFF"/>
                 </a:solidFill>
@@ -24389,7 +25462,7 @@
               <a:t>['chusteczki']</a:t>
             </a:r>
             <a:r>
-              <a:rPr lang="pl" sz="2400" b="0" i="0" u="none" strike="noStrike" cap="none" baseline="0">
+              <a:rPr lang="pl" sz="2400" b="0" i="0" u="none" strike="noStrike" cap="none" baseline="0" dirty="0">
                 <a:solidFill>
                   <a:schemeClr val="lt1"/>
                 </a:solidFill>
@@ -24420,7 +25493,7 @@
               <a:buNone/>
             </a:pPr>
             <a:r>
-              <a:rPr lang="pl" sz="2400" b="0" i="0" u="none" strike="noStrike" cap="none" baseline="0">
+              <a:rPr lang="pl" sz="2400" b="0" i="0" u="none" strike="noStrike" cap="none" baseline="0" dirty="0">
                 <a:solidFill>
                   <a:schemeClr val="lt1"/>
                 </a:solidFill>
@@ -24432,7 +25505,7 @@
               <a:t>&gt;&gt;&gt; </a:t>
             </a:r>
             <a:r>
-              <a:rPr lang="pl" sz="2400" b="0" i="0" u="none" strike="noStrike" cap="none" baseline="0">
+              <a:rPr lang="pl" sz="2400" b="0" i="0" u="none" strike="noStrike" cap="none" baseline="0" dirty="0">
                 <a:solidFill>
                   <a:srgbClr val="FFFF00"/>
                 </a:solidFill>
@@ -24444,7 +25517,7 @@
               <a:t>print(</a:t>
             </a:r>
             <a:r>
-              <a:rPr lang="pl" sz="2400" b="0" i="0" u="none" strike="noStrike" cap="none" baseline="0">
+              <a:rPr lang="pl" sz="2400" b="0" i="0" u="none" strike="noStrike" cap="none" baseline="0" dirty="0">
                 <a:solidFill>
                   <a:srgbClr val="00FF00"/>
                 </a:solidFill>
@@ -24456,7 +25529,7 @@
               <a:t>purse</a:t>
             </a:r>
             <a:r>
-              <a:rPr lang="pl" sz="2400" b="0" i="0" u="none" strike="noStrike" cap="none" baseline="0">
+              <a:rPr lang="pl" sz="2400" b="0" i="0" u="none" strike="noStrike" cap="none" baseline="0" dirty="0">
                 <a:solidFill>
                   <a:srgbClr val="FFFF00"/>
                 </a:solidFill>
@@ -24496,16 +25569,40 @@
               <a:buNone/>
             </a:pPr>
             <a:r>
-              <a:rPr lang="pl" sz="2400" b="0" i="0" u="none" strike="noStrike" cap="none" baseline="0">
-                <a:solidFill>
-                  <a:schemeClr val="lt1"/>
-                </a:solidFill>
-                <a:latin typeface="Courier"/>
-                <a:ea typeface="Courier"/>
-                <a:cs typeface="Courier"/>
-                <a:sym typeface="Courier New"/>
-              </a:rPr>
-              <a:t>{'pieniądze': 12, 'chusteczki': 75, 'słodycze': 3}</a:t>
+              <a:rPr lang="pl" sz="2400" b="0" i="0" u="none" strike="noStrike" cap="none" baseline="0" dirty="0">
+                <a:solidFill>
+                  <a:schemeClr val="lt1"/>
+                </a:solidFill>
+                <a:latin typeface="Courier"/>
+                <a:ea typeface="Courier"/>
+                <a:cs typeface="Courier"/>
+                <a:sym typeface="Courier New"/>
+              </a:rPr>
+              <a:t>{'pieniądze': 12, 'słodycze’: 3</a:t>
+            </a:r>
+            <a:r>
+              <a:rPr lang="en-US" sz="2400" dirty="0">
+                <a:solidFill>
+                  <a:schemeClr val="lt1"/>
+                </a:solidFill>
+                <a:latin typeface="Courier"/>
+                <a:ea typeface="Courier"/>
+                <a:cs typeface="Courier"/>
+                <a:sym typeface="Courier New"/>
+              </a:rPr>
+              <a:t>,</a:t>
+            </a:r>
+            <a:r>
+              <a:rPr lang="pl" sz="2400" b="0" i="0" u="none" strike="noStrike" cap="none" baseline="0" dirty="0">
+                <a:solidFill>
+                  <a:schemeClr val="lt1"/>
+                </a:solidFill>
+                <a:latin typeface="Courier"/>
+                <a:ea typeface="Courier"/>
+                <a:cs typeface="Courier"/>
+                <a:sym typeface="Courier New"/>
+              </a:rPr>
+              <a:t> 'chusteczki': 75}</a:t>
             </a:r>
           </a:p>
           <a:p>
@@ -24516,7 +25613,7 @@
               <a:buSzPct val="25000"/>
             </a:pPr>
             <a:r>
-              <a:rPr lang="pl" sz="2400" b="0" i="0" u="none" strike="noStrike" cap="none" baseline="0">
+              <a:rPr lang="pl" sz="2400" b="0" i="0" u="none" strike="noStrike" cap="none" baseline="0" dirty="0">
                 <a:solidFill>
                   <a:schemeClr val="lt1"/>
                 </a:solidFill>
@@ -24528,7 +25625,7 @@
               <a:t>&gt;&gt;&gt; </a:t>
             </a:r>
             <a:r>
-              <a:rPr lang="pl" sz="2400" b="0" i="0" u="none" strike="noStrike" cap="none" baseline="0">
+              <a:rPr lang="pl" sz="2400" b="0" i="0" u="none" strike="noStrike" cap="none" baseline="0" dirty="0">
                 <a:solidFill>
                   <a:srgbClr val="FFFF00"/>
                 </a:solidFill>
@@ -24540,7 +25637,7 @@
               <a:t>print(</a:t>
             </a:r>
             <a:r>
-              <a:rPr lang="pl" sz="2400" b="0" i="0" u="none" strike="noStrike" cap="none" baseline="0">
+              <a:rPr lang="pl" sz="2400" b="0" i="0" u="none" strike="noStrike" cap="none" baseline="0" dirty="0">
                 <a:solidFill>
                   <a:srgbClr val="00FF00"/>
                 </a:solidFill>
@@ -24552,7 +25649,7 @@
               <a:t>purse</a:t>
             </a:r>
             <a:r>
-              <a:rPr lang="pl" sz="2400" b="0" i="0" u="none" strike="noStrike" cap="none" baseline="0">
+              <a:rPr lang="pl" sz="2400" b="0" i="0" u="none" strike="noStrike" cap="none" baseline="0" dirty="0">
                 <a:solidFill>
                   <a:srgbClr val="00FFFF"/>
                 </a:solidFill>
@@ -24564,7 +25661,7 @@
               <a:t>['słodycze']</a:t>
             </a:r>
             <a:r>
-              <a:rPr lang="pl" sz="2400" b="0" i="0" u="none" baseline="0">
+              <a:rPr lang="pl" sz="2400" b="0" i="0" u="none" baseline="0" dirty="0">
                 <a:solidFill>
                   <a:srgbClr val="FFFF00"/>
                 </a:solidFill>
@@ -24604,7 +25701,7 @@
               <a:buNone/>
             </a:pPr>
             <a:r>
-              <a:rPr lang="pl" sz="2400" b="0" i="0" u="none" strike="noStrike" cap="none" baseline="0">
+              <a:rPr lang="pl" sz="2400" b="0" i="0" u="none" strike="noStrike" cap="none" baseline="0" dirty="0">
                 <a:solidFill>
                   <a:schemeClr val="lt1"/>
                 </a:solidFill>
@@ -24635,7 +25732,7 @@
               <a:buNone/>
             </a:pPr>
             <a:r>
-              <a:rPr lang="pl" sz="2400" b="0" i="0" u="none" strike="noStrike" cap="none" baseline="0">
+              <a:rPr lang="pl" sz="2400" b="0" i="0" u="none" strike="noStrike" cap="none" baseline="0" dirty="0">
                 <a:solidFill>
                   <a:schemeClr val="lt1"/>
                 </a:solidFill>
@@ -24647,7 +25744,7 @@
               <a:t>&gt;&gt;&gt; </a:t>
             </a:r>
             <a:r>
-              <a:rPr lang="pl" sz="2400" b="0" i="0" u="none" strike="noStrike" cap="none" baseline="0">
+              <a:rPr lang="pl" sz="2400" b="0" i="0" u="none" strike="noStrike" cap="none" baseline="0" dirty="0">
                 <a:solidFill>
                   <a:srgbClr val="00FF00"/>
                 </a:solidFill>
@@ -24659,7 +25756,7 @@
               <a:t>purse</a:t>
             </a:r>
             <a:r>
-              <a:rPr lang="pl" sz="2400" b="0" i="0" u="none" strike="noStrike" cap="none" baseline="0">
+              <a:rPr lang="pl" sz="2400" b="0" i="0" u="none" strike="noStrike" cap="none" baseline="0" dirty="0">
                 <a:solidFill>
                   <a:srgbClr val="00FFFF"/>
                 </a:solidFill>
@@ -24671,7 +25768,7 @@
               <a:t>['słodycze']</a:t>
             </a:r>
             <a:r>
-              <a:rPr lang="pl" sz="2400" b="0" i="0" u="none" strike="noStrike" cap="none" baseline="0">
+              <a:rPr lang="pl" sz="2400" b="0" i="0" u="none" strike="noStrike" cap="none" baseline="0" dirty="0">
                 <a:solidFill>
                   <a:schemeClr val="lt1"/>
                 </a:solidFill>
@@ -24683,7 +25780,7 @@
               <a:t> = </a:t>
             </a:r>
             <a:r>
-              <a:rPr lang="pl" sz="2400" b="0" i="0" u="none" strike="noStrike" cap="none" baseline="0">
+              <a:rPr lang="pl" sz="2400" b="0" i="0" u="none" strike="noStrike" cap="none" baseline="0" dirty="0">
                 <a:solidFill>
                   <a:srgbClr val="00FF00"/>
                 </a:solidFill>
@@ -24695,7 +25792,7 @@
               <a:t>purse</a:t>
             </a:r>
             <a:r>
-              <a:rPr lang="pl" sz="2400" b="0" i="0" u="none" strike="noStrike" cap="none" baseline="0">
+              <a:rPr lang="pl" sz="2400" b="0" i="0" u="none" strike="noStrike" cap="none" baseline="0" dirty="0">
                 <a:solidFill>
                   <a:srgbClr val="00FFFF"/>
                 </a:solidFill>
@@ -24707,7 +25804,7 @@
               <a:t>['słodycze']</a:t>
             </a:r>
             <a:r>
-              <a:rPr lang="pl" sz="2400" b="0" i="0" u="none" strike="noStrike" cap="none" baseline="0">
+              <a:rPr lang="pl" sz="2400" b="0" i="0" u="none" strike="noStrike" cap="none" baseline="0" dirty="0">
                 <a:solidFill>
                   <a:schemeClr val="lt1"/>
                 </a:solidFill>
@@ -24727,7 +25824,7 @@
               <a:buSzPct val="25000"/>
             </a:pPr>
             <a:r>
-              <a:rPr lang="pl" sz="2400" b="0" i="0" u="none" strike="noStrike" cap="none" baseline="0">
+              <a:rPr lang="pl" sz="2400" b="0" i="0" u="none" strike="noStrike" cap="none" baseline="0" dirty="0">
                 <a:solidFill>
                   <a:schemeClr val="lt1"/>
                 </a:solidFill>
@@ -24739,7 +25836,7 @@
               <a:t>&gt;&gt;&gt; </a:t>
             </a:r>
             <a:r>
-              <a:rPr lang="pl" sz="2400" b="0" i="0" u="none" strike="noStrike" cap="none" baseline="0">
+              <a:rPr lang="pl" sz="2400" b="0" i="0" u="none" strike="noStrike" cap="none" baseline="0" dirty="0">
                 <a:solidFill>
                   <a:srgbClr val="FFFF00"/>
                 </a:solidFill>
@@ -24751,7 +25848,7 @@
               <a:t>print(</a:t>
             </a:r>
             <a:r>
-              <a:rPr lang="pl" sz="2400" b="0" i="0" u="none" strike="noStrike" cap="none" baseline="0">
+              <a:rPr lang="pl" sz="2400" b="0" i="0" u="none" strike="noStrike" cap="none" baseline="0" dirty="0">
                 <a:solidFill>
                   <a:srgbClr val="00FF00"/>
                 </a:solidFill>
@@ -24763,7 +25860,7 @@
               <a:t>purse</a:t>
             </a:r>
             <a:r>
-              <a:rPr lang="pl" sz="2400" b="0" i="0" u="none" baseline="0">
+              <a:rPr lang="pl" sz="2400" b="0" i="0" u="none" baseline="0" dirty="0">
                 <a:solidFill>
                   <a:srgbClr val="FFFF00"/>
                 </a:solidFill>
@@ -24803,19 +25900,31 @@
               <a:buNone/>
             </a:pPr>
             <a:r>
-              <a:rPr lang="pl" sz="2400" b="0" i="0" u="none" strike="noStrike" cap="none" baseline="0">
-                <a:solidFill>
-                  <a:schemeClr val="lt1"/>
-                </a:solidFill>
-                <a:latin typeface="Courier"/>
-                <a:ea typeface="Courier"/>
-                <a:cs typeface="Courier"/>
-                <a:sym typeface="Courier New"/>
-              </a:rPr>
-              <a:t>{'pieniądze': 12, 'chusteczki': 75, </a:t>
-            </a:r>
-            <a:r>
-              <a:rPr lang="pl" sz="2400" b="0" i="0" u="none" strike="noStrike" cap="none" baseline="0">
+              <a:rPr lang="pl" sz="2400" b="0" i="0" u="none" strike="noStrike" cap="none" baseline="0" dirty="0">
+                <a:solidFill>
+                  <a:schemeClr val="lt1"/>
+                </a:solidFill>
+                <a:latin typeface="Courier"/>
+                <a:ea typeface="Courier"/>
+                <a:cs typeface="Courier"/>
+                <a:sym typeface="Courier New"/>
+              </a:rPr>
+              <a:t>{'pieniądze': 12,</a:t>
+            </a:r>
+            <a:r>
+              <a:rPr lang="en-US" sz="2400" b="0" i="0" u="none" strike="noStrike" cap="none" baseline="0" dirty="0">
+                <a:solidFill>
+                  <a:schemeClr val="lt1"/>
+                </a:solidFill>
+                <a:latin typeface="Courier"/>
+                <a:ea typeface="Courier"/>
+                <a:cs typeface="Courier"/>
+                <a:sym typeface="Courier New"/>
+              </a:rPr>
+              <a:t> </a:t>
+            </a:r>
+            <a:r>
+              <a:rPr lang="pl" sz="2400" b="0" i="0" u="none" strike="noStrike" cap="none" baseline="0" dirty="0">
                 <a:solidFill>
                   <a:srgbClr val="00FFFF"/>
                 </a:solidFill>
@@ -24827,16 +25936,16 @@
               <a:t>'słodycze': 5</a:t>
             </a:r>
             <a:r>
-              <a:rPr lang="pl" sz="2400" b="0" i="0" u="none" strike="noStrike" cap="none" baseline="0">
-                <a:solidFill>
-                  <a:schemeClr val="lt1"/>
-                </a:solidFill>
-                <a:latin typeface="Courier"/>
-                <a:ea typeface="Courier"/>
-                <a:cs typeface="Courier"/>
-                <a:sym typeface="Courier New"/>
-              </a:rPr>
-              <a:t>}</a:t>
+              <a:rPr lang="pl" sz="2400" b="0" i="0" u="none" strike="noStrike" cap="none" baseline="0" dirty="0">
+                <a:solidFill>
+                  <a:schemeClr val="lt1"/>
+                </a:solidFill>
+                <a:latin typeface="Courier"/>
+                <a:ea typeface="Courier"/>
+                <a:cs typeface="Courier"/>
+                <a:sym typeface="Courier New"/>
+              </a:rPr>
+              <a:t>, 'chusteczki': 75}</a:t>
             </a:r>
           </a:p>
         </p:txBody>
@@ -25740,7 +26849,7 @@
               <a:buNone/>
             </a:pPr>
             <a:r>
-              <a:rPr lang="pl" sz="3000" b="0" i="0" u="none" strike="noStrike" cap="none" baseline="0">
+              <a:rPr lang="pl" sz="3000" b="0" i="0" u="none" strike="noStrike" cap="none" baseline="0" dirty="0">
                 <a:solidFill>
                   <a:srgbClr val="FF00FF"/>
                 </a:solidFill>
@@ -25752,7 +26861,7 @@
               <a:t>&gt;&gt;&gt; ddd =</a:t>
             </a:r>
             <a:r>
-              <a:rPr lang="pl" sz="3000" b="0" i="0" u="none" strike="noStrike" cap="none" baseline="0">
+              <a:rPr lang="pl" sz="3000" b="0" i="0" u="none" strike="noStrike" cap="none" baseline="0" dirty="0">
                 <a:solidFill>
                   <a:srgbClr val="0000FF"/>
                 </a:solidFill>
@@ -25764,7 +26873,7 @@
               <a:t> </a:t>
             </a:r>
             <a:r>
-              <a:rPr lang="pl" sz="3000" b="0" i="0" u="none" strike="noStrike" cap="none" baseline="0">
+              <a:rPr lang="pl" sz="3000" b="0" i="0" u="none" strike="noStrike" cap="none" baseline="0" dirty="0">
                 <a:solidFill>
                   <a:srgbClr val="00FFFF"/>
                 </a:solidFill>
@@ -25795,7 +26904,7 @@
               <a:buNone/>
             </a:pPr>
             <a:r>
-              <a:rPr lang="pl" sz="3000" b="0" i="0" u="none" strike="noStrike" cap="none" baseline="0">
+              <a:rPr lang="pl" sz="3000" b="0" i="0" u="none" strike="noStrike" cap="none" baseline="0" dirty="0">
                 <a:solidFill>
                   <a:srgbClr val="FF00FF"/>
                 </a:solidFill>
@@ -25807,7 +26916,7 @@
               <a:t>&gt;&gt;&gt; ddd[</a:t>
             </a:r>
             <a:r>
-              <a:rPr lang="pl" sz="3000" b="0" i="0" u="none" strike="noStrike" cap="none" baseline="0">
+              <a:rPr lang="pl" sz="3000" b="0" i="0" u="none" strike="noStrike" cap="none" baseline="0" dirty="0">
                 <a:solidFill>
                   <a:srgbClr val="FF7F00"/>
                 </a:solidFill>
@@ -25819,7 +26928,7 @@
               <a:t>'wiek'</a:t>
             </a:r>
             <a:r>
-              <a:rPr lang="pl" sz="3000" b="0" i="0" u="none" strike="noStrike" cap="none" baseline="0">
+              <a:rPr lang="pl" sz="3000" b="0" i="0" u="none" strike="noStrike" cap="none" baseline="0" dirty="0">
                 <a:solidFill>
                   <a:srgbClr val="FF00FF"/>
                 </a:solidFill>
@@ -25831,7 +26940,7 @@
               <a:t>] = </a:t>
             </a:r>
             <a:r>
-              <a:rPr lang="pl" sz="3000" b="0" i="0" u="none" strike="noStrike" cap="none" baseline="0">
+              <a:rPr lang="pl" sz="3000" b="0" i="0" u="none" strike="noStrike" cap="none" baseline="0" dirty="0">
                 <a:solidFill>
                   <a:srgbClr val="FFFF00"/>
                 </a:solidFill>
@@ -25862,7 +26971,7 @@
               <a:buNone/>
             </a:pPr>
             <a:r>
-              <a:rPr lang="pl" sz="3000" b="0" i="0" u="none" strike="noStrike" cap="none" baseline="0">
+              <a:rPr lang="pl" sz="3000" b="0" i="0" u="none" strike="noStrike" cap="none" baseline="0" dirty="0">
                 <a:solidFill>
                   <a:srgbClr val="FF00FF"/>
                 </a:solidFill>
@@ -25874,7 +26983,7 @@
               <a:t>&gt;&gt;&gt; ddd[</a:t>
             </a:r>
             <a:r>
-              <a:rPr lang="pl" sz="3000" b="0" i="0" u="none" strike="noStrike" cap="none" baseline="0">
+              <a:rPr lang="pl" sz="3000" b="0" i="0" u="none" strike="noStrike" cap="none" baseline="0" dirty="0">
                 <a:solidFill>
                   <a:srgbClr val="FF7F00"/>
                 </a:solidFill>
@@ -25886,7 +26995,7 @@
               <a:t>'kurs'</a:t>
             </a:r>
             <a:r>
-              <a:rPr lang="pl" sz="3000" b="0" i="0" u="none" strike="noStrike" cap="none" baseline="0">
+              <a:rPr lang="pl" sz="3000" b="0" i="0" u="none" strike="noStrike" cap="none" baseline="0" dirty="0">
                 <a:solidFill>
                   <a:srgbClr val="FF00FF"/>
                 </a:solidFill>
@@ -25898,7 +27007,7 @@
               <a:t>] = </a:t>
             </a:r>
             <a:r>
-              <a:rPr lang="pl" sz="3000" b="0" i="0" u="none" strike="noStrike" cap="none" baseline="0">
+              <a:rPr lang="pl" sz="3000" b="0" i="0" u="none" strike="noStrike" cap="none" baseline="0" dirty="0">
                 <a:solidFill>
                   <a:srgbClr val="FFFF00"/>
                 </a:solidFill>
@@ -25918,7 +27027,7 @@
               <a:buSzPct val="25000"/>
             </a:pPr>
             <a:r>
-              <a:rPr lang="pl" sz="3000" b="0" i="0" u="none" strike="noStrike" cap="none" baseline="0">
+              <a:rPr lang="pl" sz="3000" b="0" i="0" u="none" strike="noStrike" cap="none" baseline="0" dirty="0">
                 <a:solidFill>
                   <a:srgbClr val="FF00FF"/>
                 </a:solidFill>
@@ -25930,7 +27039,7 @@
               <a:t>&gt;&gt;&gt; </a:t>
             </a:r>
             <a:r>
-              <a:rPr lang="pl" sz="3000" b="0" i="0" u="none" strike="noStrike" cap="none" baseline="0">
+              <a:rPr lang="pl" sz="3000" b="0" i="0" u="none" strike="noStrike" cap="none" baseline="0" dirty="0">
                 <a:solidFill>
                   <a:srgbClr val="FFFF00"/>
                 </a:solidFill>
@@ -25942,7 +27051,7 @@
               <a:t>print(</a:t>
             </a:r>
             <a:r>
-              <a:rPr lang="pl" sz="3000" b="0" i="0" u="none" strike="noStrike" cap="none" baseline="0">
+              <a:rPr lang="pl" sz="3000" b="0" i="0" u="none" strike="noStrike" cap="none" baseline="0" dirty="0">
                 <a:solidFill>
                   <a:srgbClr val="FF00FF"/>
                 </a:solidFill>
@@ -25954,7 +27063,7 @@
               <a:t>ddd</a:t>
             </a:r>
             <a:r>
-              <a:rPr lang="pl" sz="3000" b="0" i="0" u="none" baseline="0">
+              <a:rPr lang="pl" sz="3000" b="0" i="0" u="none" baseline="0" dirty="0">
                 <a:solidFill>
                   <a:srgbClr val="FFFF00"/>
                 </a:solidFill>
@@ -25994,7 +27103,7 @@
               <a:buNone/>
             </a:pPr>
             <a:r>
-              <a:rPr lang="pl" sz="3000" b="0" i="0" u="none" strike="noStrike" cap="none" baseline="0">
+              <a:rPr lang="pl" sz="3000" b="0" i="0" u="none" strike="noStrike" cap="none" baseline="0" dirty="0">
                 <a:solidFill>
                   <a:srgbClr val="FF00FF"/>
                 </a:solidFill>
@@ -26006,7 +27115,7 @@
               <a:t>{</a:t>
             </a:r>
             <a:r>
-              <a:rPr lang="pl" sz="3000" b="0" i="0" u="none" strike="noStrike" cap="none" baseline="0">
+              <a:rPr lang="pl" sz="3000" b="0" i="0" u="none" strike="noStrike" cap="none" baseline="0" dirty="0">
                 <a:solidFill>
                   <a:srgbClr val="FF7F00"/>
                 </a:solidFill>
@@ -26015,10 +27124,70 @@
                 <a:cs typeface="Courier"/>
                 <a:sym typeface="Courier New"/>
               </a:rPr>
+              <a:t>'wiek'</a:t>
+            </a:r>
+            <a:r>
+              <a:rPr lang="pl" sz="3000" b="0" i="0" u="none" strike="noStrike" cap="none" baseline="0" dirty="0">
+                <a:solidFill>
+                  <a:srgbClr val="FF00FF"/>
+                </a:solidFill>
+                <a:latin typeface="Courier"/>
+                <a:ea typeface="Courier"/>
+                <a:cs typeface="Courier"/>
+                <a:sym typeface="Courier New"/>
+              </a:rPr>
+              <a:t>: </a:t>
+            </a:r>
+            <a:r>
+              <a:rPr lang="pl" sz="3000" b="0" i="0" u="none" strike="noStrike" cap="none" baseline="0" dirty="0">
+                <a:solidFill>
+                  <a:srgbClr val="FFFF00"/>
+                </a:solidFill>
+                <a:latin typeface="Courier"/>
+                <a:ea typeface="Courier"/>
+                <a:cs typeface="Courier"/>
+                <a:sym typeface="Courier New"/>
+              </a:rPr>
+              <a:t>21</a:t>
+            </a:r>
+            <a:r>
+              <a:rPr lang="pl" sz="3000" b="0" i="0" u="none" strike="noStrike" cap="none" baseline="0" dirty="0">
+                <a:solidFill>
+                  <a:srgbClr val="FF00FF"/>
+                </a:solidFill>
+                <a:latin typeface="Courier"/>
+                <a:ea typeface="Courier"/>
+                <a:cs typeface="Courier"/>
+                <a:sym typeface="Courier New"/>
+              </a:rPr>
+              <a:t>,</a:t>
+            </a:r>
+            <a:r>
+              <a:rPr lang="pl" sz="3000" b="0" i="0" u="none" strike="noStrike" cap="none" baseline="0" dirty="0">
+                <a:solidFill>
+                  <a:srgbClr val="FFFF00"/>
+                </a:solidFill>
+                <a:latin typeface="Courier"/>
+                <a:ea typeface="Courier"/>
+                <a:cs typeface="Courier"/>
+                <a:sym typeface="Courier New"/>
+              </a:rPr>
+              <a:t> </a:t>
+            </a:r>
+            <a:r>
+              <a:rPr lang="pl" sz="3000" b="0" i="0" u="none" strike="noStrike" cap="none" baseline="0" dirty="0">
+                <a:solidFill>
+                  <a:srgbClr val="FF7F00"/>
+                </a:solidFill>
+                <a:latin typeface="Courier"/>
+                <a:ea typeface="Courier"/>
+                <a:cs typeface="Courier"/>
+                <a:sym typeface="Courier New"/>
+              </a:rPr>
               <a:t>'kurs'</a:t>
             </a:r>
             <a:r>
-              <a:rPr lang="pl" sz="3000" b="0" i="0" u="none" strike="noStrike" cap="none" baseline="0">
+              <a:rPr lang="pl" sz="3000" b="0" i="0" u="none" strike="noStrike" cap="none" baseline="0" dirty="0">
                 <a:solidFill>
                   <a:srgbClr val="FF00FF"/>
                 </a:solidFill>
@@ -26030,7 +27199,7 @@
               <a:t>: </a:t>
             </a:r>
             <a:r>
-              <a:rPr lang="pl" sz="3000" b="0" i="0" u="none" strike="noStrike" cap="none" baseline="0">
+              <a:rPr lang="pl" sz="3000" b="0" i="0" u="none" strike="noStrike" cap="none" baseline="0" dirty="0">
                 <a:solidFill>
                   <a:srgbClr val="FFFF00"/>
                 </a:solidFill>
@@ -26042,55 +27211,7 @@
               <a:t>182</a:t>
             </a:r>
             <a:r>
-              <a:rPr lang="pl" sz="3000" b="0" i="0" u="none" strike="noStrike" cap="none" baseline="0">
-                <a:solidFill>
-                  <a:srgbClr val="FF00FF"/>
-                </a:solidFill>
-                <a:latin typeface="Courier"/>
-                <a:ea typeface="Courier"/>
-                <a:cs typeface="Courier"/>
-                <a:sym typeface="Courier New"/>
-              </a:rPr>
-              <a:t>, </a:t>
-            </a:r>
-            <a:r>
-              <a:rPr lang="pl" sz="3000" b="0" i="0" u="none" strike="noStrike" cap="none" baseline="0">
-                <a:solidFill>
-                  <a:srgbClr val="FF7F00"/>
-                </a:solidFill>
-                <a:latin typeface="Courier"/>
-                <a:ea typeface="Courier"/>
-                <a:cs typeface="Courier"/>
-                <a:sym typeface="Courier New"/>
-              </a:rPr>
-              <a:t>'wiek'</a:t>
-            </a:r>
-            <a:r>
-              <a:rPr lang="pl" sz="3000" b="0" i="0" u="none" strike="noStrike" cap="none" baseline="0">
-                <a:solidFill>
-                  <a:srgbClr val="FF00FF"/>
-                </a:solidFill>
-                <a:latin typeface="Courier"/>
-                <a:ea typeface="Courier"/>
-                <a:cs typeface="Courier"/>
-                <a:sym typeface="Courier New"/>
-              </a:rPr>
-              <a:t>: </a:t>
-            </a:r>
-            <a:r>
-              <a:rPr lang="pl" sz="3000" b="0" i="0" u="none" strike="noStrike" cap="none" baseline="0">
-                <a:solidFill>
-                  <a:srgbClr val="FFFF00"/>
-                </a:solidFill>
-                <a:latin typeface="Courier"/>
-                <a:ea typeface="Courier"/>
-                <a:cs typeface="Courier"/>
-                <a:sym typeface="Courier New"/>
-              </a:rPr>
-              <a:t>21</a:t>
-            </a:r>
-            <a:r>
-              <a:rPr lang="pl" sz="3000" b="0" i="0" u="none" strike="noStrike" cap="none" baseline="0">
+              <a:rPr lang="pl" sz="3000" b="0" i="0" u="none" strike="noStrike" cap="none" baseline="0" dirty="0">
                 <a:solidFill>
                   <a:srgbClr val="FF00FF"/>
                 </a:solidFill>
@@ -26121,7 +27242,7 @@
               <a:buNone/>
             </a:pPr>
             <a:r>
-              <a:rPr lang="pl" sz="3000" b="0" i="0" u="none" strike="noStrike" cap="none" baseline="0">
+              <a:rPr lang="pl" sz="3000" b="0" i="0" u="none" strike="noStrike" cap="none" baseline="0" dirty="0">
                 <a:solidFill>
                   <a:srgbClr val="FF00FF"/>
                 </a:solidFill>
@@ -26133,7 +27254,7 @@
               <a:t>&gt;&gt;&gt; ddd[</a:t>
             </a:r>
             <a:r>
-              <a:rPr lang="pl" sz="3000" b="0" i="0" u="none" strike="noStrike" cap="none" baseline="0">
+              <a:rPr lang="pl" sz="3000" b="0" i="0" u="none" strike="noStrike" cap="none" baseline="0" dirty="0">
                 <a:solidFill>
                   <a:srgbClr val="FF7F00"/>
                 </a:solidFill>
@@ -26145,7 +27266,7 @@
               <a:t>'wiek'</a:t>
             </a:r>
             <a:r>
-              <a:rPr lang="pl" sz="3000" b="0" i="0" u="none" strike="noStrike" cap="none" baseline="0">
+              <a:rPr lang="pl" sz="3000" b="0" i="0" u="none" strike="noStrike" cap="none" baseline="0" dirty="0">
                 <a:solidFill>
                   <a:srgbClr val="FF00FF"/>
                 </a:solidFill>
@@ -26154,8 +27275,41 @@
                 <a:cs typeface="Courier"/>
                 <a:sym typeface="Courier New"/>
               </a:rPr>
-              <a:t>] = 23</a:t>
-            </a:r>
+              <a:t>] = </a:t>
+            </a:r>
+            <a:r>
+              <a:rPr lang="pl" sz="3000" b="0" i="0" u="none" strike="noStrike" cap="none" baseline="0" dirty="0">
+                <a:solidFill>
+                  <a:srgbClr val="FFFF00"/>
+                </a:solidFill>
+                <a:latin typeface="Courier"/>
+                <a:ea typeface="Courier"/>
+                <a:cs typeface="Courier"/>
+                <a:sym typeface="Courier New"/>
+              </a:rPr>
+              <a:t>2</a:t>
+            </a:r>
+            <a:r>
+              <a:rPr lang="en-US" sz="3000" b="0" i="0" u="none" strike="noStrike" cap="none" baseline="0" dirty="0">
+                <a:solidFill>
+                  <a:srgbClr val="FFFF00"/>
+                </a:solidFill>
+                <a:latin typeface="Courier"/>
+                <a:ea typeface="Courier"/>
+                <a:cs typeface="Courier"/>
+                <a:sym typeface="Courier New"/>
+              </a:rPr>
+              <a:t>3</a:t>
+            </a:r>
+            <a:endParaRPr lang="pl" sz="3000" b="0" i="0" u="none" strike="noStrike" cap="none" baseline="0" dirty="0">
+              <a:solidFill>
+                <a:srgbClr val="FF00FF"/>
+              </a:solidFill>
+              <a:latin typeface="Courier"/>
+              <a:ea typeface="Courier"/>
+              <a:cs typeface="Courier"/>
+              <a:sym typeface="Courier New"/>
+            </a:endParaRPr>
           </a:p>
           <a:p>
             <a:pPr lvl="0" algn="l" rtl="0">
@@ -26165,7 +27319,7 @@
               <a:buSzPct val="25000"/>
             </a:pPr>
             <a:r>
-              <a:rPr lang="pl" sz="3000" b="0" i="0" u="none" strike="noStrike" cap="none" baseline="0">
+              <a:rPr lang="pl" sz="3000" b="0" i="0" u="none" strike="noStrike" cap="none" baseline="0" dirty="0">
                 <a:solidFill>
                   <a:srgbClr val="FF00FF"/>
                 </a:solidFill>
@@ -26177,7 +27331,7 @@
               <a:t>&gt;&gt;&gt; </a:t>
             </a:r>
             <a:r>
-              <a:rPr lang="pl" sz="3000" b="0" i="0" u="none" strike="noStrike" cap="none" baseline="0">
+              <a:rPr lang="pl" sz="3000" b="0" i="0" u="none" strike="noStrike" cap="none" baseline="0" dirty="0">
                 <a:solidFill>
                   <a:srgbClr val="FFFF00"/>
                 </a:solidFill>
@@ -26189,7 +27343,7 @@
               <a:t>print(</a:t>
             </a:r>
             <a:r>
-              <a:rPr lang="pl" sz="3000" b="0" i="0" u="none" strike="noStrike" cap="none" baseline="0">
+              <a:rPr lang="pl" sz="3000" b="0" i="0" u="none" strike="noStrike" cap="none" baseline="0" dirty="0">
                 <a:solidFill>
                   <a:srgbClr val="FF00FF"/>
                 </a:solidFill>
@@ -26201,7 +27355,7 @@
               <a:t>ddd</a:t>
             </a:r>
             <a:r>
-              <a:rPr lang="pl" sz="3000" b="0" i="0" u="none" baseline="0">
+              <a:rPr lang="pl" sz="3000" b="0" i="0" u="none" baseline="0" dirty="0">
                 <a:solidFill>
                   <a:srgbClr val="FFFF00"/>
                 </a:solidFill>
@@ -26241,7 +27395,7 @@
               <a:buNone/>
             </a:pPr>
             <a:r>
-              <a:rPr lang="pl" sz="3000" b="0" i="0" u="none" strike="noStrike" cap="none" baseline="0">
+              <a:rPr lang="pl" sz="3000" b="0" i="0" u="none" strike="noStrike" cap="none" baseline="0" dirty="0">
                 <a:solidFill>
                   <a:srgbClr val="FF00FF"/>
                 </a:solidFill>
@@ -26253,7 +27407,7 @@
               <a:t>{</a:t>
             </a:r>
             <a:r>
-              <a:rPr lang="pl" sz="3000" b="0" i="0" u="none" strike="noStrike" cap="none" baseline="0">
+              <a:rPr lang="pl" sz="3000" b="0" i="0" u="none" strike="noStrike" cap="none" baseline="0" dirty="0">
                 <a:solidFill>
                   <a:srgbClr val="FF7F00"/>
                 </a:solidFill>
@@ -26262,10 +27416,82 @@
                 <a:cs typeface="Courier"/>
                 <a:sym typeface="Courier New"/>
               </a:rPr>
+              <a:t>'wiek’</a:t>
+            </a:r>
+            <a:r>
+              <a:rPr lang="pl" sz="3000" b="0" i="0" u="none" strike="noStrike" cap="none" baseline="0" dirty="0">
+                <a:solidFill>
+                  <a:srgbClr val="FF00FF"/>
+                </a:solidFill>
+                <a:latin typeface="Courier"/>
+                <a:ea typeface="Courier"/>
+                <a:cs typeface="Courier"/>
+                <a:sym typeface="Courier New"/>
+              </a:rPr>
+              <a:t>: </a:t>
+            </a:r>
+            <a:r>
+              <a:rPr lang="pl" sz="3000" b="0" i="0" u="none" strike="noStrike" cap="none" baseline="0" dirty="0">
+                <a:solidFill>
+                  <a:srgbClr val="FFFF00"/>
+                </a:solidFill>
+                <a:latin typeface="Courier"/>
+                <a:ea typeface="Courier"/>
+                <a:cs typeface="Courier"/>
+                <a:sym typeface="Courier New"/>
+              </a:rPr>
+              <a:t>2</a:t>
+            </a:r>
+            <a:r>
+              <a:rPr lang="en-US" sz="3000" b="0" i="0" u="none" strike="noStrike" cap="none" baseline="0" dirty="0">
+                <a:solidFill>
+                  <a:srgbClr val="FFFF00"/>
+                </a:solidFill>
+                <a:latin typeface="Courier"/>
+                <a:ea typeface="Courier"/>
+                <a:cs typeface="Courier"/>
+                <a:sym typeface="Courier New"/>
+              </a:rPr>
+              <a:t>3</a:t>
+            </a:r>
+            <a:r>
+              <a:rPr lang="pl" sz="3000" b="0" i="0" u="none" strike="noStrike" cap="none" baseline="0" dirty="0">
+                <a:solidFill>
+                  <a:srgbClr val="FF00FF"/>
+                </a:solidFill>
+                <a:latin typeface="Courier"/>
+                <a:ea typeface="Courier"/>
+                <a:cs typeface="Courier"/>
+                <a:sym typeface="Courier New"/>
+              </a:rPr>
+              <a:t>,</a:t>
+            </a:r>
+            <a:r>
+              <a:rPr lang="pl" sz="3000" b="0" i="0" u="none" strike="noStrike" cap="none" baseline="0" dirty="0">
+                <a:solidFill>
+                  <a:srgbClr val="FFFF00"/>
+                </a:solidFill>
+                <a:latin typeface="Courier"/>
+                <a:ea typeface="Courier"/>
+                <a:cs typeface="Courier"/>
+                <a:sym typeface="Courier New"/>
+              </a:rPr>
+              <a:t> </a:t>
+            </a:r>
+            <a:r>
+              <a:rPr lang="pl" sz="3000" b="0" i="0" u="none" strike="noStrike" cap="none" baseline="0" dirty="0">
+                <a:solidFill>
+                  <a:srgbClr val="FF7F00"/>
+                </a:solidFill>
+                <a:latin typeface="Courier"/>
+                <a:ea typeface="Courier"/>
+                <a:cs typeface="Courier"/>
+                <a:sym typeface="Courier New"/>
+              </a:rPr>
               <a:t>'kurs'</a:t>
             </a:r>
             <a:r>
-              <a:rPr lang="pl" sz="3000" b="0" i="0" u="none" strike="noStrike" cap="none" baseline="0">
+              <a:rPr lang="pl" sz="3000" b="0" i="0" u="none" strike="noStrike" cap="none" baseline="0" dirty="0">
                 <a:solidFill>
                   <a:srgbClr val="FF00FF"/>
                 </a:solidFill>
@@ -26277,7 +27503,7 @@
               <a:t>: </a:t>
             </a:r>
             <a:r>
-              <a:rPr lang="pl" sz="3000" b="0" i="0" u="none" strike="noStrike" cap="none" baseline="0">
+              <a:rPr lang="pl" sz="3000" b="0" i="0" u="none" strike="noStrike" cap="none" baseline="0" dirty="0">
                 <a:solidFill>
                   <a:srgbClr val="FFFF00"/>
                 </a:solidFill>
@@ -26289,55 +27515,7 @@
               <a:t>182</a:t>
             </a:r>
             <a:r>
-              <a:rPr lang="pl" sz="3000" b="0" i="0" u="none" strike="noStrike" cap="none" baseline="0">
-                <a:solidFill>
-                  <a:srgbClr val="FF00FF"/>
-                </a:solidFill>
-                <a:latin typeface="Courier"/>
-                <a:ea typeface="Courier"/>
-                <a:cs typeface="Courier"/>
-                <a:sym typeface="Courier New"/>
-              </a:rPr>
-              <a:t>, </a:t>
-            </a:r>
-            <a:r>
-              <a:rPr lang="pl" sz="3000" b="0" i="0" u="none" strike="noStrike" cap="none" baseline="0">
-                <a:solidFill>
-                  <a:srgbClr val="FF7F00"/>
-                </a:solidFill>
-                <a:latin typeface="Courier"/>
-                <a:ea typeface="Courier"/>
-                <a:cs typeface="Courier"/>
-                <a:sym typeface="Courier New"/>
-              </a:rPr>
-              <a:t>'wiek'</a:t>
-            </a:r>
-            <a:r>
-              <a:rPr lang="pl" sz="3000" b="0" i="0" u="none" strike="noStrike" cap="none" baseline="0">
-                <a:solidFill>
-                  <a:srgbClr val="FF00FF"/>
-                </a:solidFill>
-                <a:latin typeface="Courier"/>
-                <a:ea typeface="Courier"/>
-                <a:cs typeface="Courier"/>
-                <a:sym typeface="Courier New"/>
-              </a:rPr>
-              <a:t>: </a:t>
-            </a:r>
-            <a:r>
-              <a:rPr lang="pl" sz="3000" b="0" i="0" u="none" strike="noStrike" cap="none" baseline="0">
-                <a:solidFill>
-                  <a:srgbClr val="FFFF00"/>
-                </a:solidFill>
-                <a:latin typeface="Courier"/>
-                <a:ea typeface="Courier"/>
-                <a:cs typeface="Courier"/>
-                <a:sym typeface="Courier New"/>
-              </a:rPr>
-              <a:t>23</a:t>
-            </a:r>
-            <a:r>
-              <a:rPr lang="pl" sz="3000" b="0" i="0" u="none" strike="noStrike" cap="none" baseline="0">
+              <a:rPr lang="pl" sz="3000" b="0" i="0" u="none" strike="noStrike" cap="none" baseline="0" dirty="0">
                 <a:solidFill>
                   <a:srgbClr val="FF00FF"/>
                 </a:solidFill>
@@ -26917,7 +28095,7 @@
               <a:buNone/>
             </a:pPr>
             <a:r>
-              <a:rPr lang="pl" sz="2800" b="0" i="0" u="none" strike="noStrike" cap="none" baseline="0">
+              <a:rPr lang="pl" sz="2800" b="0" i="0" u="none" strike="noStrike" cap="none" baseline="0" dirty="0">
                 <a:solidFill>
                   <a:srgbClr val="FF00FF"/>
                 </a:solidFill>
@@ -26929,7 +28107,7 @@
               <a:t>&gt;&gt;&gt; ddd = </a:t>
             </a:r>
             <a:r>
-              <a:rPr lang="pl" sz="2800" b="0" i="0" u="none" strike="noStrike" cap="none" baseline="0">
+              <a:rPr lang="pl" sz="2800" b="0" i="0" u="none" strike="noStrike" cap="none" baseline="0" dirty="0">
                 <a:solidFill>
                   <a:srgbClr val="00FFFF"/>
                 </a:solidFill>
@@ -26960,7 +28138,7 @@
               <a:buNone/>
             </a:pPr>
             <a:r>
-              <a:rPr lang="pl" sz="2800" b="0" i="0" u="none" strike="noStrike" cap="none" baseline="0">
+              <a:rPr lang="pl" sz="2800" b="0" i="0" u="none" strike="noStrike" cap="none" baseline="0" dirty="0">
                 <a:solidFill>
                   <a:srgbClr val="FF00FF"/>
                 </a:solidFill>
@@ -26972,7 +28150,7 @@
               <a:t>&gt;&gt;&gt; ddd[</a:t>
             </a:r>
             <a:r>
-              <a:rPr lang="pl" sz="2800" b="0" i="0" u="none" strike="noStrike" cap="none" baseline="0">
+              <a:rPr lang="pl" sz="2800" b="0" i="0" u="none" strike="noStrike" cap="none" baseline="0" dirty="0">
                 <a:solidFill>
                   <a:srgbClr val="FF7F00"/>
                 </a:solidFill>
@@ -26984,7 +28162,7 @@
               <a:t>'wiek'</a:t>
             </a:r>
             <a:r>
-              <a:rPr lang="pl" sz="2800" b="0" i="0" u="none" strike="noStrike" cap="none" baseline="0">
+              <a:rPr lang="pl" sz="2800" b="0" i="0" u="none" strike="noStrike" cap="none" baseline="0" dirty="0">
                 <a:solidFill>
                   <a:srgbClr val="FF00FF"/>
                 </a:solidFill>
@@ -26996,7 +28174,7 @@
               <a:t>] = </a:t>
             </a:r>
             <a:r>
-              <a:rPr lang="pl" sz="2800" b="0" i="0" u="none" strike="noStrike" cap="none" baseline="0">
+              <a:rPr lang="pl" sz="2800" b="0" i="0" u="none" strike="noStrike" cap="none" baseline="0" dirty="0">
                 <a:solidFill>
                   <a:srgbClr val="FFFF00"/>
                 </a:solidFill>
@@ -27027,7 +28205,7 @@
               <a:buNone/>
             </a:pPr>
             <a:r>
-              <a:rPr lang="pl" sz="2800" b="0" i="0" u="none" strike="noStrike" cap="none" baseline="0">
+              <a:rPr lang="pl" sz="2800" b="0" i="0" u="none" strike="noStrike" cap="none" baseline="0" dirty="0">
                 <a:solidFill>
                   <a:srgbClr val="FF00FF"/>
                 </a:solidFill>
@@ -27039,7 +28217,7 @@
               <a:t>&gt;&gt;&gt; ddd[</a:t>
             </a:r>
             <a:r>
-              <a:rPr lang="pl" sz="2800" b="0" i="0" u="none" strike="noStrike" cap="none" baseline="0">
+              <a:rPr lang="pl" sz="2800" b="0" i="0" u="none" strike="noStrike" cap="none" baseline="0" dirty="0">
                 <a:solidFill>
                   <a:srgbClr val="FF7F00"/>
                 </a:solidFill>
@@ -27051,7 +28229,7 @@
               <a:t>'kurs'</a:t>
             </a:r>
             <a:r>
-              <a:rPr lang="pl" sz="2800" b="0" i="0" u="none" strike="noStrike" cap="none" baseline="0">
+              <a:rPr lang="pl" sz="2800" b="0" i="0" u="none" strike="noStrike" cap="none" baseline="0" dirty="0">
                 <a:solidFill>
                   <a:srgbClr val="FF00FF"/>
                 </a:solidFill>
@@ -27063,7 +28241,7 @@
               <a:t>] = </a:t>
             </a:r>
             <a:r>
-              <a:rPr lang="pl" sz="2800" b="0" i="0" u="none" strike="noStrike" cap="none" baseline="0">
+              <a:rPr lang="pl" sz="2800" b="0" i="0" u="none" strike="noStrike" cap="none" baseline="0" dirty="0">
                 <a:solidFill>
                   <a:srgbClr val="FFFF00"/>
                 </a:solidFill>
@@ -27083,7 +28261,7 @@
               <a:buSzPct val="25000"/>
             </a:pPr>
             <a:r>
-              <a:rPr lang="pl" sz="2800" b="0" i="0" u="none" strike="noStrike" cap="none" baseline="0">
+              <a:rPr lang="pl" sz="2800" b="0" i="0" u="none" strike="noStrike" cap="none" baseline="0" dirty="0">
                 <a:solidFill>
                   <a:srgbClr val="FF00FF"/>
                 </a:solidFill>
@@ -27095,7 +28273,7 @@
               <a:t>&gt;&gt;&gt; </a:t>
             </a:r>
             <a:r>
-              <a:rPr lang="pl" sz="2800" b="0" i="0" u="none" strike="noStrike" cap="none" baseline="0">
+              <a:rPr lang="pl" sz="2800" b="0" i="0" u="none" strike="noStrike" cap="none" baseline="0" dirty="0">
                 <a:solidFill>
                   <a:srgbClr val="FFFF00"/>
                 </a:solidFill>
@@ -27107,7 +28285,7 @@
               <a:t>print(</a:t>
             </a:r>
             <a:r>
-              <a:rPr lang="pl" sz="2800" b="0" i="0" u="none" strike="noStrike" cap="none" baseline="0">
+              <a:rPr lang="pl" sz="2800" b="0" i="0" u="none" strike="noStrike" cap="none" baseline="0" dirty="0">
                 <a:solidFill>
                   <a:srgbClr val="FF00FF"/>
                 </a:solidFill>
@@ -27119,7 +28297,7 @@
               <a:t>ddd</a:t>
             </a:r>
             <a:r>
-              <a:rPr lang="pl" sz="2800" b="0" i="0" u="none" baseline="0">
+              <a:rPr lang="pl" sz="2800" b="0" i="0" u="none" baseline="0" dirty="0">
                 <a:solidFill>
                   <a:srgbClr val="FFFF00"/>
                 </a:solidFill>
@@ -27159,7 +28337,7 @@
               <a:buNone/>
             </a:pPr>
             <a:r>
-              <a:rPr lang="pl" sz="2800" b="0" i="0" u="none" strike="noStrike" cap="none" baseline="0">
+              <a:rPr lang="pl" sz="2800" b="0" i="0" u="none" strike="noStrike" cap="none" baseline="0" dirty="0">
                 <a:solidFill>
                   <a:srgbClr val="FF00FF"/>
                 </a:solidFill>
@@ -27171,7 +28349,7 @@
               <a:t>{</a:t>
             </a:r>
             <a:r>
-              <a:rPr lang="pl" sz="2800" b="0" i="0" u="none" strike="noStrike" cap="none" baseline="0">
+              <a:rPr lang="pl" sz="2800" b="0" i="0" u="none" strike="noStrike" cap="none" baseline="0" dirty="0">
                 <a:solidFill>
                   <a:srgbClr val="FF7F00"/>
                 </a:solidFill>
@@ -27180,10 +28358,70 @@
                 <a:cs typeface="Courier"/>
                 <a:sym typeface="Courier New"/>
               </a:rPr>
+              <a:t>'wiek'</a:t>
+            </a:r>
+            <a:r>
+              <a:rPr lang="pl" sz="2800" b="0" i="0" u="none" strike="noStrike" cap="none" baseline="0" dirty="0">
+                <a:solidFill>
+                  <a:srgbClr val="FF00FF"/>
+                </a:solidFill>
+                <a:latin typeface="Courier"/>
+                <a:ea typeface="Courier"/>
+                <a:cs typeface="Courier"/>
+                <a:sym typeface="Courier New"/>
+              </a:rPr>
+              <a:t>: </a:t>
+            </a:r>
+            <a:r>
+              <a:rPr lang="pl" sz="2800" b="0" i="0" u="none" strike="noStrike" cap="none" baseline="0" dirty="0">
+                <a:solidFill>
+                  <a:srgbClr val="FFFF00"/>
+                </a:solidFill>
+                <a:latin typeface="Courier"/>
+                <a:ea typeface="Courier"/>
+                <a:cs typeface="Courier"/>
+                <a:sym typeface="Courier New"/>
+              </a:rPr>
+              <a:t>21</a:t>
+            </a:r>
+            <a:r>
+              <a:rPr lang="pl" sz="2800" b="0" i="0" u="none" strike="noStrike" cap="none" baseline="0" dirty="0">
+                <a:solidFill>
+                  <a:srgbClr val="FF00FF"/>
+                </a:solidFill>
+                <a:latin typeface="Courier"/>
+                <a:ea typeface="Courier"/>
+                <a:cs typeface="Courier"/>
+                <a:sym typeface="Courier New"/>
+              </a:rPr>
+              <a:t>,</a:t>
+            </a:r>
+            <a:r>
+              <a:rPr lang="pl" sz="2800" b="0" i="0" u="none" strike="noStrike" cap="none" baseline="0" dirty="0">
+                <a:solidFill>
+                  <a:srgbClr val="FFFF00"/>
+                </a:solidFill>
+                <a:latin typeface="Courier"/>
+                <a:ea typeface="Courier"/>
+                <a:cs typeface="Courier"/>
+                <a:sym typeface="Courier New"/>
+              </a:rPr>
+              <a:t> </a:t>
+            </a:r>
+            <a:r>
+              <a:rPr lang="pl" sz="2800" b="0" i="0" u="none" strike="noStrike" cap="none" baseline="0" dirty="0">
+                <a:solidFill>
+                  <a:srgbClr val="FF7F00"/>
+                </a:solidFill>
+                <a:latin typeface="Courier"/>
+                <a:ea typeface="Courier"/>
+                <a:cs typeface="Courier"/>
+                <a:sym typeface="Courier New"/>
+              </a:rPr>
               <a:t>'kurs'</a:t>
             </a:r>
             <a:r>
-              <a:rPr lang="pl" sz="2800" b="0" i="0" u="none" strike="noStrike" cap="none" baseline="0">
+              <a:rPr lang="pl" sz="2800" b="0" i="0" u="none" strike="noStrike" cap="none" baseline="0" dirty="0">
                 <a:solidFill>
                   <a:srgbClr val="FF00FF"/>
                 </a:solidFill>
@@ -27195,7 +28433,7 @@
               <a:t>: </a:t>
             </a:r>
             <a:r>
-              <a:rPr lang="pl" sz="2800" b="0" i="0" u="none" strike="noStrike" cap="none" baseline="0">
+              <a:rPr lang="pl" sz="2800" b="0" i="0" u="none" strike="noStrike" cap="none" baseline="0" dirty="0">
                 <a:solidFill>
                   <a:srgbClr val="FFFF00"/>
                 </a:solidFill>
@@ -27207,55 +28445,7 @@
               <a:t>182</a:t>
             </a:r>
             <a:r>
-              <a:rPr lang="pl" sz="2800" b="0" i="0" u="none" strike="noStrike" cap="none" baseline="0">
-                <a:solidFill>
-                  <a:srgbClr val="FF00FF"/>
-                </a:solidFill>
-                <a:latin typeface="Courier"/>
-                <a:ea typeface="Courier"/>
-                <a:cs typeface="Courier"/>
-                <a:sym typeface="Courier New"/>
-              </a:rPr>
-              <a:t>, </a:t>
-            </a:r>
-            <a:r>
-              <a:rPr lang="pl" sz="2800" b="0" i="0" u="none" strike="noStrike" cap="none" baseline="0">
-                <a:solidFill>
-                  <a:srgbClr val="FF7F00"/>
-                </a:solidFill>
-                <a:latin typeface="Courier"/>
-                <a:ea typeface="Courier"/>
-                <a:cs typeface="Courier"/>
-                <a:sym typeface="Courier New"/>
-              </a:rPr>
-              <a:t>'wiek'</a:t>
-            </a:r>
-            <a:r>
-              <a:rPr lang="pl" sz="2800" b="0" i="0" u="none" strike="noStrike" cap="none" baseline="0">
-                <a:solidFill>
-                  <a:srgbClr val="FF00FF"/>
-                </a:solidFill>
-                <a:latin typeface="Courier"/>
-                <a:ea typeface="Courier"/>
-                <a:cs typeface="Courier"/>
-                <a:sym typeface="Courier New"/>
-              </a:rPr>
-              <a:t>: </a:t>
-            </a:r>
-            <a:r>
-              <a:rPr lang="pl" sz="2800" b="0" i="0" u="none" strike="noStrike" cap="none" baseline="0">
-                <a:solidFill>
-                  <a:srgbClr val="FFFF00"/>
-                </a:solidFill>
-                <a:latin typeface="Courier"/>
-                <a:ea typeface="Courier"/>
-                <a:cs typeface="Courier"/>
-                <a:sym typeface="Courier New"/>
-              </a:rPr>
-              <a:t>21</a:t>
-            </a:r>
-            <a:r>
-              <a:rPr lang="pl" sz="2800" b="0" i="0" u="none" strike="noStrike" cap="none" baseline="0">
+              <a:rPr lang="pl" sz="2800" b="0" i="0" u="none" strike="noStrike" cap="none" baseline="0" dirty="0">
                 <a:solidFill>
                   <a:srgbClr val="FF00FF"/>
                 </a:solidFill>
@@ -27286,7 +28476,7 @@
               <a:buNone/>
             </a:pPr>
             <a:r>
-              <a:rPr lang="pl" sz="2800" b="0" i="0" u="none" strike="noStrike" cap="none" baseline="0">
+              <a:rPr lang="pl" sz="2800" b="0" i="0" u="none" strike="noStrike" cap="none" baseline="0" dirty="0">
                 <a:solidFill>
                   <a:srgbClr val="FF00FF"/>
                 </a:solidFill>
@@ -27298,7 +28488,7 @@
               <a:t>&gt;&gt;&gt; ddd[</a:t>
             </a:r>
             <a:r>
-              <a:rPr lang="pl" sz="2800" b="0" i="0" u="none" strike="noStrike" cap="none" baseline="0">
+              <a:rPr lang="pl" sz="2800" b="0" i="0" u="none" strike="noStrike" cap="none" baseline="0" dirty="0">
                 <a:solidFill>
                   <a:srgbClr val="FF7F00"/>
                 </a:solidFill>
@@ -27310,7 +28500,7 @@
               <a:t>'wiek'</a:t>
             </a:r>
             <a:r>
-              <a:rPr lang="pl" sz="2800" b="0" i="0" u="none" strike="noStrike" cap="none" baseline="0">
+              <a:rPr lang="pl" sz="2800" b="0" i="0" u="none" strike="noStrike" cap="none" baseline="0" dirty="0">
                 <a:solidFill>
                   <a:srgbClr val="FF00FF"/>
                 </a:solidFill>
@@ -27330,7 +28520,7 @@
               <a:buSzPct val="25000"/>
             </a:pPr>
             <a:r>
-              <a:rPr lang="pl" sz="2800" b="0" i="0" u="none" strike="noStrike" cap="none" baseline="0">
+              <a:rPr lang="pl" sz="2800" b="0" i="0" u="none" strike="noStrike" cap="none" baseline="0" dirty="0">
                 <a:solidFill>
                   <a:srgbClr val="FF00FF"/>
                 </a:solidFill>
@@ -27342,7 +28532,7 @@
               <a:t>&gt;&gt;&gt; </a:t>
             </a:r>
             <a:r>
-              <a:rPr lang="pl" sz="2800" b="0" i="0" u="none" strike="noStrike" cap="none" baseline="0">
+              <a:rPr lang="pl" sz="2800" b="0" i="0" u="none" strike="noStrike" cap="none" baseline="0" dirty="0">
                 <a:solidFill>
                   <a:srgbClr val="FFFF00"/>
                 </a:solidFill>
@@ -27354,7 +28544,7 @@
               <a:t>print(</a:t>
             </a:r>
             <a:r>
-              <a:rPr lang="pl" sz="2800" b="0" i="0" u="none" strike="noStrike" cap="none" baseline="0">
+              <a:rPr lang="pl" sz="2800" b="0" i="0" u="none" strike="noStrike" cap="none" baseline="0" dirty="0">
                 <a:solidFill>
                   <a:srgbClr val="FF00FF"/>
                 </a:solidFill>
@@ -27366,7 +28556,7 @@
               <a:t>ddd</a:t>
             </a:r>
             <a:r>
-              <a:rPr lang="pl" sz="2800" b="0" i="0" u="none" baseline="0">
+              <a:rPr lang="pl" sz="2800" b="0" i="0" u="none" baseline="0" dirty="0">
                 <a:solidFill>
                   <a:srgbClr val="FFFF00"/>
                 </a:solidFill>
@@ -27406,7 +28596,7 @@
               <a:buNone/>
             </a:pPr>
             <a:r>
-              <a:rPr lang="pl" sz="2800" b="0" i="0" u="none" strike="noStrike" cap="none" baseline="0">
+              <a:rPr lang="pl" sz="2800" b="0" i="0" u="none" strike="noStrike" cap="none" baseline="0" dirty="0">
                 <a:solidFill>
                   <a:srgbClr val="FF00FF"/>
                 </a:solidFill>
@@ -27418,7 +28608,7 @@
               <a:t>{</a:t>
             </a:r>
             <a:r>
-              <a:rPr lang="pl" sz="2800" b="0" i="0" u="none" strike="noStrike" cap="none" baseline="0">
+              <a:rPr lang="pl" sz="2800" b="0" i="0" u="none" strike="noStrike" cap="none" baseline="0" dirty="0">
                 <a:solidFill>
                   <a:srgbClr val="FF7F00"/>
                 </a:solidFill>
@@ -27427,10 +28617,70 @@
                 <a:cs typeface="Courier"/>
                 <a:sym typeface="Courier New"/>
               </a:rPr>
+              <a:t>'wiek'</a:t>
+            </a:r>
+            <a:r>
+              <a:rPr lang="pl" sz="2800" b="0" i="0" u="none" strike="noStrike" cap="none" baseline="0" dirty="0">
+                <a:solidFill>
+                  <a:srgbClr val="FF00FF"/>
+                </a:solidFill>
+                <a:latin typeface="Courier"/>
+                <a:ea typeface="Courier"/>
+                <a:cs typeface="Courier"/>
+                <a:sym typeface="Courier New"/>
+              </a:rPr>
+              <a:t>: </a:t>
+            </a:r>
+            <a:r>
+              <a:rPr lang="pl" sz="2800" b="0" i="0" u="none" strike="noStrike" cap="none" baseline="0" dirty="0">
+                <a:solidFill>
+                  <a:srgbClr val="FFFF00"/>
+                </a:solidFill>
+                <a:latin typeface="Courier"/>
+                <a:ea typeface="Courier"/>
+                <a:cs typeface="Courier"/>
+                <a:sym typeface="Courier New"/>
+              </a:rPr>
+              <a:t>23</a:t>
+            </a:r>
+            <a:r>
+              <a:rPr lang="pl" sz="2800" b="0" i="0" u="none" strike="noStrike" cap="none" baseline="0" dirty="0">
+                <a:solidFill>
+                  <a:srgbClr val="FF00FF"/>
+                </a:solidFill>
+                <a:latin typeface="Courier"/>
+                <a:ea typeface="Courier"/>
+                <a:cs typeface="Courier"/>
+                <a:sym typeface="Courier New"/>
+              </a:rPr>
+              <a:t>,</a:t>
+            </a:r>
+            <a:r>
+              <a:rPr lang="pl" sz="2800" b="0" i="0" u="none" strike="noStrike" cap="none" baseline="0" dirty="0">
+                <a:solidFill>
+                  <a:srgbClr val="FFFF00"/>
+                </a:solidFill>
+                <a:latin typeface="Courier"/>
+                <a:ea typeface="Courier"/>
+                <a:cs typeface="Courier"/>
+                <a:sym typeface="Courier New"/>
+              </a:rPr>
+              <a:t> </a:t>
+            </a:r>
+            <a:r>
+              <a:rPr lang="pl" sz="2800" b="0" i="0" u="none" strike="noStrike" cap="none" baseline="0" dirty="0">
+                <a:solidFill>
+                  <a:srgbClr val="FF7F00"/>
+                </a:solidFill>
+                <a:latin typeface="Courier"/>
+                <a:ea typeface="Courier"/>
+                <a:cs typeface="Courier"/>
+                <a:sym typeface="Courier New"/>
+              </a:rPr>
               <a:t>'kurs'</a:t>
             </a:r>
             <a:r>
-              <a:rPr lang="pl" sz="2800" b="0" i="0" u="none" strike="noStrike" cap="none" baseline="0">
+              <a:rPr lang="pl" sz="2800" b="0" i="0" u="none" strike="noStrike" cap="none" baseline="0" dirty="0">
                 <a:solidFill>
                   <a:srgbClr val="FF00FF"/>
                 </a:solidFill>
@@ -27442,7 +28692,7 @@
               <a:t>: </a:t>
             </a:r>
             <a:r>
-              <a:rPr lang="pl" sz="2800" b="0" i="0" u="none" strike="noStrike" cap="none" baseline="0">
+              <a:rPr lang="pl" sz="2800" b="0" i="0" u="none" strike="noStrike" cap="none" baseline="0" dirty="0">
                 <a:solidFill>
                   <a:srgbClr val="FFFF00"/>
                 </a:solidFill>
@@ -27454,55 +28704,7 @@
               <a:t>182</a:t>
             </a:r>
             <a:r>
-              <a:rPr lang="pl" sz="2800" b="0" i="0" u="none" strike="noStrike" cap="none" baseline="0">
-                <a:solidFill>
-                  <a:srgbClr val="FF00FF"/>
-                </a:solidFill>
-                <a:latin typeface="Courier"/>
-                <a:ea typeface="Courier"/>
-                <a:cs typeface="Courier"/>
-                <a:sym typeface="Courier New"/>
-              </a:rPr>
-              <a:t>, </a:t>
-            </a:r>
-            <a:r>
-              <a:rPr lang="pl" sz="2800" b="0" i="0" u="none" strike="noStrike" cap="none" baseline="0">
-                <a:solidFill>
-                  <a:srgbClr val="FF7F00"/>
-                </a:solidFill>
-                <a:latin typeface="Courier"/>
-                <a:ea typeface="Courier"/>
-                <a:cs typeface="Courier"/>
-                <a:sym typeface="Courier New"/>
-              </a:rPr>
-              <a:t>'wiek'</a:t>
-            </a:r>
-            <a:r>
-              <a:rPr lang="pl" sz="2800" b="0" i="0" u="none" strike="noStrike" cap="none" baseline="0">
-                <a:solidFill>
-                  <a:srgbClr val="FF00FF"/>
-                </a:solidFill>
-                <a:latin typeface="Courier"/>
-                <a:ea typeface="Courier"/>
-                <a:cs typeface="Courier"/>
-                <a:sym typeface="Courier New"/>
-              </a:rPr>
-              <a:t>: </a:t>
-            </a:r>
-            <a:r>
-              <a:rPr lang="pl" sz="2800" b="0" i="0" u="none" strike="noStrike" cap="none" baseline="0">
-                <a:solidFill>
-                  <a:srgbClr val="FFFF00"/>
-                </a:solidFill>
-                <a:latin typeface="Courier"/>
-                <a:ea typeface="Courier"/>
-                <a:cs typeface="Courier"/>
-                <a:sym typeface="Courier New"/>
-              </a:rPr>
-              <a:t>23</a:t>
-            </a:r>
-            <a:r>
-              <a:rPr lang="pl" sz="2800" b="0" i="0" u="none" strike="noStrike" cap="none" baseline="0">
+              <a:rPr lang="pl" sz="2800" b="0" i="0" u="none" strike="noStrike" cap="none" baseline="0" dirty="0">
                 <a:solidFill>
                   <a:srgbClr val="FF00FF"/>
                 </a:solidFill>
@@ -27988,25 +29190,14 @@
           </a:bodyPr>
           <a:lstStyle/>
           <a:p>
-            <a:pPr marL="0" marR="0" lvl="0" indent="0" algn="r" rtl="0">
-              <a:lnSpc>
-                <a:spcPct val="100000"/>
-              </a:lnSpc>
-              <a:spcBef>
-                <a:spcPts val="0"/>
-              </a:spcBef>
-              <a:spcAft>
-                <a:spcPts val="0"/>
-              </a:spcAft>
+            <a:pPr algn="r">
               <a:buClr>
                 <a:srgbClr val="FF7F00"/>
               </a:buClr>
               <a:buSzPct val="25000"/>
-              <a:buFont typeface="Cabin"/>
-              <a:buNone/>
-            </a:pPr>
-            <a:r>
-              <a:rPr lang="pl" sz="3200" b="0" i="0" u="none" strike="noStrike" cap="none" baseline="0">
+            </a:pPr>
+            <a:r>
+              <a:rPr lang="pl" sz="3200" b="0" i="0" u="none" strike="noStrike" cap="none" baseline="0" dirty="0">
                 <a:solidFill>
                   <a:srgbClr val="FF7F00"/>
                 </a:solidFill>
@@ -28015,94 +29206,7 @@
                 <a:cs typeface="Arial" charset="0"/>
                 <a:sym typeface="Cabin"/>
               </a:rPr>
-              <a:t>['kurs']</a:t>
-            </a:r>
-          </a:p>
-        </p:txBody>
-      </p:sp>
-      <p:sp>
-        <p:nvSpPr>
-          <p:cNvPr id="283" name="Shape 283"/>
-          <p:cNvSpPr txBox="1"/>
-          <p:nvPr/>
-        </p:nvSpPr>
-        <p:spPr>
-          <a:xfrm>
-            <a:off x="11805445" y="6353107"/>
-            <a:ext cx="947699" cy="647700"/>
-          </a:xfrm>
-          <a:prstGeom prst="rect">
-            <a:avLst/>
-          </a:prstGeom>
-          <a:noFill/>
-          <a:ln w="25400" cap="rnd" cmpd="sng">
-            <a:solidFill>
-              <a:srgbClr val="FFFF00"/>
-            </a:solidFill>
-            <a:prstDash val="solid"/>
-            <a:miter/>
-            <a:headEnd type="none" w="med" len="med"/>
-            <a:tailEnd type="none" w="med" len="med"/>
-          </a:ln>
-        </p:spPr>
-        <p:txBody>
-          <a:bodyPr lIns="0" tIns="0" rIns="0" bIns="0" anchor="ctr" anchorCtr="0">
-            <a:noAutofit/>
-          </a:bodyPr>
-          <a:lstStyle/>
-          <a:p>
-            <a:pPr marL="0" marR="0" lvl="0" indent="0" algn="l" rtl="0">
-              <a:lnSpc>
-                <a:spcPct val="100000"/>
-              </a:lnSpc>
-              <a:spcBef>
-                <a:spcPts val="0"/>
-              </a:spcBef>
-              <a:spcAft>
-                <a:spcPts val="0"/>
-              </a:spcAft>
-              <a:buClr>
-                <a:schemeClr val="lt1"/>
-              </a:buClr>
-              <a:buSzPct val="25000"/>
-              <a:buFont typeface="Cabin"/>
-              <a:buNone/>
-            </a:pPr>
-            <a:r>
-              <a:rPr lang="pl" sz="3200" b="0" i="0" u="none" baseline="0">
-                <a:solidFill>
-                  <a:schemeClr val="lt1"/>
-                </a:solidFill>
-                <a:latin typeface="Arial" charset="0"/>
-                <a:ea typeface="Arial" charset="0"/>
-                <a:cs typeface="Arial" charset="0"/>
-                <a:sym typeface="Cabin"/>
-              </a:rPr>
-              <a:t> </a:t>
-            </a:r>
-            <a:r>
-              <a:rPr lang="pl" sz="3200" b="0" i="0" u="none" strike="noStrike" cap="none" baseline="0">
-                <a:solidFill>
-                  <a:schemeClr val="lt1"/>
-                </a:solidFill>
-                <a:latin typeface="Arial" charset="0"/>
-                <a:ea typeface="Arial" charset="0"/>
-                <a:cs typeface="Arial" charset="0"/>
-                <a:sym typeface="Cabin"/>
-              </a:rPr>
-              <a:t>18</a:t>
-            </a:r>
-            <a:r>
-              <a:rPr lang="pl" sz="3200" b="0" i="0" u="none" baseline="0">
-                <a:solidFill>
-                  <a:schemeClr val="lt1"/>
-                </a:solidFill>
-                <a:latin typeface="Arial" charset="0"/>
-                <a:ea typeface="Arial" charset="0"/>
-                <a:cs typeface="Arial" charset="0"/>
-                <a:sym typeface="Cabin"/>
-              </a:rPr>
-              <a:t>2</a:t>
+              <a:t>['wiek’]</a:t>
             </a:r>
           </a:p>
         </p:txBody>
@@ -28132,25 +29236,14 @@
           </a:bodyPr>
           <a:lstStyle/>
           <a:p>
-            <a:pPr marL="0" marR="0" lvl="0" indent="0" algn="r" rtl="0">
-              <a:lnSpc>
-                <a:spcPct val="100000"/>
-              </a:lnSpc>
-              <a:spcBef>
-                <a:spcPts val="0"/>
-              </a:spcBef>
-              <a:spcAft>
-                <a:spcPts val="0"/>
-              </a:spcAft>
+            <a:pPr algn="r">
               <a:buClr>
                 <a:srgbClr val="FF7F00"/>
               </a:buClr>
               <a:buSzPct val="25000"/>
-              <a:buFont typeface="Cabin"/>
-              <a:buNone/>
-            </a:pPr>
-            <a:r>
-              <a:rPr lang="pl" sz="3200" b="0" i="0" u="none" strike="noStrike" cap="none" baseline="0">
+            </a:pPr>
+            <a:r>
+              <a:rPr lang="pl" sz="3200" b="0" i="0" u="none" strike="noStrike" cap="none" baseline="0" dirty="0">
                 <a:solidFill>
                   <a:srgbClr val="FF7F00"/>
                 </a:solidFill>
@@ -28159,82 +29252,7 @@
                 <a:cs typeface="Arial" charset="0"/>
                 <a:sym typeface="Cabin"/>
               </a:rPr>
-              <a:t>['wiek']</a:t>
-            </a:r>
-          </a:p>
-        </p:txBody>
-      </p:sp>
-      <p:sp>
-        <p:nvSpPr>
-          <p:cNvPr id="285" name="Shape 285"/>
-          <p:cNvSpPr txBox="1"/>
-          <p:nvPr/>
-        </p:nvSpPr>
-        <p:spPr>
-          <a:xfrm>
-            <a:off x="11805445" y="7115107"/>
-            <a:ext cx="597000" cy="647700"/>
-          </a:xfrm>
-          <a:prstGeom prst="rect">
-            <a:avLst/>
-          </a:prstGeom>
-          <a:noFill/>
-          <a:ln w="25400" cap="rnd" cmpd="sng">
-            <a:solidFill>
-              <a:srgbClr val="FFFF00"/>
-            </a:solidFill>
-            <a:prstDash val="solid"/>
-            <a:miter/>
-            <a:headEnd type="none" w="med" len="med"/>
-            <a:tailEnd type="none" w="med" len="med"/>
-          </a:ln>
-        </p:spPr>
-        <p:txBody>
-          <a:bodyPr lIns="0" tIns="0" rIns="0" bIns="0" anchor="ctr" anchorCtr="0">
-            <a:noAutofit/>
-          </a:bodyPr>
-          <a:lstStyle/>
-          <a:p>
-            <a:pPr marL="0" marR="0" lvl="0" indent="0" algn="l" rtl="0">
-              <a:lnSpc>
-                <a:spcPct val="100000"/>
-              </a:lnSpc>
-              <a:spcBef>
-                <a:spcPts val="0"/>
-              </a:spcBef>
-              <a:spcAft>
-                <a:spcPts val="0"/>
-              </a:spcAft>
-              <a:buClr>
-                <a:schemeClr val="lt1"/>
-              </a:buClr>
-              <a:buSzPct val="25000"/>
-              <a:buFont typeface="Cabin"/>
-              <a:buNone/>
-            </a:pPr>
-            <a:r>
-              <a:rPr lang="pl" sz="3200" b="0" i="0" u="none" baseline="0">
-                <a:solidFill>
-                  <a:schemeClr val="lt1"/>
-                </a:solidFill>
-                <a:latin typeface="Arial" charset="0"/>
-                <a:ea typeface="Arial" charset="0"/>
-                <a:cs typeface="Arial" charset="0"/>
-                <a:sym typeface="Cabin"/>
-              </a:rPr>
-              <a:t> </a:t>
-            </a:r>
-            <a:r>
-              <a:rPr lang="pl" sz="3200" b="0" i="0" u="none" strike="noStrike" cap="none" baseline="0">
-                <a:solidFill>
-                  <a:schemeClr val="lt1"/>
-                </a:solidFill>
-                <a:latin typeface="Arial" charset="0"/>
-                <a:ea typeface="Arial" charset="0"/>
-                <a:cs typeface="Arial" charset="0"/>
-                <a:sym typeface="Cabin"/>
-              </a:rPr>
-              <a:t>21</a:t>
+              <a:t>['kurs']</a:t>
             </a:r>
           </a:p>
         </p:txBody>
@@ -28520,6 +29538,180 @@
                 <a:sym typeface="Cabin"/>
               </a:rPr>
               <a:t>Słownik</a:t>
+            </a:r>
+          </a:p>
+        </p:txBody>
+      </p:sp>
+      <p:sp>
+        <p:nvSpPr>
+          <p:cNvPr id="22" name="Shape 285">
+            <a:extLst>
+              <a:ext uri="{FF2B5EF4-FFF2-40B4-BE49-F238E27FC236}">
+                <a16:creationId xmlns:a16="http://schemas.microsoft.com/office/drawing/2014/main" id="{4D9D877F-5167-4879-845D-489700E56317}"/>
+              </a:ext>
+            </a:extLst>
+          </p:cNvPr>
+          <p:cNvSpPr txBox="1"/>
+          <p:nvPr/>
+        </p:nvSpPr>
+        <p:spPr>
+          <a:xfrm>
+            <a:off x="11814137" y="6347970"/>
+            <a:ext cx="597000" cy="647700"/>
+          </a:xfrm>
+          <a:prstGeom prst="rect">
+            <a:avLst/>
+          </a:prstGeom>
+          <a:noFill/>
+          <a:ln w="25400" cap="rnd" cmpd="sng">
+            <a:solidFill>
+              <a:srgbClr val="FFFF00"/>
+            </a:solidFill>
+            <a:prstDash val="solid"/>
+            <a:miter/>
+            <a:headEnd type="none" w="med" len="med"/>
+            <a:tailEnd type="none" w="med" len="med"/>
+          </a:ln>
+        </p:spPr>
+        <p:txBody>
+          <a:bodyPr lIns="0" tIns="0" rIns="0" bIns="0" anchor="ctr" anchorCtr="0">
+            <a:noAutofit/>
+          </a:bodyPr>
+          <a:lstStyle/>
+          <a:p>
+            <a:pPr marL="0" marR="0" lvl="0" indent="0" algn="l" rtl="0">
+              <a:lnSpc>
+                <a:spcPct val="100000"/>
+              </a:lnSpc>
+              <a:spcBef>
+                <a:spcPts val="0"/>
+              </a:spcBef>
+              <a:spcAft>
+                <a:spcPts val="0"/>
+              </a:spcAft>
+              <a:buClr>
+                <a:schemeClr val="lt1"/>
+              </a:buClr>
+              <a:buSzPct val="25000"/>
+              <a:buFont typeface="Cabin"/>
+              <a:buNone/>
+            </a:pPr>
+            <a:r>
+              <a:rPr lang="pl" sz="3200" b="0" i="0" u="none" baseline="0" dirty="0">
+                <a:solidFill>
+                  <a:schemeClr val="lt1"/>
+                </a:solidFill>
+                <a:latin typeface="Arial" charset="0"/>
+                <a:ea typeface="Arial" charset="0"/>
+                <a:cs typeface="Arial" charset="0"/>
+                <a:sym typeface="Cabin"/>
+              </a:rPr>
+              <a:t> </a:t>
+            </a:r>
+            <a:r>
+              <a:rPr lang="pl" sz="3200" b="0" i="0" u="none" strike="noStrike" cap="none" baseline="0" dirty="0">
+                <a:solidFill>
+                  <a:schemeClr val="lt1"/>
+                </a:solidFill>
+                <a:latin typeface="Arial" charset="0"/>
+                <a:ea typeface="Arial" charset="0"/>
+                <a:cs typeface="Arial" charset="0"/>
+                <a:sym typeface="Cabin"/>
+              </a:rPr>
+              <a:t>21</a:t>
+            </a:r>
+          </a:p>
+        </p:txBody>
+      </p:sp>
+      <p:sp>
+        <p:nvSpPr>
+          <p:cNvPr id="23" name="Shape 283">
+            <a:extLst>
+              <a:ext uri="{FF2B5EF4-FFF2-40B4-BE49-F238E27FC236}">
+                <a16:creationId xmlns:a16="http://schemas.microsoft.com/office/drawing/2014/main" id="{18553E4B-2E2B-4B9C-AE4F-63F6768FAED2}"/>
+              </a:ext>
+            </a:extLst>
+          </p:cNvPr>
+          <p:cNvSpPr txBox="1"/>
+          <p:nvPr/>
+        </p:nvSpPr>
+        <p:spPr>
+          <a:xfrm>
+            <a:off x="11814137" y="7115107"/>
+            <a:ext cx="947699" cy="647700"/>
+          </a:xfrm>
+          <a:prstGeom prst="rect">
+            <a:avLst/>
+          </a:prstGeom>
+          <a:noFill/>
+          <a:ln w="25400" cap="rnd" cmpd="sng">
+            <a:solidFill>
+              <a:srgbClr val="FFFF00"/>
+            </a:solidFill>
+            <a:prstDash val="solid"/>
+            <a:miter/>
+            <a:headEnd type="none" w="med" len="med"/>
+            <a:tailEnd type="none" w="med" len="med"/>
+          </a:ln>
+        </p:spPr>
+        <p:txBody>
+          <a:bodyPr lIns="0" tIns="0" rIns="0" bIns="0" anchor="ctr" anchorCtr="0">
+            <a:noAutofit/>
+          </a:bodyPr>
+          <a:lstStyle/>
+          <a:p>
+            <a:pPr marL="0" marR="0" lvl="0" indent="0" algn="l" rtl="0">
+              <a:lnSpc>
+                <a:spcPct val="100000"/>
+              </a:lnSpc>
+              <a:spcBef>
+                <a:spcPts val="0"/>
+              </a:spcBef>
+              <a:spcAft>
+                <a:spcPts val="0"/>
+              </a:spcAft>
+              <a:buClr>
+                <a:schemeClr val="lt1"/>
+              </a:buClr>
+              <a:buSzPct val="25000"/>
+              <a:buFont typeface="Cabin"/>
+              <a:buNone/>
+            </a:pPr>
+            <a:r>
+              <a:rPr lang="pl" sz="3200" b="0" i="0" u="none" baseline="0" dirty="0">
+                <a:solidFill>
+                  <a:schemeClr val="lt1"/>
+                </a:solidFill>
+                <a:latin typeface="Arial" charset="0"/>
+                <a:ea typeface="Arial" charset="0"/>
+                <a:cs typeface="Arial" charset="0"/>
+                <a:sym typeface="Cabin"/>
+              </a:rPr>
+              <a:t> </a:t>
+            </a:r>
+            <a:r>
+              <a:rPr lang="pl" sz="3200" b="0" i="0" u="none" strike="noStrike" cap="none" baseline="0" dirty="0">
+                <a:solidFill>
+                  <a:schemeClr val="lt1"/>
+                </a:solidFill>
+                <a:latin typeface="Arial" charset="0"/>
+                <a:ea typeface="Arial" charset="0"/>
+                <a:cs typeface="Arial" charset="0"/>
+                <a:sym typeface="Cabin"/>
+              </a:rPr>
+              <a:t>18</a:t>
+            </a:r>
+            <a:r>
+              <a:rPr lang="pl" sz="3200" b="0" i="0" u="none" baseline="0" dirty="0">
+                <a:solidFill>
+                  <a:schemeClr val="lt1"/>
+                </a:solidFill>
+                <a:latin typeface="Arial" charset="0"/>
+                <a:ea typeface="Arial" charset="0"/>
+                <a:cs typeface="Arial" charset="0"/>
+                <a:sym typeface="Cabin"/>
+              </a:rPr>
+              <a:t>2</a:t>
             </a:r>
           </a:p>
         </p:txBody>
